--- a/Learn Node.pptx
+++ b/Learn Node.pptx
@@ -6,20 +6,45 @@
   </p:sldMasterIdLst>
   <p:sldIdLst>
     <p:sldId id="256" r:id="rId2"/>
-    <p:sldId id="274" r:id="rId3"/>
+    <p:sldId id="281" r:id="rId3"/>
     <p:sldId id="261" r:id="rId4"/>
     <p:sldId id="258" r:id="rId5"/>
     <p:sldId id="272" r:id="rId6"/>
     <p:sldId id="264" r:id="rId7"/>
     <p:sldId id="262" r:id="rId8"/>
-    <p:sldId id="273" r:id="rId9"/>
-    <p:sldId id="270" r:id="rId10"/>
-    <p:sldId id="271" r:id="rId11"/>
-    <p:sldId id="265" r:id="rId12"/>
-    <p:sldId id="266" r:id="rId13"/>
-    <p:sldId id="267" r:id="rId14"/>
-    <p:sldId id="268" r:id="rId15"/>
-    <p:sldId id="269" r:id="rId16"/>
+    <p:sldId id="270" r:id="rId9"/>
+    <p:sldId id="271" r:id="rId10"/>
+    <p:sldId id="286" r:id="rId11"/>
+    <p:sldId id="284" r:id="rId12"/>
+    <p:sldId id="285" r:id="rId13"/>
+    <p:sldId id="275" r:id="rId14"/>
+    <p:sldId id="288" r:id="rId15"/>
+    <p:sldId id="276" r:id="rId16"/>
+    <p:sldId id="277" r:id="rId17"/>
+    <p:sldId id="265" r:id="rId18"/>
+    <p:sldId id="266" r:id="rId19"/>
+    <p:sldId id="267" r:id="rId20"/>
+    <p:sldId id="268" r:id="rId21"/>
+    <p:sldId id="269" r:id="rId22"/>
+    <p:sldId id="289" r:id="rId23"/>
+    <p:sldId id="278" r:id="rId24"/>
+    <p:sldId id="274" r:id="rId25"/>
+    <p:sldId id="280" r:id="rId26"/>
+    <p:sldId id="282" r:id="rId27"/>
+    <p:sldId id="294" r:id="rId28"/>
+    <p:sldId id="287" r:id="rId29"/>
+    <p:sldId id="291" r:id="rId30"/>
+    <p:sldId id="292" r:id="rId31"/>
+    <p:sldId id="295" r:id="rId32"/>
+    <p:sldId id="298" r:id="rId33"/>
+    <p:sldId id="293" r:id="rId34"/>
+    <p:sldId id="299" r:id="rId35"/>
+    <p:sldId id="300" r:id="rId36"/>
+    <p:sldId id="297" r:id="rId37"/>
+    <p:sldId id="296" r:id="rId38"/>
+    <p:sldId id="301" r:id="rId39"/>
+    <p:sldId id="302" r:id="rId40"/>
+    <p:sldId id="283" r:id="rId41"/>
   </p:sldIdLst>
   <p:sldSz cx="12192000" cy="6858000"/>
   <p:notesSz cx="6858000" cy="9144000"/>
@@ -8919,7 +8944,7 @@
           <a:p>
             <a:fld id="{87C5384F-0C26-4D70-9ECE-002669956F61}" type="datetimeFigureOut">
               <a:rPr lang="en-US" smtClean="0"/>
-              <a:t>6/22/2017</a:t>
+              <a:t>6/23/2017</a:t>
             </a:fld>
             <a:endParaRPr lang="en-US"/>
           </a:p>
@@ -9126,7 +9151,7 @@
           <a:p>
             <a:fld id="{87C5384F-0C26-4D70-9ECE-002669956F61}" type="datetimeFigureOut">
               <a:rPr lang="en-US" smtClean="0"/>
-              <a:t>6/22/2017</a:t>
+              <a:t>6/23/2017</a:t>
             </a:fld>
             <a:endParaRPr lang="en-US"/>
           </a:p>
@@ -9306,7 +9331,7 @@
           <a:p>
             <a:fld id="{87C5384F-0C26-4D70-9ECE-002669956F61}" type="datetimeFigureOut">
               <a:rPr lang="en-US" smtClean="0"/>
-              <a:t>6/22/2017</a:t>
+              <a:t>6/23/2017</a:t>
             </a:fld>
             <a:endParaRPr lang="en-US"/>
           </a:p>
@@ -9511,7 +9536,7 @@
           <a:p>
             <a:fld id="{87C5384F-0C26-4D70-9ECE-002669956F61}" type="datetimeFigureOut">
               <a:rPr lang="en-US" smtClean="0"/>
-              <a:t>6/22/2017</a:t>
+              <a:t>6/23/2017</a:t>
             </a:fld>
             <a:endParaRPr lang="en-US"/>
           </a:p>
@@ -18409,7 +18434,7 @@
           <a:p>
             <a:fld id="{87C5384F-0C26-4D70-9ECE-002669956F61}" type="datetimeFigureOut">
               <a:rPr lang="en-US" smtClean="0"/>
-              <a:t>6/22/2017</a:t>
+              <a:t>6/23/2017</a:t>
             </a:fld>
             <a:endParaRPr lang="en-US"/>
           </a:p>
@@ -18683,7 +18708,7 @@
           <a:p>
             <a:fld id="{87C5384F-0C26-4D70-9ECE-002669956F61}" type="datetimeFigureOut">
               <a:rPr lang="en-US" smtClean="0"/>
-              <a:t>6/22/2017</a:t>
+              <a:t>6/23/2017</a:t>
             </a:fld>
             <a:endParaRPr lang="en-US"/>
           </a:p>
@@ -19081,7 +19106,7 @@
           <a:p>
             <a:fld id="{87C5384F-0C26-4D70-9ECE-002669956F61}" type="datetimeFigureOut">
               <a:rPr lang="en-US" smtClean="0"/>
-              <a:t>6/22/2017</a:t>
+              <a:t>6/23/2017</a:t>
             </a:fld>
             <a:endParaRPr lang="en-US"/>
           </a:p>
@@ -19199,7 +19224,7 @@
           <a:p>
             <a:fld id="{87C5384F-0C26-4D70-9ECE-002669956F61}" type="datetimeFigureOut">
               <a:rPr lang="en-US" smtClean="0"/>
-              <a:t>6/22/2017</a:t>
+              <a:t>6/23/2017</a:t>
             </a:fld>
             <a:endParaRPr lang="en-US"/>
           </a:p>
@@ -19294,7 +19319,7 @@
           <a:p>
             <a:fld id="{87C5384F-0C26-4D70-9ECE-002669956F61}" type="datetimeFigureOut">
               <a:rPr lang="en-US" smtClean="0"/>
-              <a:t>6/22/2017</a:t>
+              <a:t>6/23/2017</a:t>
             </a:fld>
             <a:endParaRPr lang="en-US"/>
           </a:p>
@@ -19584,7 +19609,7 @@
           <a:p>
             <a:fld id="{87C5384F-0C26-4D70-9ECE-002669956F61}" type="datetimeFigureOut">
               <a:rPr lang="en-US" smtClean="0"/>
-              <a:t>6/22/2017</a:t>
+              <a:t>6/23/2017</a:t>
             </a:fld>
             <a:endParaRPr lang="en-US"/>
           </a:p>
@@ -19864,7 +19889,7 @@
           <a:p>
             <a:fld id="{87C5384F-0C26-4D70-9ECE-002669956F61}" type="datetimeFigureOut">
               <a:rPr lang="en-US" smtClean="0"/>
-              <a:t>6/22/2017</a:t>
+              <a:t>6/23/2017</a:t>
             </a:fld>
             <a:endParaRPr lang="en-US"/>
           </a:p>
@@ -20114,7 +20139,7 @@
           <a:p>
             <a:fld id="{87C5384F-0C26-4D70-9ECE-002669956F61}" type="datetimeFigureOut">
               <a:rPr lang="en-US" smtClean="0"/>
-              <a:t>6/22/2017</a:t>
+              <a:t>6/23/2017</a:t>
             </a:fld>
             <a:endParaRPr lang="en-US"/>
           </a:p>
@@ -20862,12 +20887,12 @@
           <a:p>
             <a:pPr algn="l"/>
             <a:r>
-              <a:rPr lang="en-US" sz="4400">
+              <a:rPr lang="en-US" sz="4400" dirty="0">
                 <a:solidFill>
                   <a:schemeClr val="bg1"/>
                 </a:solidFill>
               </a:rPr>
-              <a:t>Introduction to Node.js</a:t>
+              <a:t>Node.js Part 1</a:t>
             </a:r>
           </a:p>
         </p:txBody>
@@ -20895,7 +20920,7 @@
           <a:lstStyle/>
           <a:p>
             <a:r>
-              <a:rPr lang="en-US" sz="1600">
+              <a:rPr lang="en-US" sz="1600" dirty="0">
                 <a:solidFill>
                   <a:schemeClr val="bg1"/>
                 </a:solidFill>
@@ -20951,12 +20976,8 @@
           <a:lstStyle/>
           <a:p>
             <a:r>
-              <a:rPr lang="en-US" dirty="0" err="1"/>
-              <a:t>Async</a:t>
-            </a:r>
-            <a:r>
               <a:rPr lang="en-US" dirty="0"/>
-              <a:t> vs sync</a:t>
+              <a:t>Write to file</a:t>
             </a:r>
           </a:p>
         </p:txBody>
@@ -20983,8 +21004,8 @@
         </p:blipFill>
         <p:spPr>
           <a:xfrm>
-            <a:off x="823766" y="4005997"/>
-            <a:ext cx="8032176" cy="1554615"/>
+            <a:off x="764037" y="3193192"/>
+            <a:ext cx="8947317" cy="1942223"/>
           </a:xfrm>
           <a:prstGeom prst="rect">
             <a:avLst/>
@@ -20993,7 +21014,7 @@
       </p:pic>
       <p:pic>
         <p:nvPicPr>
-          <p:cNvPr id="6" name="Picture 5" descr="Screen Clipping"/>
+          <p:cNvPr id="5" name="Picture 4" descr="Screen Clipping"/>
           <p:cNvPicPr>
             <a:picLocks noChangeAspect="1"/>
           </p:cNvPicPr>
@@ -21013,18 +21034,205 @@
         </p:blipFill>
         <p:spPr>
           <a:xfrm>
-            <a:off x="823766" y="2580554"/>
-            <a:ext cx="7178662" cy="929721"/>
+            <a:off x="764037" y="2084832"/>
+            <a:ext cx="4615703" cy="741810"/>
           </a:xfrm>
           <a:prstGeom prst="rect">
             <a:avLst/>
           </a:prstGeom>
         </p:spPr>
       </p:pic>
+      <p:pic>
+        <p:nvPicPr>
+          <p:cNvPr id="6" name="Picture 5"/>
+          <p:cNvPicPr>
+            <a:picLocks noChangeAspect="1"/>
+          </p:cNvPicPr>
+          <p:nvPr/>
+        </p:nvPicPr>
+        <p:blipFill>
+          <a:blip r:embed="rId4"/>
+          <a:stretch>
+            <a:fillRect/>
+          </a:stretch>
+        </p:blipFill>
+        <p:spPr>
+          <a:xfrm>
+            <a:off x="764037" y="5605318"/>
+            <a:ext cx="3076575" cy="838200"/>
+          </a:xfrm>
+          <a:prstGeom prst="rect">
+            <a:avLst/>
+          </a:prstGeom>
+        </p:spPr>
+      </p:pic>
+      <p:sp>
+        <p:nvSpPr>
+          <p:cNvPr id="7" name="Rectangle 6"/>
+          <p:cNvSpPr/>
+          <p:nvPr/>
+        </p:nvSpPr>
+        <p:spPr>
+          <a:xfrm>
+            <a:off x="1745673" y="4145501"/>
+            <a:ext cx="2798618" cy="324570"/>
+          </a:xfrm>
+          <a:prstGeom prst="rect">
+            <a:avLst/>
+          </a:prstGeom>
+          <a:noFill/>
+          <a:ln>
+            <a:solidFill>
+              <a:srgbClr val="FF0000"/>
+            </a:solidFill>
+          </a:ln>
+        </p:spPr>
+        <p:style>
+          <a:lnRef idx="2">
+            <a:schemeClr val="accent1">
+              <a:shade val="50000"/>
+            </a:schemeClr>
+          </a:lnRef>
+          <a:fillRef idx="1">
+            <a:schemeClr val="accent1"/>
+          </a:fillRef>
+          <a:effectRef idx="0">
+            <a:schemeClr val="accent1"/>
+          </a:effectRef>
+          <a:fontRef idx="minor">
+            <a:schemeClr val="lt1"/>
+          </a:fontRef>
+        </p:style>
+        <p:txBody>
+          <a:bodyPr rtlCol="0" anchor="ctr"/>
+          <a:lstStyle/>
+          <a:p>
+            <a:pPr algn="ctr"/>
+            <a:endParaRPr lang="en-US"/>
+          </a:p>
+        </p:txBody>
+      </p:sp>
+      <p:cxnSp>
+        <p:nvCxnSpPr>
+          <p:cNvPr id="9" name="Straight Arrow Connector 8"/>
+          <p:cNvCxnSpPr>
+            <a:stCxn id="7" idx="3"/>
+            <a:endCxn id="14" idx="1"/>
+          </p:cNvCxnSpPr>
+          <p:nvPr/>
+        </p:nvCxnSpPr>
+        <p:spPr>
+          <a:xfrm>
+            <a:off x="4544291" y="4307786"/>
+            <a:ext cx="1052945" cy="1728178"/>
+          </a:xfrm>
+          <a:prstGeom prst="bentConnector3">
+            <a:avLst>
+              <a:gd name="adj1" fmla="val 26316"/>
+            </a:avLst>
+          </a:prstGeom>
+          <a:ln w="19050">
+            <a:solidFill>
+              <a:srgbClr val="FF0000"/>
+            </a:solidFill>
+            <a:tailEnd type="triangle"/>
+          </a:ln>
+        </p:spPr>
+        <p:style>
+          <a:lnRef idx="1">
+            <a:schemeClr val="accent1"/>
+          </a:lnRef>
+          <a:fillRef idx="0">
+            <a:schemeClr val="accent1"/>
+          </a:fillRef>
+          <a:effectRef idx="0">
+            <a:schemeClr val="accent1"/>
+          </a:effectRef>
+          <a:fontRef idx="minor">
+            <a:schemeClr val="tx1"/>
+          </a:fontRef>
+        </p:style>
+      </p:cxnSp>
+      <p:pic>
+        <p:nvPicPr>
+          <p:cNvPr id="13" name="Picture 12" descr="Screen Clipping"/>
+          <p:cNvPicPr>
+            <a:picLocks noChangeAspect="1"/>
+          </p:cNvPicPr>
+          <p:nvPr/>
+        </p:nvPicPr>
+        <p:blipFill>
+          <a:blip r:embed="rId5">
+            <a:extLst>
+              <a:ext uri="{28A0092B-C50C-407E-A947-70E740481C1C}">
+                <a14:useLocalDpi xmlns:a14="http://schemas.microsoft.com/office/drawing/2010/main" val="0"/>
+              </a:ext>
+            </a:extLst>
+          </a:blip>
+          <a:stretch>
+            <a:fillRect/>
+          </a:stretch>
+        </p:blipFill>
+        <p:spPr>
+          <a:xfrm>
+            <a:off x="5742732" y="5421585"/>
+            <a:ext cx="3926376" cy="1228757"/>
+          </a:xfrm>
+          <a:prstGeom prst="rect">
+            <a:avLst/>
+          </a:prstGeom>
+        </p:spPr>
+      </p:pic>
+      <p:sp>
+        <p:nvSpPr>
+          <p:cNvPr id="14" name="Rectangle 13"/>
+          <p:cNvSpPr/>
+          <p:nvPr/>
+        </p:nvSpPr>
+        <p:spPr>
+          <a:xfrm>
+            <a:off x="5597236" y="5301673"/>
+            <a:ext cx="4230255" cy="1468582"/>
+          </a:xfrm>
+          <a:prstGeom prst="rect">
+            <a:avLst/>
+          </a:prstGeom>
+          <a:noFill/>
+          <a:ln>
+            <a:solidFill>
+              <a:srgbClr val="FF0000"/>
+            </a:solidFill>
+          </a:ln>
+        </p:spPr>
+        <p:style>
+          <a:lnRef idx="2">
+            <a:schemeClr val="accent1">
+              <a:shade val="50000"/>
+            </a:schemeClr>
+          </a:lnRef>
+          <a:fillRef idx="1">
+            <a:schemeClr val="accent1"/>
+          </a:fillRef>
+          <a:effectRef idx="0">
+            <a:schemeClr val="accent1"/>
+          </a:effectRef>
+          <a:fontRef idx="minor">
+            <a:schemeClr val="lt1"/>
+          </a:fontRef>
+        </p:style>
+        <p:txBody>
+          <a:bodyPr rtlCol="0" anchor="ctr"/>
+          <a:lstStyle/>
+          <a:p>
+            <a:pPr algn="ctr"/>
+            <a:endParaRPr lang="en-US"/>
+          </a:p>
+        </p:txBody>
+      </p:sp>
     </p:spTree>
     <p:extLst>
       <p:ext uri="{BB962C8B-B14F-4D97-AF65-F5344CB8AC3E}">
-        <p14:creationId xmlns:p14="http://schemas.microsoft.com/office/powerpoint/2010/main" val="4020452091"/>
+        <p14:creationId xmlns:p14="http://schemas.microsoft.com/office/powerpoint/2010/main" val="925671084"/>
       </p:ext>
     </p:extLst>
   </p:cSld>
@@ -21067,8 +21275,2703 @@
           <a:lstStyle/>
           <a:p>
             <a:r>
+              <a:rPr lang="en-US" dirty="0"/>
+              <a:t>Read from console</a:t>
+            </a:r>
+          </a:p>
+        </p:txBody>
+      </p:sp>
+      <p:pic>
+        <p:nvPicPr>
+          <p:cNvPr id="4" name="Picture 3" descr="Screen Clipping"/>
+          <p:cNvPicPr>
+            <a:picLocks noChangeAspect="1"/>
+          </p:cNvPicPr>
+          <p:nvPr/>
+        </p:nvPicPr>
+        <p:blipFill>
+          <a:blip r:embed="rId2">
+            <a:extLst>
+              <a:ext uri="{28A0092B-C50C-407E-A947-70E740481C1C}">
+                <a14:useLocalDpi xmlns:a14="http://schemas.microsoft.com/office/drawing/2010/main" val="0"/>
+              </a:ext>
+            </a:extLst>
+          </a:blip>
+          <a:stretch>
+            <a:fillRect/>
+          </a:stretch>
+        </p:blipFill>
+        <p:spPr>
+          <a:xfrm>
+            <a:off x="724319" y="2103303"/>
+            <a:ext cx="8257540" cy="1535823"/>
+          </a:xfrm>
+          <a:prstGeom prst="rect">
+            <a:avLst/>
+          </a:prstGeom>
+        </p:spPr>
+      </p:pic>
+      <p:pic>
+        <p:nvPicPr>
+          <p:cNvPr id="5" name="Picture 4" descr="Screen Clipping"/>
+          <p:cNvPicPr>
+            <a:picLocks noChangeAspect="1"/>
+          </p:cNvPicPr>
+          <p:nvPr/>
+        </p:nvPicPr>
+        <p:blipFill>
+          <a:blip r:embed="rId3">
+            <a:extLst>
+              <a:ext uri="{28A0092B-C50C-407E-A947-70E740481C1C}">
+                <a14:useLocalDpi xmlns:a14="http://schemas.microsoft.com/office/drawing/2010/main" val="0"/>
+              </a:ext>
+            </a:extLst>
+          </a:blip>
+          <a:stretch>
+            <a:fillRect/>
+          </a:stretch>
+        </p:blipFill>
+        <p:spPr>
+          <a:xfrm>
+            <a:off x="724319" y="4064424"/>
+            <a:ext cx="4244845" cy="1241312"/>
+          </a:xfrm>
+          <a:prstGeom prst="rect">
+            <a:avLst/>
+          </a:prstGeom>
+        </p:spPr>
+      </p:pic>
+      <p:sp>
+        <p:nvSpPr>
+          <p:cNvPr id="6" name="Rectangle 5"/>
+          <p:cNvSpPr/>
+          <p:nvPr/>
+        </p:nvSpPr>
+        <p:spPr>
+          <a:xfrm>
+            <a:off x="6779491" y="3231101"/>
+            <a:ext cx="452582" cy="324570"/>
+          </a:xfrm>
+          <a:prstGeom prst="rect">
+            <a:avLst/>
+          </a:prstGeom>
+          <a:noFill/>
+          <a:ln>
+            <a:solidFill>
+              <a:srgbClr val="FF0000"/>
+            </a:solidFill>
+          </a:ln>
+        </p:spPr>
+        <p:style>
+          <a:lnRef idx="2">
+            <a:schemeClr val="accent1">
+              <a:shade val="50000"/>
+            </a:schemeClr>
+          </a:lnRef>
+          <a:fillRef idx="1">
+            <a:schemeClr val="accent1"/>
+          </a:fillRef>
+          <a:effectRef idx="0">
+            <a:schemeClr val="accent1"/>
+          </a:effectRef>
+          <a:fontRef idx="minor">
+            <a:schemeClr val="lt1"/>
+          </a:fontRef>
+        </p:style>
+        <p:txBody>
+          <a:bodyPr rtlCol="0" anchor="ctr"/>
+          <a:lstStyle/>
+          <a:p>
+            <a:pPr algn="ctr"/>
+            <a:endParaRPr lang="en-US"/>
+          </a:p>
+        </p:txBody>
+      </p:sp>
+      <p:cxnSp>
+        <p:nvCxnSpPr>
+          <p:cNvPr id="7" name="Straight Arrow Connector 6"/>
+          <p:cNvCxnSpPr>
+            <a:stCxn id="6" idx="2"/>
+            <a:endCxn id="8" idx="1"/>
+          </p:cNvCxnSpPr>
+          <p:nvPr/>
+        </p:nvCxnSpPr>
+        <p:spPr>
+          <a:xfrm rot="16200000" flipH="1">
+            <a:off x="6444508" y="4116945"/>
+            <a:ext cx="1709057" cy="586508"/>
+          </a:xfrm>
+          <a:prstGeom prst="bentConnector2">
+            <a:avLst/>
+          </a:prstGeom>
+          <a:ln w="19050">
+            <a:solidFill>
+              <a:srgbClr val="FF0000"/>
+            </a:solidFill>
+            <a:tailEnd type="triangle"/>
+          </a:ln>
+        </p:spPr>
+        <p:style>
+          <a:lnRef idx="1">
+            <a:schemeClr val="accent1"/>
+          </a:lnRef>
+          <a:fillRef idx="0">
+            <a:schemeClr val="accent1"/>
+          </a:fillRef>
+          <a:effectRef idx="0">
+            <a:schemeClr val="accent1"/>
+          </a:effectRef>
+          <a:fontRef idx="minor">
+            <a:schemeClr val="tx1"/>
+          </a:fontRef>
+        </p:style>
+      </p:cxnSp>
+      <p:sp>
+        <p:nvSpPr>
+          <p:cNvPr id="8" name="Rectangle 7"/>
+          <p:cNvSpPr/>
+          <p:nvPr/>
+        </p:nvSpPr>
+        <p:spPr>
+          <a:xfrm>
+            <a:off x="7592290" y="4387273"/>
+            <a:ext cx="3151910" cy="1754909"/>
+          </a:xfrm>
+          <a:prstGeom prst="rect">
+            <a:avLst/>
+          </a:prstGeom>
+          <a:noFill/>
+          <a:ln>
+            <a:solidFill>
+              <a:srgbClr val="FF0000"/>
+            </a:solidFill>
+          </a:ln>
+        </p:spPr>
+        <p:style>
+          <a:lnRef idx="2">
+            <a:schemeClr val="accent1">
+              <a:shade val="50000"/>
+            </a:schemeClr>
+          </a:lnRef>
+          <a:fillRef idx="1">
+            <a:schemeClr val="accent1"/>
+          </a:fillRef>
+          <a:effectRef idx="0">
+            <a:schemeClr val="accent1"/>
+          </a:effectRef>
+          <a:fontRef idx="minor">
+            <a:schemeClr val="lt1"/>
+          </a:fontRef>
+        </p:style>
+        <p:txBody>
+          <a:bodyPr rtlCol="0" anchor="ctr"/>
+          <a:lstStyle/>
+          <a:p>
+            <a:pPr algn="ctr"/>
+            <a:r>
+              <a:rPr lang="en-US" dirty="0" err="1">
+                <a:solidFill>
+                  <a:schemeClr val="tx1"/>
+                </a:solidFill>
+              </a:rPr>
+              <a:t>util.format</a:t>
+            </a:r>
+            <a:r>
+              <a:rPr lang="en-US" dirty="0">
+                <a:solidFill>
+                  <a:schemeClr val="tx1"/>
+                </a:solidFill>
+              </a:rPr>
+              <a:t>() – replace in order</a:t>
+            </a:r>
+          </a:p>
+          <a:p>
+            <a:pPr algn="ctr"/>
+            <a:r>
+              <a:rPr lang="en-US" dirty="0">
+                <a:solidFill>
+                  <a:schemeClr val="tx1"/>
+                </a:solidFill>
+              </a:rPr>
+              <a:t>%s – string</a:t>
+            </a:r>
+          </a:p>
+          <a:p>
+            <a:pPr algn="ctr"/>
+            <a:r>
+              <a:rPr lang="en-US" dirty="0">
+                <a:solidFill>
+                  <a:schemeClr val="tx1"/>
+                </a:solidFill>
+              </a:rPr>
+              <a:t>%d – number</a:t>
+            </a:r>
+          </a:p>
+          <a:p>
+            <a:pPr algn="ctr"/>
+            <a:r>
+              <a:rPr lang="en-US" dirty="0">
+                <a:solidFill>
+                  <a:schemeClr val="tx1"/>
+                </a:solidFill>
+              </a:rPr>
+              <a:t>%j – </a:t>
+            </a:r>
+            <a:r>
+              <a:rPr lang="en-US" dirty="0" err="1">
+                <a:solidFill>
+                  <a:schemeClr val="tx1"/>
+                </a:solidFill>
+              </a:rPr>
+              <a:t>json</a:t>
+            </a:r>
+            <a:endParaRPr lang="en-US" dirty="0">
+              <a:solidFill>
+                <a:schemeClr val="tx1"/>
+              </a:solidFill>
+            </a:endParaRPr>
+          </a:p>
+          <a:p>
+            <a:pPr algn="ctr"/>
+            <a:r>
+              <a:rPr lang="en-US" dirty="0">
+                <a:solidFill>
+                  <a:schemeClr val="tx1"/>
+                </a:solidFill>
+              </a:rPr>
+              <a:t>%% - % sign</a:t>
+            </a:r>
+          </a:p>
+        </p:txBody>
+      </p:sp>
+    </p:spTree>
+    <p:extLst>
+      <p:ext uri="{BB962C8B-B14F-4D97-AF65-F5344CB8AC3E}">
+        <p14:creationId xmlns:p14="http://schemas.microsoft.com/office/powerpoint/2010/main" val="485099848"/>
+      </p:ext>
+    </p:extLst>
+  </p:cSld>
+  <p:clrMapOvr>
+    <a:masterClrMapping/>
+  </p:clrMapOvr>
+</p:sld>
+</file>
+
+<file path=ppt/slides/slide12.xml><?xml version="1.0" encoding="utf-8"?>
+<p:sld xmlns:a="http://schemas.openxmlformats.org/drawingml/2006/main" xmlns:r="http://schemas.openxmlformats.org/officeDocument/2006/relationships" xmlns:p="http://schemas.openxmlformats.org/presentationml/2006/main">
+  <p:cSld>
+    <p:spTree>
+      <p:nvGrpSpPr>
+        <p:cNvPr id="1" name=""/>
+        <p:cNvGrpSpPr/>
+        <p:nvPr/>
+      </p:nvGrpSpPr>
+      <p:grpSpPr>
+        <a:xfrm>
+          <a:off x="0" y="0"/>
+          <a:ext cx="0" cy="0"/>
+          <a:chOff x="0" y="0"/>
+          <a:chExt cx="0" cy="0"/>
+        </a:xfrm>
+      </p:grpSpPr>
+      <p:sp>
+        <p:nvSpPr>
+          <p:cNvPr id="2" name="Title 1"/>
+          <p:cNvSpPr>
+            <a:spLocks noGrp="1"/>
+          </p:cNvSpPr>
+          <p:nvPr>
+            <p:ph type="title"/>
+          </p:nvPr>
+        </p:nvSpPr>
+        <p:spPr/>
+        <p:txBody>
+          <a:bodyPr/>
+          <a:lstStyle/>
+          <a:p>
+            <a:r>
+              <a:rPr lang="en-US" dirty="0"/>
+              <a:t>make </a:t>
+            </a:r>
+            <a:r>
+              <a:rPr lang="en-US" dirty="0" err="1"/>
+              <a:t>api</a:t>
+            </a:r>
+            <a:r>
+              <a:rPr lang="en-US" dirty="0"/>
+              <a:t> call</a:t>
+            </a:r>
+          </a:p>
+        </p:txBody>
+      </p:sp>
+      <p:pic>
+        <p:nvPicPr>
+          <p:cNvPr id="4" name="Picture 3" descr="Screen Clipping"/>
+          <p:cNvPicPr>
+            <a:picLocks noChangeAspect="1"/>
+          </p:cNvPicPr>
+          <p:nvPr/>
+        </p:nvPicPr>
+        <p:blipFill>
+          <a:blip r:embed="rId2">
+            <a:extLst>
+              <a:ext uri="{28A0092B-C50C-407E-A947-70E740481C1C}">
+                <a14:useLocalDpi xmlns:a14="http://schemas.microsoft.com/office/drawing/2010/main" val="0"/>
+              </a:ext>
+            </a:extLst>
+          </a:blip>
+          <a:stretch>
+            <a:fillRect/>
+          </a:stretch>
+        </p:blipFill>
+        <p:spPr>
+          <a:xfrm>
+            <a:off x="772038" y="1897957"/>
+            <a:ext cx="7429853" cy="4805101"/>
+          </a:xfrm>
+          <a:prstGeom prst="rect">
+            <a:avLst/>
+          </a:prstGeom>
+        </p:spPr>
+      </p:pic>
+      <p:sp>
+        <p:nvSpPr>
+          <p:cNvPr id="6" name="Rectangle 5"/>
+          <p:cNvSpPr/>
+          <p:nvPr/>
+        </p:nvSpPr>
+        <p:spPr>
+          <a:xfrm>
+            <a:off x="1893453" y="4067325"/>
+            <a:ext cx="6419274" cy="421548"/>
+          </a:xfrm>
+          <a:prstGeom prst="rect">
+            <a:avLst/>
+          </a:prstGeom>
+          <a:noFill/>
+          <a:ln>
+            <a:solidFill>
+              <a:srgbClr val="FF0000"/>
+            </a:solidFill>
+          </a:ln>
+        </p:spPr>
+        <p:style>
+          <a:lnRef idx="2">
+            <a:schemeClr val="accent1">
+              <a:shade val="50000"/>
+            </a:schemeClr>
+          </a:lnRef>
+          <a:fillRef idx="1">
+            <a:schemeClr val="accent1"/>
+          </a:fillRef>
+          <a:effectRef idx="0">
+            <a:schemeClr val="accent1"/>
+          </a:effectRef>
+          <a:fontRef idx="minor">
+            <a:schemeClr val="lt1"/>
+          </a:fontRef>
+        </p:style>
+        <p:txBody>
+          <a:bodyPr rtlCol="0" anchor="ctr"/>
+          <a:lstStyle/>
+          <a:p>
+            <a:pPr algn="ctr"/>
+            <a:endParaRPr lang="en-US"/>
+          </a:p>
+        </p:txBody>
+      </p:sp>
+      <p:cxnSp>
+        <p:nvCxnSpPr>
+          <p:cNvPr id="7" name="Straight Arrow Connector 6"/>
+          <p:cNvCxnSpPr>
+            <a:stCxn id="6" idx="3"/>
+            <a:endCxn id="8" idx="1"/>
+          </p:cNvCxnSpPr>
+          <p:nvPr/>
+        </p:nvCxnSpPr>
+        <p:spPr>
+          <a:xfrm flipV="1">
+            <a:off x="8312727" y="4276437"/>
+            <a:ext cx="267852" cy="1662"/>
+          </a:xfrm>
+          <a:prstGeom prst="straightConnector1">
+            <a:avLst/>
+          </a:prstGeom>
+          <a:ln w="19050">
+            <a:solidFill>
+              <a:srgbClr val="FF0000"/>
+            </a:solidFill>
+            <a:tailEnd type="triangle"/>
+          </a:ln>
+        </p:spPr>
+        <p:style>
+          <a:lnRef idx="1">
+            <a:schemeClr val="accent1"/>
+          </a:lnRef>
+          <a:fillRef idx="0">
+            <a:schemeClr val="accent1"/>
+          </a:fillRef>
+          <a:effectRef idx="0">
+            <a:schemeClr val="accent1"/>
+          </a:effectRef>
+          <a:fontRef idx="minor">
+            <a:schemeClr val="tx1"/>
+          </a:fontRef>
+        </p:style>
+      </p:cxnSp>
+      <p:sp>
+        <p:nvSpPr>
+          <p:cNvPr id="8" name="Rectangle 7"/>
+          <p:cNvSpPr/>
+          <p:nvPr/>
+        </p:nvSpPr>
+        <p:spPr>
+          <a:xfrm>
+            <a:off x="8580579" y="4064001"/>
+            <a:ext cx="1902694" cy="424872"/>
+          </a:xfrm>
+          <a:prstGeom prst="rect">
+            <a:avLst/>
+          </a:prstGeom>
+          <a:noFill/>
+          <a:ln>
+            <a:solidFill>
+              <a:srgbClr val="FF0000"/>
+            </a:solidFill>
+          </a:ln>
+        </p:spPr>
+        <p:style>
+          <a:lnRef idx="2">
+            <a:schemeClr val="accent1">
+              <a:shade val="50000"/>
+            </a:schemeClr>
+          </a:lnRef>
+          <a:fillRef idx="1">
+            <a:schemeClr val="accent1"/>
+          </a:fillRef>
+          <a:effectRef idx="0">
+            <a:schemeClr val="accent1"/>
+          </a:effectRef>
+          <a:fontRef idx="minor">
+            <a:schemeClr val="lt1"/>
+          </a:fontRef>
+        </p:style>
+        <p:txBody>
+          <a:bodyPr rtlCol="0" anchor="ctr"/>
+          <a:lstStyle/>
+          <a:p>
+            <a:pPr algn="ctr"/>
+            <a:r>
+              <a:rPr lang="en-US" dirty="0">
+                <a:solidFill>
+                  <a:schemeClr val="tx1"/>
+                </a:solidFill>
+              </a:rPr>
+              <a:t>NEVER DO THIS</a:t>
+            </a:r>
+          </a:p>
+        </p:txBody>
+      </p:sp>
+      <p:sp>
+        <p:nvSpPr>
+          <p:cNvPr id="16" name="Rectangle 15"/>
+          <p:cNvSpPr/>
+          <p:nvPr/>
+        </p:nvSpPr>
+        <p:spPr>
+          <a:xfrm>
+            <a:off x="1510144" y="5801614"/>
+            <a:ext cx="2322947" cy="238968"/>
+          </a:xfrm>
+          <a:prstGeom prst="rect">
+            <a:avLst/>
+          </a:prstGeom>
+          <a:noFill/>
+          <a:ln>
+            <a:solidFill>
+              <a:srgbClr val="FF0000"/>
+            </a:solidFill>
+          </a:ln>
+        </p:spPr>
+        <p:style>
+          <a:lnRef idx="2">
+            <a:schemeClr val="accent1">
+              <a:shade val="50000"/>
+            </a:schemeClr>
+          </a:lnRef>
+          <a:fillRef idx="1">
+            <a:schemeClr val="accent1"/>
+          </a:fillRef>
+          <a:effectRef idx="0">
+            <a:schemeClr val="accent1"/>
+          </a:effectRef>
+          <a:fontRef idx="minor">
+            <a:schemeClr val="lt1"/>
+          </a:fontRef>
+        </p:style>
+        <p:txBody>
+          <a:bodyPr rtlCol="0" anchor="ctr"/>
+          <a:lstStyle/>
+          <a:p>
+            <a:pPr algn="ctr"/>
+            <a:endParaRPr lang="en-US"/>
+          </a:p>
+        </p:txBody>
+      </p:sp>
+      <p:cxnSp>
+        <p:nvCxnSpPr>
+          <p:cNvPr id="17" name="Straight Arrow Connector 16"/>
+          <p:cNvCxnSpPr>
+            <a:stCxn id="16" idx="3"/>
+            <a:endCxn id="18" idx="1"/>
+          </p:cNvCxnSpPr>
+          <p:nvPr/>
+        </p:nvCxnSpPr>
+        <p:spPr>
+          <a:xfrm>
+            <a:off x="3833091" y="5921098"/>
+            <a:ext cx="4747488" cy="0"/>
+          </a:xfrm>
+          <a:prstGeom prst="straightConnector1">
+            <a:avLst/>
+          </a:prstGeom>
+          <a:ln w="19050">
+            <a:solidFill>
+              <a:srgbClr val="FF0000"/>
+            </a:solidFill>
+            <a:tailEnd type="triangle"/>
+          </a:ln>
+        </p:spPr>
+        <p:style>
+          <a:lnRef idx="1">
+            <a:schemeClr val="accent1"/>
+          </a:lnRef>
+          <a:fillRef idx="0">
+            <a:schemeClr val="accent1"/>
+          </a:fillRef>
+          <a:effectRef idx="0">
+            <a:schemeClr val="accent1"/>
+          </a:effectRef>
+          <a:fontRef idx="minor">
+            <a:schemeClr val="tx1"/>
+          </a:fontRef>
+        </p:style>
+      </p:cxnSp>
+      <p:sp>
+        <p:nvSpPr>
+          <p:cNvPr id="18" name="Rectangle 17"/>
+          <p:cNvSpPr/>
+          <p:nvPr/>
+        </p:nvSpPr>
+        <p:spPr>
+          <a:xfrm>
+            <a:off x="8580579" y="5710324"/>
+            <a:ext cx="3362039" cy="421548"/>
+          </a:xfrm>
+          <a:prstGeom prst="rect">
+            <a:avLst/>
+          </a:prstGeom>
+          <a:noFill/>
+          <a:ln>
+            <a:solidFill>
+              <a:srgbClr val="FF0000"/>
+            </a:solidFill>
+          </a:ln>
+        </p:spPr>
+        <p:style>
+          <a:lnRef idx="2">
+            <a:schemeClr val="accent1">
+              <a:shade val="50000"/>
+            </a:schemeClr>
+          </a:lnRef>
+          <a:fillRef idx="1">
+            <a:schemeClr val="accent1"/>
+          </a:fillRef>
+          <a:effectRef idx="0">
+            <a:schemeClr val="accent1"/>
+          </a:effectRef>
+          <a:fontRef idx="minor">
+            <a:schemeClr val="lt1"/>
+          </a:fontRef>
+        </p:style>
+        <p:txBody>
+          <a:bodyPr rtlCol="0" anchor="ctr"/>
+          <a:lstStyle/>
+          <a:p>
+            <a:pPr algn="ctr"/>
+            <a:r>
+              <a:rPr lang="en-US" dirty="0">
+                <a:solidFill>
+                  <a:schemeClr val="tx1"/>
+                </a:solidFill>
+              </a:rPr>
+              <a:t>Turn into JSON. Node likes JSON</a:t>
+            </a:r>
+          </a:p>
+        </p:txBody>
+      </p:sp>
+    </p:spTree>
+    <p:extLst>
+      <p:ext uri="{BB962C8B-B14F-4D97-AF65-F5344CB8AC3E}">
+        <p14:creationId xmlns:p14="http://schemas.microsoft.com/office/powerpoint/2010/main" val="2735180554"/>
+      </p:ext>
+    </p:extLst>
+  </p:cSld>
+  <p:clrMapOvr>
+    <a:masterClrMapping/>
+  </p:clrMapOvr>
+</p:sld>
+</file>
+
+<file path=ppt/slides/slide13.xml><?xml version="1.0" encoding="utf-8"?>
+<p:sld xmlns:a="http://schemas.openxmlformats.org/drawingml/2006/main" xmlns:r="http://schemas.openxmlformats.org/officeDocument/2006/relationships" xmlns:p="http://schemas.openxmlformats.org/presentationml/2006/main">
+  <p:cSld>
+    <p:spTree>
+      <p:nvGrpSpPr>
+        <p:cNvPr id="1" name=""/>
+        <p:cNvGrpSpPr/>
+        <p:nvPr/>
+      </p:nvGrpSpPr>
+      <p:grpSpPr>
+        <a:xfrm>
+          <a:off x="0" y="0"/>
+          <a:ext cx="0" cy="0"/>
+          <a:chOff x="0" y="0"/>
+          <a:chExt cx="0" cy="0"/>
+        </a:xfrm>
+      </p:grpSpPr>
+      <p:sp>
+        <p:nvSpPr>
+          <p:cNvPr id="2" name="Title 1"/>
+          <p:cNvSpPr>
+            <a:spLocks noGrp="1"/>
+          </p:cNvSpPr>
+          <p:nvPr>
+            <p:ph type="title"/>
+          </p:nvPr>
+        </p:nvSpPr>
+        <p:spPr/>
+        <p:txBody>
+          <a:bodyPr/>
+          <a:lstStyle/>
+          <a:p>
+            <a:r>
+              <a:rPr lang="en-US" dirty="0"/>
+              <a:t>Generate.js</a:t>
+            </a:r>
+          </a:p>
+        </p:txBody>
+      </p:sp>
+      <p:sp>
+        <p:nvSpPr>
+          <p:cNvPr id="10" name="Arrow: Right 9"/>
+          <p:cNvSpPr/>
+          <p:nvPr/>
+        </p:nvSpPr>
+        <p:spPr>
+          <a:xfrm>
+            <a:off x="2687781" y="2291999"/>
+            <a:ext cx="840509" cy="610893"/>
+          </a:xfrm>
+          <a:prstGeom prst="rightArrow">
+            <a:avLst>
+              <a:gd name="adj1" fmla="val 35025"/>
+              <a:gd name="adj2" fmla="val 44010"/>
+            </a:avLst>
+          </a:prstGeom>
+        </p:spPr>
+        <p:style>
+          <a:lnRef idx="2">
+            <a:schemeClr val="accent2">
+              <a:shade val="50000"/>
+            </a:schemeClr>
+          </a:lnRef>
+          <a:fillRef idx="1">
+            <a:schemeClr val="accent2"/>
+          </a:fillRef>
+          <a:effectRef idx="0">
+            <a:schemeClr val="accent2"/>
+          </a:effectRef>
+          <a:fontRef idx="minor">
+            <a:schemeClr val="lt1"/>
+          </a:fontRef>
+        </p:style>
+        <p:txBody>
+          <a:bodyPr rtlCol="0" anchor="ctr"/>
+          <a:lstStyle/>
+          <a:p>
+            <a:pPr algn="ctr"/>
+            <a:endParaRPr lang="en-US" dirty="0"/>
+          </a:p>
+        </p:txBody>
+      </p:sp>
+      <p:sp>
+        <p:nvSpPr>
+          <p:cNvPr id="23" name="Arrow: Right 22"/>
+          <p:cNvSpPr/>
+          <p:nvPr/>
+        </p:nvSpPr>
+        <p:spPr>
+          <a:xfrm>
+            <a:off x="5407891" y="2291999"/>
+            <a:ext cx="840509" cy="610893"/>
+          </a:xfrm>
+          <a:prstGeom prst="rightArrow">
+            <a:avLst>
+              <a:gd name="adj1" fmla="val 35025"/>
+              <a:gd name="adj2" fmla="val 44010"/>
+            </a:avLst>
+          </a:prstGeom>
+        </p:spPr>
+        <p:style>
+          <a:lnRef idx="2">
+            <a:schemeClr val="accent2">
+              <a:shade val="50000"/>
+            </a:schemeClr>
+          </a:lnRef>
+          <a:fillRef idx="1">
+            <a:schemeClr val="accent2"/>
+          </a:fillRef>
+          <a:effectRef idx="0">
+            <a:schemeClr val="accent2"/>
+          </a:effectRef>
+          <a:fontRef idx="minor">
+            <a:schemeClr val="lt1"/>
+          </a:fontRef>
+        </p:style>
+        <p:txBody>
+          <a:bodyPr rtlCol="0" anchor="ctr"/>
+          <a:lstStyle/>
+          <a:p>
+            <a:pPr algn="ctr"/>
+            <a:endParaRPr lang="en-US" dirty="0"/>
+          </a:p>
+        </p:txBody>
+      </p:sp>
+      <p:sp>
+        <p:nvSpPr>
+          <p:cNvPr id="24" name="Rectangle 23"/>
+          <p:cNvSpPr/>
+          <p:nvPr/>
+        </p:nvSpPr>
+        <p:spPr>
+          <a:xfrm>
+            <a:off x="985984" y="2158716"/>
+            <a:ext cx="1533236" cy="877455"/>
+          </a:xfrm>
+          <a:prstGeom prst="rect">
+            <a:avLst/>
+          </a:prstGeom>
+        </p:spPr>
+        <p:style>
+          <a:lnRef idx="2">
+            <a:schemeClr val="accent1">
+              <a:shade val="50000"/>
+            </a:schemeClr>
+          </a:lnRef>
+          <a:fillRef idx="1">
+            <a:schemeClr val="accent1"/>
+          </a:fillRef>
+          <a:effectRef idx="0">
+            <a:schemeClr val="accent1"/>
+          </a:effectRef>
+          <a:fontRef idx="minor">
+            <a:schemeClr val="lt1"/>
+          </a:fontRef>
+        </p:style>
+        <p:txBody>
+          <a:bodyPr rtlCol="0" anchor="ctr"/>
+          <a:lstStyle/>
+          <a:p>
+            <a:pPr algn="ctr"/>
+            <a:r>
+              <a:rPr lang="en-US" dirty="0"/>
+              <a:t>Read in RAML</a:t>
+            </a:r>
+          </a:p>
+        </p:txBody>
+      </p:sp>
+      <p:sp>
+        <p:nvSpPr>
+          <p:cNvPr id="25" name="Rectangle 24"/>
+          <p:cNvSpPr/>
+          <p:nvPr/>
+        </p:nvSpPr>
+        <p:spPr>
+          <a:xfrm>
+            <a:off x="3703778" y="2158716"/>
+            <a:ext cx="1533236" cy="877455"/>
+          </a:xfrm>
+          <a:prstGeom prst="rect">
+            <a:avLst/>
+          </a:prstGeom>
+        </p:spPr>
+        <p:style>
+          <a:lnRef idx="2">
+            <a:schemeClr val="accent1">
+              <a:shade val="50000"/>
+            </a:schemeClr>
+          </a:lnRef>
+          <a:fillRef idx="1">
+            <a:schemeClr val="accent1"/>
+          </a:fillRef>
+          <a:effectRef idx="0">
+            <a:schemeClr val="accent1"/>
+          </a:effectRef>
+          <a:fontRef idx="minor">
+            <a:schemeClr val="lt1"/>
+          </a:fontRef>
+        </p:style>
+        <p:txBody>
+          <a:bodyPr rtlCol="0" anchor="ctr"/>
+          <a:lstStyle/>
+          <a:p>
+            <a:pPr algn="ctr"/>
+            <a:r>
+              <a:rPr lang="en-US" dirty="0"/>
+              <a:t>Generate </a:t>
+            </a:r>
+            <a:r>
+              <a:rPr lang="en-US" dirty="0" err="1"/>
+              <a:t>Linkrefs</a:t>
+            </a:r>
+            <a:endParaRPr lang="en-US" dirty="0"/>
+          </a:p>
+        </p:txBody>
+      </p:sp>
+      <p:sp>
+        <p:nvSpPr>
+          <p:cNvPr id="26" name="Rectangle 25"/>
+          <p:cNvSpPr/>
+          <p:nvPr/>
+        </p:nvSpPr>
+        <p:spPr>
+          <a:xfrm>
+            <a:off x="6416961" y="2158716"/>
+            <a:ext cx="1533236" cy="877455"/>
+          </a:xfrm>
+          <a:prstGeom prst="rect">
+            <a:avLst/>
+          </a:prstGeom>
+        </p:spPr>
+        <p:style>
+          <a:lnRef idx="2">
+            <a:schemeClr val="accent1">
+              <a:shade val="50000"/>
+            </a:schemeClr>
+          </a:lnRef>
+          <a:fillRef idx="1">
+            <a:schemeClr val="accent1"/>
+          </a:fillRef>
+          <a:effectRef idx="0">
+            <a:schemeClr val="accent1"/>
+          </a:effectRef>
+          <a:fontRef idx="minor">
+            <a:schemeClr val="lt1"/>
+          </a:fontRef>
+        </p:style>
+        <p:txBody>
+          <a:bodyPr rtlCol="0" anchor="ctr"/>
+          <a:lstStyle/>
+          <a:p>
+            <a:pPr algn="ctr"/>
+            <a:r>
+              <a:rPr lang="en-US" dirty="0"/>
+              <a:t>generator.js</a:t>
+            </a:r>
+          </a:p>
+        </p:txBody>
+      </p:sp>
+      <p:sp>
+        <p:nvSpPr>
+          <p:cNvPr id="32" name="Rectangle 31"/>
+          <p:cNvSpPr/>
+          <p:nvPr/>
+        </p:nvSpPr>
+        <p:spPr>
+          <a:xfrm>
+            <a:off x="9141682" y="2158717"/>
+            <a:ext cx="1533236" cy="877455"/>
+          </a:xfrm>
+          <a:prstGeom prst="rect">
+            <a:avLst/>
+          </a:prstGeom>
+        </p:spPr>
+        <p:style>
+          <a:lnRef idx="2">
+            <a:schemeClr val="accent1">
+              <a:shade val="50000"/>
+            </a:schemeClr>
+          </a:lnRef>
+          <a:fillRef idx="1">
+            <a:schemeClr val="accent1"/>
+          </a:fillRef>
+          <a:effectRef idx="0">
+            <a:schemeClr val="accent1"/>
+          </a:effectRef>
+          <a:fontRef idx="minor">
+            <a:schemeClr val="lt1"/>
+          </a:fontRef>
+        </p:style>
+        <p:txBody>
+          <a:bodyPr rtlCol="0" anchor="ctr"/>
+          <a:lstStyle/>
+          <a:p>
+            <a:pPr algn="ctr"/>
+            <a:r>
+              <a:rPr lang="en-US" dirty="0"/>
+              <a:t>Generate Markdown</a:t>
+            </a:r>
+          </a:p>
+        </p:txBody>
+      </p:sp>
+      <p:sp>
+        <p:nvSpPr>
+          <p:cNvPr id="35" name="Arrow: Right 34"/>
+          <p:cNvSpPr/>
+          <p:nvPr/>
+        </p:nvSpPr>
+        <p:spPr>
+          <a:xfrm>
+            <a:off x="8118758" y="2291999"/>
+            <a:ext cx="840509" cy="610893"/>
+          </a:xfrm>
+          <a:prstGeom prst="rightArrow">
+            <a:avLst>
+              <a:gd name="adj1" fmla="val 35025"/>
+              <a:gd name="adj2" fmla="val 44010"/>
+            </a:avLst>
+          </a:prstGeom>
+        </p:spPr>
+        <p:style>
+          <a:lnRef idx="2">
+            <a:schemeClr val="accent2">
+              <a:shade val="50000"/>
+            </a:schemeClr>
+          </a:lnRef>
+          <a:fillRef idx="1">
+            <a:schemeClr val="accent2"/>
+          </a:fillRef>
+          <a:effectRef idx="0">
+            <a:schemeClr val="accent2"/>
+          </a:effectRef>
+          <a:fontRef idx="minor">
+            <a:schemeClr val="lt1"/>
+          </a:fontRef>
+        </p:style>
+        <p:txBody>
+          <a:bodyPr rtlCol="0" anchor="ctr"/>
+          <a:lstStyle/>
+          <a:p>
+            <a:pPr algn="ctr"/>
+            <a:endParaRPr lang="en-US" dirty="0"/>
+          </a:p>
+        </p:txBody>
+      </p:sp>
+      <p:sp>
+        <p:nvSpPr>
+          <p:cNvPr id="36" name="TextBox 35"/>
+          <p:cNvSpPr txBox="1"/>
+          <p:nvPr/>
+        </p:nvSpPr>
+        <p:spPr>
+          <a:xfrm>
+            <a:off x="600364" y="3362036"/>
+            <a:ext cx="2530763" cy="923330"/>
+          </a:xfrm>
+          <a:prstGeom prst="rect">
+            <a:avLst/>
+          </a:prstGeom>
+          <a:noFill/>
+        </p:spPr>
+        <p:txBody>
+          <a:bodyPr wrap="square" rtlCol="0">
+            <a:spAutoFit/>
+          </a:bodyPr>
+          <a:lstStyle/>
+          <a:p>
+            <a:pPr marL="285750" indent="-285750">
+              <a:buFont typeface="Arial" panose="020B0604020202020204" pitchFamily="34" charset="0"/>
+              <a:buChar char="•"/>
+            </a:pPr>
+            <a:r>
+              <a:rPr lang="en-US" dirty="0"/>
+              <a:t>Read from /</a:t>
+            </a:r>
+            <a:r>
+              <a:rPr lang="en-US" dirty="0" err="1"/>
+              <a:t>raml</a:t>
+            </a:r>
+            <a:endParaRPr lang="en-US" dirty="0"/>
+          </a:p>
+          <a:p>
+            <a:pPr marL="285750" indent="-285750">
+              <a:buFont typeface="Arial" panose="020B0604020202020204" pitchFamily="34" charset="0"/>
+              <a:buChar char="•"/>
+            </a:pPr>
+            <a:r>
+              <a:rPr lang="en-US" dirty="0"/>
+              <a:t>Gather metadata</a:t>
+            </a:r>
+          </a:p>
+          <a:p>
+            <a:pPr marL="285750" indent="-285750">
+              <a:buFont typeface="Arial" panose="020B0604020202020204" pitchFamily="34" charset="0"/>
+              <a:buChar char="•"/>
+            </a:pPr>
+            <a:r>
+              <a:rPr lang="en-US" dirty="0"/>
+              <a:t>Place into array</a:t>
+            </a:r>
+          </a:p>
+        </p:txBody>
+      </p:sp>
+      <p:sp>
+        <p:nvSpPr>
+          <p:cNvPr id="37" name="TextBox 36"/>
+          <p:cNvSpPr txBox="1"/>
+          <p:nvPr/>
+        </p:nvSpPr>
+        <p:spPr>
+          <a:xfrm>
+            <a:off x="3205014" y="3362036"/>
+            <a:ext cx="2530763" cy="1477328"/>
+          </a:xfrm>
+          <a:prstGeom prst="rect">
+            <a:avLst/>
+          </a:prstGeom>
+          <a:noFill/>
+        </p:spPr>
+        <p:txBody>
+          <a:bodyPr wrap="square" rtlCol="0">
+            <a:spAutoFit/>
+          </a:bodyPr>
+          <a:lstStyle/>
+          <a:p>
+            <a:pPr marL="285750" indent="-285750">
+              <a:buFont typeface="Arial" panose="020B0604020202020204" pitchFamily="34" charset="0"/>
+              <a:buChar char="•"/>
+            </a:pPr>
+            <a:r>
+              <a:rPr lang="en-US" dirty="0"/>
+              <a:t>Create variables for all resource links</a:t>
+            </a:r>
+          </a:p>
+          <a:p>
+            <a:pPr marL="285750" indent="-285750">
+              <a:buFont typeface="Arial" panose="020B0604020202020204" pitchFamily="34" charset="0"/>
+              <a:buChar char="•"/>
+            </a:pPr>
+            <a:r>
+              <a:rPr lang="en-US" dirty="0"/>
+              <a:t>Pluralize</a:t>
+            </a:r>
+          </a:p>
+          <a:p>
+            <a:pPr marL="285750" indent="-285750">
+              <a:buFont typeface="Arial" panose="020B0604020202020204" pitchFamily="34" charset="0"/>
+              <a:buChar char="•"/>
+            </a:pPr>
+            <a:r>
+              <a:rPr lang="en-US" dirty="0"/>
+              <a:t>Used in other pages as {{Company}}</a:t>
+            </a:r>
+          </a:p>
+        </p:txBody>
+      </p:sp>
+      <p:sp>
+        <p:nvSpPr>
+          <p:cNvPr id="38" name="TextBox 37"/>
+          <p:cNvSpPr txBox="1"/>
+          <p:nvPr/>
+        </p:nvSpPr>
+        <p:spPr>
+          <a:xfrm>
+            <a:off x="5918197" y="3362036"/>
+            <a:ext cx="2530763" cy="1200329"/>
+          </a:xfrm>
+          <a:prstGeom prst="rect">
+            <a:avLst/>
+          </a:prstGeom>
+          <a:noFill/>
+        </p:spPr>
+        <p:txBody>
+          <a:bodyPr wrap="square" rtlCol="0">
+            <a:spAutoFit/>
+          </a:bodyPr>
+          <a:lstStyle/>
+          <a:p>
+            <a:pPr marL="285750" indent="-285750">
+              <a:buFont typeface="Arial" panose="020B0604020202020204" pitchFamily="34" charset="0"/>
+              <a:buChar char="•"/>
+            </a:pPr>
+            <a:r>
+              <a:rPr lang="en-US" dirty="0"/>
+              <a:t>Replace constants</a:t>
+            </a:r>
+          </a:p>
+          <a:p>
+            <a:pPr marL="285750" indent="-285750">
+              <a:buFont typeface="Arial" panose="020B0604020202020204" pitchFamily="34" charset="0"/>
+              <a:buChar char="•"/>
+            </a:pPr>
+            <a:r>
+              <a:rPr lang="en-US" dirty="0"/>
+              <a:t>Do custom styling</a:t>
+            </a:r>
+          </a:p>
+          <a:p>
+            <a:pPr marL="285750" indent="-285750">
+              <a:buFont typeface="Arial" panose="020B0604020202020204" pitchFamily="34" charset="0"/>
+              <a:buChar char="•"/>
+            </a:pPr>
+            <a:r>
+              <a:rPr lang="en-US" dirty="0"/>
+              <a:t>Lots of small custom code snippets</a:t>
+            </a:r>
+          </a:p>
+        </p:txBody>
+      </p:sp>
+      <p:sp>
+        <p:nvSpPr>
+          <p:cNvPr id="39" name="TextBox 38"/>
+          <p:cNvSpPr txBox="1"/>
+          <p:nvPr/>
+        </p:nvSpPr>
+        <p:spPr>
+          <a:xfrm>
+            <a:off x="8642918" y="3362036"/>
+            <a:ext cx="2530763" cy="369332"/>
+          </a:xfrm>
+          <a:prstGeom prst="rect">
+            <a:avLst/>
+          </a:prstGeom>
+          <a:noFill/>
+        </p:spPr>
+        <p:txBody>
+          <a:bodyPr wrap="square" rtlCol="0">
+            <a:spAutoFit/>
+          </a:bodyPr>
+          <a:lstStyle/>
+          <a:p>
+            <a:pPr marL="285750" indent="-285750">
+              <a:buFont typeface="Arial" panose="020B0604020202020204" pitchFamily="34" charset="0"/>
+              <a:buChar char="•"/>
+            </a:pPr>
+            <a:r>
+              <a:rPr lang="en-US" dirty="0"/>
+              <a:t>Write to /pages</a:t>
+            </a:r>
+          </a:p>
+        </p:txBody>
+      </p:sp>
+    </p:spTree>
+    <p:extLst>
+      <p:ext uri="{BB962C8B-B14F-4D97-AF65-F5344CB8AC3E}">
+        <p14:creationId xmlns:p14="http://schemas.microsoft.com/office/powerpoint/2010/main" val="3438625192"/>
+      </p:ext>
+    </p:extLst>
+  </p:cSld>
+  <p:clrMapOvr>
+    <a:masterClrMapping/>
+  </p:clrMapOvr>
+</p:sld>
+</file>
+
+<file path=ppt/slides/slide14.xml><?xml version="1.0" encoding="utf-8"?>
+<p:sld xmlns:a="http://schemas.openxmlformats.org/drawingml/2006/main" xmlns:r="http://schemas.openxmlformats.org/officeDocument/2006/relationships" xmlns:p="http://schemas.openxmlformats.org/presentationml/2006/main">
+  <p:cSld>
+    <p:spTree>
+      <p:nvGrpSpPr>
+        <p:cNvPr id="1" name=""/>
+        <p:cNvGrpSpPr/>
+        <p:nvPr/>
+      </p:nvGrpSpPr>
+      <p:grpSpPr>
+        <a:xfrm>
+          <a:off x="0" y="0"/>
+          <a:ext cx="0" cy="0"/>
+          <a:chOff x="0" y="0"/>
+          <a:chExt cx="0" cy="0"/>
+        </a:xfrm>
+      </p:grpSpPr>
+      <p:pic>
+        <p:nvPicPr>
+          <p:cNvPr id="11" name="Picture 10" descr="Screen Clipping"/>
+          <p:cNvPicPr>
+            <a:picLocks noChangeAspect="1"/>
+          </p:cNvPicPr>
+          <p:nvPr/>
+        </p:nvPicPr>
+        <p:blipFill>
+          <a:blip r:embed="rId2">
+            <a:extLst>
+              <a:ext uri="{28A0092B-C50C-407E-A947-70E740481C1C}">
+                <a14:useLocalDpi xmlns:a14="http://schemas.microsoft.com/office/drawing/2010/main" val="0"/>
+              </a:ext>
+            </a:extLst>
+          </a:blip>
+          <a:stretch>
+            <a:fillRect/>
+          </a:stretch>
+        </p:blipFill>
+        <p:spPr>
+          <a:xfrm>
+            <a:off x="2396429" y="2084832"/>
+            <a:ext cx="7119234" cy="3322309"/>
+          </a:xfrm>
+          <a:prstGeom prst="rect">
+            <a:avLst/>
+          </a:prstGeom>
+        </p:spPr>
+      </p:pic>
+      <p:sp>
+        <p:nvSpPr>
+          <p:cNvPr id="2" name="Title 1"/>
+          <p:cNvSpPr>
+            <a:spLocks noGrp="1"/>
+          </p:cNvSpPr>
+          <p:nvPr>
+            <p:ph type="title"/>
+          </p:nvPr>
+        </p:nvSpPr>
+        <p:spPr/>
+        <p:txBody>
+          <a:bodyPr/>
+          <a:lstStyle/>
+          <a:p>
+            <a:r>
+              <a:rPr lang="en-US" dirty="0"/>
+              <a:t>Custom schema properties</a:t>
+            </a:r>
+          </a:p>
+        </p:txBody>
+      </p:sp>
+      <p:sp>
+        <p:nvSpPr>
+          <p:cNvPr id="5" name="Rectangle 4"/>
+          <p:cNvSpPr/>
+          <p:nvPr/>
+        </p:nvSpPr>
+        <p:spPr>
+          <a:xfrm>
+            <a:off x="3119481" y="2586180"/>
+            <a:ext cx="2283789" cy="277091"/>
+          </a:xfrm>
+          <a:prstGeom prst="rect">
+            <a:avLst/>
+          </a:prstGeom>
+          <a:noFill/>
+          <a:ln>
+            <a:solidFill>
+              <a:srgbClr val="FF0000"/>
+            </a:solidFill>
+          </a:ln>
+        </p:spPr>
+        <p:style>
+          <a:lnRef idx="2">
+            <a:schemeClr val="accent1">
+              <a:shade val="50000"/>
+            </a:schemeClr>
+          </a:lnRef>
+          <a:fillRef idx="1">
+            <a:schemeClr val="accent1"/>
+          </a:fillRef>
+          <a:effectRef idx="0">
+            <a:schemeClr val="accent1"/>
+          </a:effectRef>
+          <a:fontRef idx="minor">
+            <a:schemeClr val="lt1"/>
+          </a:fontRef>
+        </p:style>
+        <p:txBody>
+          <a:bodyPr rtlCol="0" anchor="ctr"/>
+          <a:lstStyle/>
+          <a:p>
+            <a:pPr algn="ctr"/>
+            <a:endParaRPr lang="en-US"/>
+          </a:p>
+        </p:txBody>
+      </p:sp>
+      <p:cxnSp>
+        <p:nvCxnSpPr>
+          <p:cNvPr id="6" name="Straight Arrow Connector 5"/>
+          <p:cNvCxnSpPr>
+            <a:stCxn id="5" idx="1"/>
+            <a:endCxn id="7" idx="3"/>
+          </p:cNvCxnSpPr>
+          <p:nvPr/>
+        </p:nvCxnSpPr>
+        <p:spPr>
+          <a:xfrm rot="10800000" flipV="1">
+            <a:off x="2170543" y="2724725"/>
+            <a:ext cx="948938" cy="1124849"/>
+          </a:xfrm>
+          <a:prstGeom prst="bentConnector3">
+            <a:avLst>
+              <a:gd name="adj1" fmla="val 50000"/>
+            </a:avLst>
+          </a:prstGeom>
+          <a:ln w="19050">
+            <a:solidFill>
+              <a:srgbClr val="FF0000"/>
+            </a:solidFill>
+            <a:tailEnd type="triangle"/>
+          </a:ln>
+        </p:spPr>
+        <p:style>
+          <a:lnRef idx="1">
+            <a:schemeClr val="accent1"/>
+          </a:lnRef>
+          <a:fillRef idx="0">
+            <a:schemeClr val="accent1"/>
+          </a:fillRef>
+          <a:effectRef idx="0">
+            <a:schemeClr val="accent1"/>
+          </a:effectRef>
+          <a:fontRef idx="minor">
+            <a:schemeClr val="tx1"/>
+          </a:fontRef>
+        </p:style>
+      </p:cxnSp>
+      <p:sp>
+        <p:nvSpPr>
+          <p:cNvPr id="7" name="Rectangle 6"/>
+          <p:cNvSpPr/>
+          <p:nvPr/>
+        </p:nvSpPr>
+        <p:spPr>
+          <a:xfrm>
+            <a:off x="267849" y="3528291"/>
+            <a:ext cx="1902694" cy="642567"/>
+          </a:xfrm>
+          <a:prstGeom prst="rect">
+            <a:avLst/>
+          </a:prstGeom>
+          <a:noFill/>
+          <a:ln>
+            <a:solidFill>
+              <a:srgbClr val="FF0000"/>
+            </a:solidFill>
+          </a:ln>
+        </p:spPr>
+        <p:style>
+          <a:lnRef idx="2">
+            <a:schemeClr val="accent1">
+              <a:shade val="50000"/>
+            </a:schemeClr>
+          </a:lnRef>
+          <a:fillRef idx="1">
+            <a:schemeClr val="accent1"/>
+          </a:fillRef>
+          <a:effectRef idx="0">
+            <a:schemeClr val="accent1"/>
+          </a:effectRef>
+          <a:fontRef idx="minor">
+            <a:schemeClr val="lt1"/>
+          </a:fontRef>
+        </p:style>
+        <p:txBody>
+          <a:bodyPr rtlCol="0" anchor="ctr"/>
+          <a:lstStyle/>
+          <a:p>
+            <a:pPr algn="ctr"/>
+            <a:r>
+              <a:rPr lang="en-US" dirty="0">
+                <a:solidFill>
+                  <a:schemeClr val="tx1"/>
+                </a:solidFill>
+              </a:rPr>
+              <a:t>Non-standard properties</a:t>
+            </a:r>
+          </a:p>
+        </p:txBody>
+      </p:sp>
+      <p:sp>
+        <p:nvSpPr>
+          <p:cNvPr id="16" name="Rectangle 15"/>
+          <p:cNvSpPr/>
+          <p:nvPr/>
+        </p:nvSpPr>
+        <p:spPr>
+          <a:xfrm>
+            <a:off x="3583709" y="4630003"/>
+            <a:ext cx="2512288" cy="570069"/>
+          </a:xfrm>
+          <a:prstGeom prst="rect">
+            <a:avLst/>
+          </a:prstGeom>
+          <a:noFill/>
+          <a:ln>
+            <a:solidFill>
+              <a:srgbClr val="FF0000"/>
+            </a:solidFill>
+          </a:ln>
+        </p:spPr>
+        <p:style>
+          <a:lnRef idx="2">
+            <a:schemeClr val="accent1">
+              <a:shade val="50000"/>
+            </a:schemeClr>
+          </a:lnRef>
+          <a:fillRef idx="1">
+            <a:schemeClr val="accent1"/>
+          </a:fillRef>
+          <a:effectRef idx="0">
+            <a:schemeClr val="accent1"/>
+          </a:effectRef>
+          <a:fontRef idx="minor">
+            <a:schemeClr val="lt1"/>
+          </a:fontRef>
+        </p:style>
+        <p:txBody>
+          <a:bodyPr rtlCol="0" anchor="ctr"/>
+          <a:lstStyle/>
+          <a:p>
+            <a:pPr algn="ctr"/>
+            <a:endParaRPr lang="en-US"/>
+          </a:p>
+        </p:txBody>
+      </p:sp>
+      <p:cxnSp>
+        <p:nvCxnSpPr>
+          <p:cNvPr id="17" name="Straight Arrow Connector 16"/>
+          <p:cNvCxnSpPr>
+            <a:stCxn id="16" idx="1"/>
+            <a:endCxn id="7" idx="3"/>
+          </p:cNvCxnSpPr>
+          <p:nvPr/>
+        </p:nvCxnSpPr>
+        <p:spPr>
+          <a:xfrm rot="10800000">
+            <a:off x="2170543" y="3849576"/>
+            <a:ext cx="1413166" cy="1065463"/>
+          </a:xfrm>
+          <a:prstGeom prst="bentConnector3">
+            <a:avLst>
+              <a:gd name="adj1" fmla="val 66340"/>
+            </a:avLst>
+          </a:prstGeom>
+          <a:ln w="19050">
+            <a:solidFill>
+              <a:srgbClr val="FF0000"/>
+            </a:solidFill>
+            <a:tailEnd type="triangle"/>
+          </a:ln>
+        </p:spPr>
+        <p:style>
+          <a:lnRef idx="1">
+            <a:schemeClr val="accent1"/>
+          </a:lnRef>
+          <a:fillRef idx="0">
+            <a:schemeClr val="accent1"/>
+          </a:fillRef>
+          <a:effectRef idx="0">
+            <a:schemeClr val="accent1"/>
+          </a:effectRef>
+          <a:fontRef idx="minor">
+            <a:schemeClr val="tx1"/>
+          </a:fontRef>
+        </p:style>
+      </p:cxnSp>
+    </p:spTree>
+    <p:extLst>
+      <p:ext uri="{BB962C8B-B14F-4D97-AF65-F5344CB8AC3E}">
+        <p14:creationId xmlns:p14="http://schemas.microsoft.com/office/powerpoint/2010/main" val="246900855"/>
+      </p:ext>
+    </p:extLst>
+  </p:cSld>
+  <p:clrMapOvr>
+    <a:masterClrMapping/>
+  </p:clrMapOvr>
+</p:sld>
+</file>
+
+<file path=ppt/slides/slide15.xml><?xml version="1.0" encoding="utf-8"?>
+<p:sld xmlns:a="http://schemas.openxmlformats.org/drawingml/2006/main" xmlns:r="http://schemas.openxmlformats.org/officeDocument/2006/relationships" xmlns:p="http://schemas.openxmlformats.org/presentationml/2006/main">
+  <p:cSld>
+    <p:spTree>
+      <p:nvGrpSpPr>
+        <p:cNvPr id="1" name=""/>
+        <p:cNvGrpSpPr/>
+        <p:nvPr/>
+      </p:nvGrpSpPr>
+      <p:grpSpPr>
+        <a:xfrm>
+          <a:off x="0" y="0"/>
+          <a:ext cx="0" cy="0"/>
+          <a:chOff x="0" y="0"/>
+          <a:chExt cx="0" cy="0"/>
+        </a:xfrm>
+      </p:grpSpPr>
+      <p:sp>
+        <p:nvSpPr>
+          <p:cNvPr id="2" name="Title 1"/>
+          <p:cNvSpPr>
+            <a:spLocks noGrp="1"/>
+          </p:cNvSpPr>
+          <p:nvPr>
+            <p:ph type="title"/>
+          </p:nvPr>
+        </p:nvSpPr>
+        <p:spPr/>
+        <p:txBody>
+          <a:bodyPr/>
+          <a:lstStyle/>
+          <a:p>
+            <a:r>
+              <a:rPr lang="en-US" dirty="0"/>
+              <a:t>Postman2raml.js</a:t>
+            </a:r>
+          </a:p>
+        </p:txBody>
+      </p:sp>
+      <p:sp>
+        <p:nvSpPr>
+          <p:cNvPr id="4" name="Arrow: Right 3"/>
+          <p:cNvSpPr/>
+          <p:nvPr/>
+        </p:nvSpPr>
+        <p:spPr>
+          <a:xfrm>
+            <a:off x="2687781" y="2291999"/>
+            <a:ext cx="840509" cy="610893"/>
+          </a:xfrm>
+          <a:prstGeom prst="rightArrow">
+            <a:avLst>
+              <a:gd name="adj1" fmla="val 35025"/>
+              <a:gd name="adj2" fmla="val 44010"/>
+            </a:avLst>
+          </a:prstGeom>
+        </p:spPr>
+        <p:style>
+          <a:lnRef idx="2">
+            <a:schemeClr val="accent2">
+              <a:shade val="50000"/>
+            </a:schemeClr>
+          </a:lnRef>
+          <a:fillRef idx="1">
+            <a:schemeClr val="accent2"/>
+          </a:fillRef>
+          <a:effectRef idx="0">
+            <a:schemeClr val="accent2"/>
+          </a:effectRef>
+          <a:fontRef idx="minor">
+            <a:schemeClr val="lt1"/>
+          </a:fontRef>
+        </p:style>
+        <p:txBody>
+          <a:bodyPr rtlCol="0" anchor="ctr"/>
+          <a:lstStyle/>
+          <a:p>
+            <a:pPr algn="ctr"/>
+            <a:endParaRPr lang="en-US" dirty="0"/>
+          </a:p>
+        </p:txBody>
+      </p:sp>
+      <p:sp>
+        <p:nvSpPr>
+          <p:cNvPr id="5" name="Arrow: Right 4"/>
+          <p:cNvSpPr/>
+          <p:nvPr/>
+        </p:nvSpPr>
+        <p:spPr>
+          <a:xfrm>
+            <a:off x="5407891" y="2291999"/>
+            <a:ext cx="840509" cy="610893"/>
+          </a:xfrm>
+          <a:prstGeom prst="rightArrow">
+            <a:avLst>
+              <a:gd name="adj1" fmla="val 35025"/>
+              <a:gd name="adj2" fmla="val 44010"/>
+            </a:avLst>
+          </a:prstGeom>
+        </p:spPr>
+        <p:style>
+          <a:lnRef idx="2">
+            <a:schemeClr val="accent2">
+              <a:shade val="50000"/>
+            </a:schemeClr>
+          </a:lnRef>
+          <a:fillRef idx="1">
+            <a:schemeClr val="accent2"/>
+          </a:fillRef>
+          <a:effectRef idx="0">
+            <a:schemeClr val="accent2"/>
+          </a:effectRef>
+          <a:fontRef idx="minor">
+            <a:schemeClr val="lt1"/>
+          </a:fontRef>
+        </p:style>
+        <p:txBody>
+          <a:bodyPr rtlCol="0" anchor="ctr"/>
+          <a:lstStyle/>
+          <a:p>
+            <a:pPr algn="ctr"/>
+            <a:endParaRPr lang="en-US" dirty="0"/>
+          </a:p>
+        </p:txBody>
+      </p:sp>
+      <p:sp>
+        <p:nvSpPr>
+          <p:cNvPr id="6" name="Rectangle 5"/>
+          <p:cNvSpPr/>
+          <p:nvPr/>
+        </p:nvSpPr>
+        <p:spPr>
+          <a:xfrm>
+            <a:off x="985984" y="2158716"/>
+            <a:ext cx="1533236" cy="877455"/>
+          </a:xfrm>
+          <a:prstGeom prst="rect">
+            <a:avLst/>
+          </a:prstGeom>
+        </p:spPr>
+        <p:style>
+          <a:lnRef idx="2">
+            <a:schemeClr val="accent1">
+              <a:shade val="50000"/>
+            </a:schemeClr>
+          </a:lnRef>
+          <a:fillRef idx="1">
+            <a:schemeClr val="accent1"/>
+          </a:fillRef>
+          <a:effectRef idx="0">
+            <a:schemeClr val="accent1"/>
+          </a:effectRef>
+          <a:fontRef idx="minor">
+            <a:schemeClr val="lt1"/>
+          </a:fontRef>
+        </p:style>
+        <p:txBody>
+          <a:bodyPr rtlCol="0" anchor="ctr"/>
+          <a:lstStyle/>
+          <a:p>
+            <a:pPr algn="ctr"/>
+            <a:r>
+              <a:rPr lang="en-US" dirty="0"/>
+              <a:t>Read in Postman</a:t>
+            </a:r>
+          </a:p>
+        </p:txBody>
+      </p:sp>
+      <p:sp>
+        <p:nvSpPr>
+          <p:cNvPr id="7" name="Rectangle 6"/>
+          <p:cNvSpPr/>
+          <p:nvPr/>
+        </p:nvSpPr>
+        <p:spPr>
+          <a:xfrm>
+            <a:off x="3703778" y="2158716"/>
+            <a:ext cx="1533236" cy="877455"/>
+          </a:xfrm>
+          <a:prstGeom prst="rect">
+            <a:avLst/>
+          </a:prstGeom>
+        </p:spPr>
+        <p:style>
+          <a:lnRef idx="2">
+            <a:schemeClr val="accent1">
+              <a:shade val="50000"/>
+            </a:schemeClr>
+          </a:lnRef>
+          <a:fillRef idx="1">
+            <a:schemeClr val="accent1"/>
+          </a:fillRef>
+          <a:effectRef idx="0">
+            <a:schemeClr val="accent1"/>
+          </a:effectRef>
+          <a:fontRef idx="minor">
+            <a:schemeClr val="lt1"/>
+          </a:fontRef>
+        </p:style>
+        <p:txBody>
+          <a:bodyPr rtlCol="0" anchor="ctr"/>
+          <a:lstStyle/>
+          <a:p>
+            <a:pPr algn="ctr"/>
+            <a:r>
+              <a:rPr lang="en-US" dirty="0"/>
+              <a:t>Make API Calls</a:t>
+            </a:r>
+          </a:p>
+        </p:txBody>
+      </p:sp>
+      <p:sp>
+        <p:nvSpPr>
+          <p:cNvPr id="8" name="Rectangle 7"/>
+          <p:cNvSpPr/>
+          <p:nvPr/>
+        </p:nvSpPr>
+        <p:spPr>
+          <a:xfrm>
+            <a:off x="6416961" y="2158716"/>
+            <a:ext cx="1533236" cy="877455"/>
+          </a:xfrm>
+          <a:prstGeom prst="rect">
+            <a:avLst/>
+          </a:prstGeom>
+        </p:spPr>
+        <p:style>
+          <a:lnRef idx="2">
+            <a:schemeClr val="accent1">
+              <a:shade val="50000"/>
+            </a:schemeClr>
+          </a:lnRef>
+          <a:fillRef idx="1">
+            <a:schemeClr val="accent1"/>
+          </a:fillRef>
+          <a:effectRef idx="0">
+            <a:schemeClr val="accent1"/>
+          </a:effectRef>
+          <a:fontRef idx="minor">
+            <a:schemeClr val="lt1"/>
+          </a:fontRef>
+        </p:style>
+        <p:txBody>
+          <a:bodyPr rtlCol="0" anchor="ctr"/>
+          <a:lstStyle/>
+          <a:p>
+            <a:pPr algn="ctr"/>
+            <a:r>
+              <a:rPr lang="en-US" dirty="0"/>
+              <a:t>Create Schemas</a:t>
+            </a:r>
+          </a:p>
+        </p:txBody>
+      </p:sp>
+      <p:sp>
+        <p:nvSpPr>
+          <p:cNvPr id="9" name="Rectangle 8"/>
+          <p:cNvSpPr/>
+          <p:nvPr/>
+        </p:nvSpPr>
+        <p:spPr>
+          <a:xfrm>
+            <a:off x="9141682" y="2158717"/>
+            <a:ext cx="1533236" cy="877455"/>
+          </a:xfrm>
+          <a:prstGeom prst="rect">
+            <a:avLst/>
+          </a:prstGeom>
+        </p:spPr>
+        <p:style>
+          <a:lnRef idx="2">
+            <a:schemeClr val="accent1">
+              <a:shade val="50000"/>
+            </a:schemeClr>
+          </a:lnRef>
+          <a:fillRef idx="1">
+            <a:schemeClr val="accent1"/>
+          </a:fillRef>
+          <a:effectRef idx="0">
+            <a:schemeClr val="accent1"/>
+          </a:effectRef>
+          <a:fontRef idx="minor">
+            <a:schemeClr val="lt1"/>
+          </a:fontRef>
+        </p:style>
+        <p:txBody>
+          <a:bodyPr rtlCol="0" anchor="ctr"/>
+          <a:lstStyle/>
+          <a:p>
+            <a:pPr algn="ctr"/>
+            <a:r>
+              <a:rPr lang="en-US" dirty="0"/>
+              <a:t>Generate </a:t>
+            </a:r>
+          </a:p>
+          <a:p>
+            <a:pPr algn="ctr"/>
+            <a:r>
+              <a:rPr lang="en-US" dirty="0" err="1"/>
+              <a:t>raml</a:t>
+            </a:r>
+            <a:endParaRPr lang="en-US" dirty="0"/>
+          </a:p>
+        </p:txBody>
+      </p:sp>
+      <p:sp>
+        <p:nvSpPr>
+          <p:cNvPr id="10" name="Arrow: Right 9"/>
+          <p:cNvSpPr/>
+          <p:nvPr/>
+        </p:nvSpPr>
+        <p:spPr>
+          <a:xfrm>
+            <a:off x="8118758" y="2291999"/>
+            <a:ext cx="840509" cy="610893"/>
+          </a:xfrm>
+          <a:prstGeom prst="rightArrow">
+            <a:avLst>
+              <a:gd name="adj1" fmla="val 35025"/>
+              <a:gd name="adj2" fmla="val 44010"/>
+            </a:avLst>
+          </a:prstGeom>
+        </p:spPr>
+        <p:style>
+          <a:lnRef idx="2">
+            <a:schemeClr val="accent2">
+              <a:shade val="50000"/>
+            </a:schemeClr>
+          </a:lnRef>
+          <a:fillRef idx="1">
+            <a:schemeClr val="accent2"/>
+          </a:fillRef>
+          <a:effectRef idx="0">
+            <a:schemeClr val="accent2"/>
+          </a:effectRef>
+          <a:fontRef idx="minor">
+            <a:schemeClr val="lt1"/>
+          </a:fontRef>
+        </p:style>
+        <p:txBody>
+          <a:bodyPr rtlCol="0" anchor="ctr"/>
+          <a:lstStyle/>
+          <a:p>
+            <a:pPr algn="ctr"/>
+            <a:endParaRPr lang="en-US" dirty="0"/>
+          </a:p>
+        </p:txBody>
+      </p:sp>
+      <p:sp>
+        <p:nvSpPr>
+          <p:cNvPr id="11" name="TextBox 10"/>
+          <p:cNvSpPr txBox="1"/>
+          <p:nvPr/>
+        </p:nvSpPr>
+        <p:spPr>
+          <a:xfrm>
+            <a:off x="600364" y="3362036"/>
+            <a:ext cx="2530763" cy="1754326"/>
+          </a:xfrm>
+          <a:prstGeom prst="rect">
+            <a:avLst/>
+          </a:prstGeom>
+          <a:noFill/>
+        </p:spPr>
+        <p:txBody>
+          <a:bodyPr wrap="square" rtlCol="0">
+            <a:spAutoFit/>
+          </a:bodyPr>
+          <a:lstStyle/>
+          <a:p>
+            <a:pPr marL="285750" indent="-285750">
+              <a:buFont typeface="Arial" panose="020B0604020202020204" pitchFamily="34" charset="0"/>
+              <a:buChar char="•"/>
+            </a:pPr>
+            <a:r>
+              <a:rPr lang="en-US" dirty="0"/>
+              <a:t>Read </a:t>
+            </a:r>
+            <a:r>
+              <a:rPr lang="en-US" dirty="0" err="1"/>
+              <a:t>postman.json</a:t>
+            </a:r>
+            <a:endParaRPr lang="en-US" dirty="0"/>
+          </a:p>
+          <a:p>
+            <a:pPr marL="285750" indent="-285750">
+              <a:buFont typeface="Arial" panose="020B0604020202020204" pitchFamily="34" charset="0"/>
+              <a:buChar char="•"/>
+            </a:pPr>
+            <a:r>
+              <a:rPr lang="en-US" dirty="0"/>
+              <a:t>Read </a:t>
+            </a:r>
+            <a:r>
+              <a:rPr lang="en-US" dirty="0" err="1"/>
+              <a:t>env.json</a:t>
+            </a:r>
+            <a:endParaRPr lang="en-US" dirty="0"/>
+          </a:p>
+          <a:p>
+            <a:pPr marL="285750" indent="-285750">
+              <a:buFont typeface="Arial" panose="020B0604020202020204" pitchFamily="34" charset="0"/>
+              <a:buChar char="•"/>
+            </a:pPr>
+            <a:r>
+              <a:rPr lang="en-US" dirty="0"/>
+              <a:t>Read </a:t>
+            </a:r>
+            <a:r>
+              <a:rPr lang="en-US" dirty="0" err="1"/>
+              <a:t>config.json</a:t>
+            </a:r>
+            <a:endParaRPr lang="en-US" dirty="0"/>
+          </a:p>
+          <a:p>
+            <a:pPr marL="285750" indent="-285750">
+              <a:buFont typeface="Arial" panose="020B0604020202020204" pitchFamily="34" charset="0"/>
+              <a:buChar char="•"/>
+            </a:pPr>
+            <a:r>
+              <a:rPr lang="en-US" dirty="0"/>
+              <a:t>Must be in /</a:t>
+            </a:r>
+          </a:p>
+          <a:p>
+            <a:pPr marL="285750" indent="-285750">
+              <a:buFont typeface="Arial" panose="020B0604020202020204" pitchFamily="34" charset="0"/>
+              <a:buChar char="•"/>
+            </a:pPr>
+            <a:r>
+              <a:rPr lang="en-US" dirty="0"/>
+              <a:t>Postman v2 only</a:t>
+            </a:r>
+          </a:p>
+          <a:p>
+            <a:pPr marL="285750" indent="-285750">
+              <a:buFont typeface="Arial" panose="020B0604020202020204" pitchFamily="34" charset="0"/>
+              <a:buChar char="•"/>
+            </a:pPr>
+            <a:r>
+              <a:rPr lang="en-US" dirty="0"/>
+              <a:t>Inflexible – project?</a:t>
+            </a:r>
+          </a:p>
+        </p:txBody>
+      </p:sp>
+      <p:sp>
+        <p:nvSpPr>
+          <p:cNvPr id="12" name="TextBox 11"/>
+          <p:cNvSpPr txBox="1"/>
+          <p:nvPr/>
+        </p:nvSpPr>
+        <p:spPr>
+          <a:xfrm>
+            <a:off x="3205014" y="3362036"/>
+            <a:ext cx="2530763" cy="923330"/>
+          </a:xfrm>
+          <a:prstGeom prst="rect">
+            <a:avLst/>
+          </a:prstGeom>
+          <a:noFill/>
+        </p:spPr>
+        <p:txBody>
+          <a:bodyPr wrap="square" rtlCol="0">
+            <a:spAutoFit/>
+          </a:bodyPr>
+          <a:lstStyle/>
+          <a:p>
+            <a:pPr marL="285750" indent="-285750">
+              <a:buFont typeface="Arial" panose="020B0604020202020204" pitchFamily="34" charset="0"/>
+              <a:buChar char="•"/>
+            </a:pPr>
+            <a:r>
+              <a:rPr lang="en-US" dirty="0"/>
+              <a:t>Perform each request</a:t>
+            </a:r>
+          </a:p>
+          <a:p>
+            <a:pPr marL="285750" indent="-285750">
+              <a:buFont typeface="Arial" panose="020B0604020202020204" pitchFamily="34" charset="0"/>
+              <a:buChar char="•"/>
+            </a:pPr>
+            <a:r>
+              <a:rPr lang="en-US" dirty="0"/>
+              <a:t>Data Connect – </a:t>
+            </a:r>
+            <a:r>
+              <a:rPr lang="en-US" dirty="0" err="1"/>
+              <a:t>jsonDataTable</a:t>
+            </a:r>
+            <a:endParaRPr lang="en-US" dirty="0"/>
+          </a:p>
+        </p:txBody>
+      </p:sp>
+      <p:sp>
+        <p:nvSpPr>
+          <p:cNvPr id="13" name="TextBox 12"/>
+          <p:cNvSpPr txBox="1"/>
+          <p:nvPr/>
+        </p:nvSpPr>
+        <p:spPr>
+          <a:xfrm>
+            <a:off x="5918197" y="3362036"/>
+            <a:ext cx="2530763" cy="923330"/>
+          </a:xfrm>
+          <a:prstGeom prst="rect">
+            <a:avLst/>
+          </a:prstGeom>
+          <a:noFill/>
+        </p:spPr>
+        <p:txBody>
+          <a:bodyPr wrap="square" rtlCol="0">
+            <a:spAutoFit/>
+          </a:bodyPr>
+          <a:lstStyle/>
+          <a:p>
+            <a:pPr marL="285750" indent="-285750">
+              <a:buFont typeface="Arial" panose="020B0604020202020204" pitchFamily="34" charset="0"/>
+              <a:buChar char="•"/>
+            </a:pPr>
+            <a:r>
+              <a:rPr lang="en-US" dirty="0"/>
+              <a:t>Make RAML schema</a:t>
+            </a:r>
+          </a:p>
+          <a:p>
+            <a:pPr marL="285750" indent="-285750">
+              <a:buFont typeface="Arial" panose="020B0604020202020204" pitchFamily="34" charset="0"/>
+              <a:buChar char="•"/>
+            </a:pPr>
+            <a:r>
+              <a:rPr lang="en-US" dirty="0"/>
+              <a:t>Determine type</a:t>
+            </a:r>
+          </a:p>
+          <a:p>
+            <a:pPr marL="285750" indent="-285750">
+              <a:buFont typeface="Arial" panose="020B0604020202020204" pitchFamily="34" charset="0"/>
+              <a:buChar char="•"/>
+            </a:pPr>
+            <a:r>
+              <a:rPr lang="en-US" dirty="0"/>
+              <a:t>Set example</a:t>
+            </a:r>
+          </a:p>
+        </p:txBody>
+      </p:sp>
+      <p:sp>
+        <p:nvSpPr>
+          <p:cNvPr id="14" name="TextBox 13"/>
+          <p:cNvSpPr txBox="1"/>
+          <p:nvPr/>
+        </p:nvSpPr>
+        <p:spPr>
+          <a:xfrm>
+            <a:off x="8642918" y="3362036"/>
+            <a:ext cx="2530763" cy="369332"/>
+          </a:xfrm>
+          <a:prstGeom prst="rect">
+            <a:avLst/>
+          </a:prstGeom>
+          <a:noFill/>
+        </p:spPr>
+        <p:txBody>
+          <a:bodyPr wrap="square" rtlCol="0">
+            <a:spAutoFit/>
+          </a:bodyPr>
+          <a:lstStyle/>
+          <a:p>
+            <a:pPr marL="285750" indent="-285750">
+              <a:buFont typeface="Arial" panose="020B0604020202020204" pitchFamily="34" charset="0"/>
+              <a:buChar char="•"/>
+            </a:pPr>
+            <a:r>
+              <a:rPr lang="en-US" dirty="0"/>
+              <a:t>postman2raml.nunjucks</a:t>
+            </a:r>
+          </a:p>
+        </p:txBody>
+      </p:sp>
+    </p:spTree>
+    <p:extLst>
+      <p:ext uri="{BB962C8B-B14F-4D97-AF65-F5344CB8AC3E}">
+        <p14:creationId xmlns:p14="http://schemas.microsoft.com/office/powerpoint/2010/main" val="911467526"/>
+      </p:ext>
+    </p:extLst>
+  </p:cSld>
+  <p:clrMapOvr>
+    <a:masterClrMapping/>
+  </p:clrMapOvr>
+</p:sld>
+</file>
+
+<file path=ppt/slides/slide16.xml><?xml version="1.0" encoding="utf-8"?>
+<p:sld xmlns:a="http://schemas.openxmlformats.org/drawingml/2006/main" xmlns:r="http://schemas.openxmlformats.org/officeDocument/2006/relationships" xmlns:p="http://schemas.openxmlformats.org/presentationml/2006/main">
+  <p:cSld>
+    <p:spTree>
+      <p:nvGrpSpPr>
+        <p:cNvPr id="1" name=""/>
+        <p:cNvGrpSpPr/>
+        <p:nvPr/>
+      </p:nvGrpSpPr>
+      <p:grpSpPr>
+        <a:xfrm>
+          <a:off x="0" y="0"/>
+          <a:ext cx="0" cy="0"/>
+          <a:chOff x="0" y="0"/>
+          <a:chExt cx="0" cy="0"/>
+        </a:xfrm>
+      </p:grpSpPr>
+      <p:sp>
+        <p:nvSpPr>
+          <p:cNvPr id="2" name="Title 1"/>
+          <p:cNvSpPr>
+            <a:spLocks noGrp="1"/>
+          </p:cNvSpPr>
+          <p:nvPr>
+            <p:ph type="title"/>
+          </p:nvPr>
+        </p:nvSpPr>
+        <p:spPr/>
+        <p:txBody>
+          <a:bodyPr/>
+          <a:lstStyle/>
+          <a:p>
+            <a:r>
+              <a:rPr lang="en-US" dirty="0"/>
+              <a:t>Create.js</a:t>
+            </a:r>
+          </a:p>
+        </p:txBody>
+      </p:sp>
+      <p:sp>
+        <p:nvSpPr>
+          <p:cNvPr id="16" name="Arrow: Right 15"/>
+          <p:cNvSpPr/>
+          <p:nvPr/>
+        </p:nvSpPr>
+        <p:spPr>
+          <a:xfrm>
+            <a:off x="2687781" y="2291999"/>
+            <a:ext cx="840509" cy="610893"/>
+          </a:xfrm>
+          <a:prstGeom prst="rightArrow">
+            <a:avLst>
+              <a:gd name="adj1" fmla="val 35025"/>
+              <a:gd name="adj2" fmla="val 44010"/>
+            </a:avLst>
+          </a:prstGeom>
+        </p:spPr>
+        <p:style>
+          <a:lnRef idx="2">
+            <a:schemeClr val="accent2">
+              <a:shade val="50000"/>
+            </a:schemeClr>
+          </a:lnRef>
+          <a:fillRef idx="1">
+            <a:schemeClr val="accent2"/>
+          </a:fillRef>
+          <a:effectRef idx="0">
+            <a:schemeClr val="accent2"/>
+          </a:effectRef>
+          <a:fontRef idx="minor">
+            <a:schemeClr val="lt1"/>
+          </a:fontRef>
+        </p:style>
+        <p:txBody>
+          <a:bodyPr rtlCol="0" anchor="ctr"/>
+          <a:lstStyle/>
+          <a:p>
+            <a:pPr algn="ctr"/>
+            <a:endParaRPr lang="en-US" dirty="0"/>
+          </a:p>
+        </p:txBody>
+      </p:sp>
+      <p:sp>
+        <p:nvSpPr>
+          <p:cNvPr id="17" name="Arrow: Right 16"/>
+          <p:cNvSpPr/>
+          <p:nvPr/>
+        </p:nvSpPr>
+        <p:spPr>
+          <a:xfrm>
+            <a:off x="5407891" y="2291999"/>
+            <a:ext cx="840509" cy="610893"/>
+          </a:xfrm>
+          <a:prstGeom prst="rightArrow">
+            <a:avLst>
+              <a:gd name="adj1" fmla="val 35025"/>
+              <a:gd name="adj2" fmla="val 44010"/>
+            </a:avLst>
+          </a:prstGeom>
+        </p:spPr>
+        <p:style>
+          <a:lnRef idx="2">
+            <a:schemeClr val="accent2">
+              <a:shade val="50000"/>
+            </a:schemeClr>
+          </a:lnRef>
+          <a:fillRef idx="1">
+            <a:schemeClr val="accent2"/>
+          </a:fillRef>
+          <a:effectRef idx="0">
+            <a:schemeClr val="accent2"/>
+          </a:effectRef>
+          <a:fontRef idx="minor">
+            <a:schemeClr val="lt1"/>
+          </a:fontRef>
+        </p:style>
+        <p:txBody>
+          <a:bodyPr rtlCol="0" anchor="ctr"/>
+          <a:lstStyle/>
+          <a:p>
+            <a:pPr algn="ctr"/>
+            <a:endParaRPr lang="en-US" dirty="0"/>
+          </a:p>
+        </p:txBody>
+      </p:sp>
+      <p:sp>
+        <p:nvSpPr>
+          <p:cNvPr id="18" name="Rectangle 17"/>
+          <p:cNvSpPr/>
+          <p:nvPr/>
+        </p:nvSpPr>
+        <p:spPr>
+          <a:xfrm>
+            <a:off x="985984" y="2158716"/>
+            <a:ext cx="1533236" cy="877455"/>
+          </a:xfrm>
+          <a:prstGeom prst="rect">
+            <a:avLst/>
+          </a:prstGeom>
+        </p:spPr>
+        <p:style>
+          <a:lnRef idx="2">
+            <a:schemeClr val="accent1">
+              <a:shade val="50000"/>
+            </a:schemeClr>
+          </a:lnRef>
+          <a:fillRef idx="1">
+            <a:schemeClr val="accent1"/>
+          </a:fillRef>
+          <a:effectRef idx="0">
+            <a:schemeClr val="accent1"/>
+          </a:effectRef>
+          <a:fontRef idx="minor">
+            <a:schemeClr val="lt1"/>
+          </a:fontRef>
+        </p:style>
+        <p:txBody>
+          <a:bodyPr rtlCol="0" anchor="ctr"/>
+          <a:lstStyle/>
+          <a:p>
+            <a:pPr algn="ctr"/>
+            <a:r>
+              <a:rPr lang="en-US" dirty="0"/>
+              <a:t>Extract values</a:t>
+            </a:r>
+          </a:p>
+        </p:txBody>
+      </p:sp>
+      <p:sp>
+        <p:nvSpPr>
+          <p:cNvPr id="19" name="Rectangle 18"/>
+          <p:cNvSpPr/>
+          <p:nvPr/>
+        </p:nvSpPr>
+        <p:spPr>
+          <a:xfrm>
+            <a:off x="3703778" y="2158716"/>
+            <a:ext cx="1533236" cy="877455"/>
+          </a:xfrm>
+          <a:prstGeom prst="rect">
+            <a:avLst/>
+          </a:prstGeom>
+        </p:spPr>
+        <p:style>
+          <a:lnRef idx="2">
+            <a:schemeClr val="accent1">
+              <a:shade val="50000"/>
+            </a:schemeClr>
+          </a:lnRef>
+          <a:fillRef idx="1">
+            <a:schemeClr val="accent1"/>
+          </a:fillRef>
+          <a:effectRef idx="0">
+            <a:schemeClr val="accent1"/>
+          </a:effectRef>
+          <a:fontRef idx="minor">
+            <a:schemeClr val="lt1"/>
+          </a:fontRef>
+        </p:style>
+        <p:txBody>
+          <a:bodyPr rtlCol="0" anchor="ctr"/>
+          <a:lstStyle/>
+          <a:p>
+            <a:pPr algn="ctr"/>
+            <a:r>
+              <a:rPr lang="en-US" dirty="0"/>
+              <a:t>Get Token</a:t>
+            </a:r>
+          </a:p>
+        </p:txBody>
+      </p:sp>
+      <p:sp>
+        <p:nvSpPr>
+          <p:cNvPr id="20" name="Rectangle 19"/>
+          <p:cNvSpPr/>
+          <p:nvPr/>
+        </p:nvSpPr>
+        <p:spPr>
+          <a:xfrm>
+            <a:off x="6416961" y="2158716"/>
+            <a:ext cx="1533236" cy="877455"/>
+          </a:xfrm>
+          <a:prstGeom prst="rect">
+            <a:avLst/>
+          </a:prstGeom>
+        </p:spPr>
+        <p:style>
+          <a:lnRef idx="2">
+            <a:schemeClr val="accent1">
+              <a:shade val="50000"/>
+            </a:schemeClr>
+          </a:lnRef>
+          <a:fillRef idx="1">
+            <a:schemeClr val="accent1"/>
+          </a:fillRef>
+          <a:effectRef idx="0">
+            <a:schemeClr val="accent1"/>
+          </a:effectRef>
+          <a:fontRef idx="minor">
+            <a:schemeClr val="lt1"/>
+          </a:fontRef>
+        </p:style>
+        <p:txBody>
+          <a:bodyPr rtlCol="0" anchor="ctr"/>
+          <a:lstStyle/>
+          <a:p>
+            <a:pPr algn="ctr"/>
+            <a:r>
+              <a:rPr lang="en-US" dirty="0"/>
+              <a:t>Make API Calls, in Order</a:t>
+            </a:r>
+          </a:p>
+        </p:txBody>
+      </p:sp>
+      <p:sp>
+        <p:nvSpPr>
+          <p:cNvPr id="21" name="Rectangle 20"/>
+          <p:cNvSpPr/>
+          <p:nvPr/>
+        </p:nvSpPr>
+        <p:spPr>
+          <a:xfrm>
+            <a:off x="9141682" y="2158717"/>
+            <a:ext cx="1533236" cy="877455"/>
+          </a:xfrm>
+          <a:prstGeom prst="rect">
+            <a:avLst/>
+          </a:prstGeom>
+        </p:spPr>
+        <p:style>
+          <a:lnRef idx="2">
+            <a:schemeClr val="accent1">
+              <a:shade val="50000"/>
+            </a:schemeClr>
+          </a:lnRef>
+          <a:fillRef idx="1">
+            <a:schemeClr val="accent1"/>
+          </a:fillRef>
+          <a:effectRef idx="0">
+            <a:schemeClr val="accent1"/>
+          </a:effectRef>
+          <a:fontRef idx="minor">
+            <a:schemeClr val="lt1"/>
+          </a:fontRef>
+        </p:style>
+        <p:txBody>
+          <a:bodyPr rtlCol="0" anchor="ctr"/>
+          <a:lstStyle/>
+          <a:p>
+            <a:pPr algn="ctr"/>
+            <a:r>
+              <a:rPr lang="en-US" dirty="0"/>
+              <a:t>Format Response</a:t>
+            </a:r>
+          </a:p>
+        </p:txBody>
+      </p:sp>
+      <p:sp>
+        <p:nvSpPr>
+          <p:cNvPr id="22" name="Arrow: Right 21"/>
+          <p:cNvSpPr/>
+          <p:nvPr/>
+        </p:nvSpPr>
+        <p:spPr>
+          <a:xfrm>
+            <a:off x="8118758" y="2291999"/>
+            <a:ext cx="840509" cy="610893"/>
+          </a:xfrm>
+          <a:prstGeom prst="rightArrow">
+            <a:avLst>
+              <a:gd name="adj1" fmla="val 35025"/>
+              <a:gd name="adj2" fmla="val 44010"/>
+            </a:avLst>
+          </a:prstGeom>
+        </p:spPr>
+        <p:style>
+          <a:lnRef idx="2">
+            <a:schemeClr val="accent2">
+              <a:shade val="50000"/>
+            </a:schemeClr>
+          </a:lnRef>
+          <a:fillRef idx="1">
+            <a:schemeClr val="accent2"/>
+          </a:fillRef>
+          <a:effectRef idx="0">
+            <a:schemeClr val="accent2"/>
+          </a:effectRef>
+          <a:fontRef idx="minor">
+            <a:schemeClr val="lt1"/>
+          </a:fontRef>
+        </p:style>
+        <p:txBody>
+          <a:bodyPr rtlCol="0" anchor="ctr"/>
+          <a:lstStyle/>
+          <a:p>
+            <a:pPr algn="ctr"/>
+            <a:endParaRPr lang="en-US" dirty="0"/>
+          </a:p>
+        </p:txBody>
+      </p:sp>
+      <p:sp>
+        <p:nvSpPr>
+          <p:cNvPr id="23" name="TextBox 22"/>
+          <p:cNvSpPr txBox="1"/>
+          <p:nvPr/>
+        </p:nvSpPr>
+        <p:spPr>
+          <a:xfrm>
+            <a:off x="600364" y="3362036"/>
+            <a:ext cx="2530763" cy="646331"/>
+          </a:xfrm>
+          <a:prstGeom prst="rect">
+            <a:avLst/>
+          </a:prstGeom>
+          <a:noFill/>
+        </p:spPr>
+        <p:txBody>
+          <a:bodyPr wrap="square" rtlCol="0">
+            <a:spAutoFit/>
+          </a:bodyPr>
+          <a:lstStyle/>
+          <a:p>
+            <a:pPr marL="285750" indent="-285750">
+              <a:buFont typeface="Arial" panose="020B0604020202020204" pitchFamily="34" charset="0"/>
+              <a:buChar char="•"/>
+            </a:pPr>
+            <a:r>
+              <a:rPr lang="en-US" dirty="0"/>
+              <a:t>Must be provided</a:t>
+            </a:r>
+          </a:p>
+          <a:p>
+            <a:pPr marL="285750" indent="-285750">
+              <a:buFont typeface="Arial" panose="020B0604020202020204" pitchFamily="34" charset="0"/>
+              <a:buChar char="•"/>
+            </a:pPr>
+            <a:r>
+              <a:rPr lang="en-US" dirty="0"/>
+              <a:t>Comma separated list</a:t>
+            </a:r>
+          </a:p>
+        </p:txBody>
+      </p:sp>
+      <p:sp>
+        <p:nvSpPr>
+          <p:cNvPr id="24" name="TextBox 23"/>
+          <p:cNvSpPr txBox="1"/>
+          <p:nvPr/>
+        </p:nvSpPr>
+        <p:spPr>
+          <a:xfrm>
+            <a:off x="3205014" y="3362036"/>
+            <a:ext cx="2530763" cy="1200329"/>
+          </a:xfrm>
+          <a:prstGeom prst="rect">
+            <a:avLst/>
+          </a:prstGeom>
+          <a:noFill/>
+        </p:spPr>
+        <p:txBody>
+          <a:bodyPr wrap="square" rtlCol="0">
+            <a:spAutoFit/>
+          </a:bodyPr>
+          <a:lstStyle/>
+          <a:p>
+            <a:pPr marL="285750" indent="-285750">
+              <a:buFont typeface="Arial" panose="020B0604020202020204" pitchFamily="34" charset="0"/>
+              <a:buChar char="•"/>
+            </a:pPr>
+            <a:r>
+              <a:rPr lang="en-US" dirty="0"/>
+              <a:t>Get service token</a:t>
+            </a:r>
+          </a:p>
+          <a:p>
+            <a:pPr marL="285750" indent="-285750">
+              <a:buFont typeface="Arial" panose="020B0604020202020204" pitchFamily="34" charset="0"/>
+              <a:buChar char="•"/>
+            </a:pPr>
+            <a:r>
+              <a:rPr lang="en-US" dirty="0"/>
+              <a:t>Hard coded credentials</a:t>
+            </a:r>
+          </a:p>
+          <a:p>
+            <a:pPr marL="285750" indent="-285750">
+              <a:buFont typeface="Arial" panose="020B0604020202020204" pitchFamily="34" charset="0"/>
+              <a:buChar char="•"/>
+            </a:pPr>
+            <a:endParaRPr lang="en-US" dirty="0"/>
+          </a:p>
+        </p:txBody>
+      </p:sp>
+      <p:sp>
+        <p:nvSpPr>
+          <p:cNvPr id="25" name="TextBox 24"/>
+          <p:cNvSpPr txBox="1"/>
+          <p:nvPr/>
+        </p:nvSpPr>
+        <p:spPr>
+          <a:xfrm>
+            <a:off x="5918197" y="3362036"/>
+            <a:ext cx="2530763" cy="1477328"/>
+          </a:xfrm>
+          <a:prstGeom prst="rect">
+            <a:avLst/>
+          </a:prstGeom>
+          <a:noFill/>
+        </p:spPr>
+        <p:txBody>
+          <a:bodyPr wrap="square" rtlCol="0">
+            <a:spAutoFit/>
+          </a:bodyPr>
+          <a:lstStyle/>
+          <a:p>
+            <a:pPr marL="285750" indent="-285750">
+              <a:buFont typeface="Arial" panose="020B0604020202020204" pitchFamily="34" charset="0"/>
+              <a:buChar char="•"/>
+            </a:pPr>
+            <a:r>
+              <a:rPr lang="en-US" dirty="0"/>
+              <a:t>Sale Order</a:t>
+            </a:r>
+          </a:p>
+          <a:p>
+            <a:pPr marL="285750" indent="-285750">
+              <a:buFont typeface="Arial" panose="020B0604020202020204" pitchFamily="34" charset="0"/>
+              <a:buChar char="•"/>
+            </a:pPr>
+            <a:r>
+              <a:rPr lang="en-US" dirty="0"/>
+              <a:t>Order Management</a:t>
+            </a:r>
+          </a:p>
+          <a:p>
+            <a:pPr marL="285750" indent="-285750">
+              <a:buFont typeface="Arial" panose="020B0604020202020204" pitchFamily="34" charset="0"/>
+              <a:buChar char="•"/>
+            </a:pPr>
+            <a:r>
+              <a:rPr lang="en-US" dirty="0"/>
+              <a:t>Product Details</a:t>
+            </a:r>
+          </a:p>
+          <a:p>
+            <a:pPr marL="285750" indent="-285750">
+              <a:buFont typeface="Arial" panose="020B0604020202020204" pitchFamily="34" charset="0"/>
+              <a:buChar char="•"/>
+            </a:pPr>
+            <a:r>
+              <a:rPr lang="en-US" dirty="0"/>
+              <a:t>Extract values to make calls</a:t>
+            </a:r>
+          </a:p>
+        </p:txBody>
+      </p:sp>
+      <p:sp>
+        <p:nvSpPr>
+          <p:cNvPr id="26" name="TextBox 25"/>
+          <p:cNvSpPr txBox="1"/>
+          <p:nvPr/>
+        </p:nvSpPr>
+        <p:spPr>
+          <a:xfrm>
+            <a:off x="8642918" y="3362036"/>
+            <a:ext cx="2530763" cy="646331"/>
+          </a:xfrm>
+          <a:prstGeom prst="rect">
+            <a:avLst/>
+          </a:prstGeom>
+          <a:noFill/>
+        </p:spPr>
+        <p:txBody>
+          <a:bodyPr wrap="square" rtlCol="0">
+            <a:spAutoFit/>
+          </a:bodyPr>
+          <a:lstStyle/>
+          <a:p>
+            <a:pPr marL="285750" indent="-285750">
+              <a:buFont typeface="Arial" panose="020B0604020202020204" pitchFamily="34" charset="0"/>
+              <a:buChar char="•"/>
+            </a:pPr>
+            <a:r>
+              <a:rPr lang="en-US" dirty="0"/>
+              <a:t>Create new object</a:t>
+            </a:r>
+          </a:p>
+          <a:p>
+            <a:pPr marL="285750" indent="-285750">
+              <a:buFont typeface="Arial" panose="020B0604020202020204" pitchFamily="34" charset="0"/>
+              <a:buChar char="•"/>
+            </a:pPr>
+            <a:r>
+              <a:rPr lang="en-US" dirty="0"/>
+              <a:t>Print </a:t>
+            </a:r>
+            <a:r>
+              <a:rPr lang="en-US" dirty="0" err="1"/>
+              <a:t>ProductData.json</a:t>
+            </a:r>
+            <a:endParaRPr lang="en-US" dirty="0"/>
+          </a:p>
+        </p:txBody>
+      </p:sp>
+    </p:spTree>
+    <p:extLst>
+      <p:ext uri="{BB962C8B-B14F-4D97-AF65-F5344CB8AC3E}">
+        <p14:creationId xmlns:p14="http://schemas.microsoft.com/office/powerpoint/2010/main" val="3369398117"/>
+      </p:ext>
+    </p:extLst>
+  </p:cSld>
+  <p:clrMapOvr>
+    <a:masterClrMapping/>
+  </p:clrMapOvr>
+</p:sld>
+</file>
+
+<file path=ppt/slides/slide17.xml><?xml version="1.0" encoding="utf-8"?>
+<p:sld xmlns:a="http://schemas.openxmlformats.org/drawingml/2006/main" xmlns:r="http://schemas.openxmlformats.org/officeDocument/2006/relationships" xmlns:p="http://schemas.openxmlformats.org/presentationml/2006/main">
+  <p:cSld>
+    <p:spTree>
+      <p:nvGrpSpPr>
+        <p:cNvPr id="1" name=""/>
+        <p:cNvGrpSpPr/>
+        <p:nvPr/>
+      </p:nvGrpSpPr>
+      <p:grpSpPr>
+        <a:xfrm>
+          <a:off x="0" y="0"/>
+          <a:ext cx="0" cy="0"/>
+          <a:chOff x="0" y="0"/>
+          <a:chExt cx="0" cy="0"/>
+        </a:xfrm>
+      </p:grpSpPr>
+      <p:sp>
+        <p:nvSpPr>
+          <p:cNvPr id="2" name="Title 1"/>
+          <p:cNvSpPr>
+            <a:spLocks noGrp="1"/>
+          </p:cNvSpPr>
+          <p:nvPr>
+            <p:ph type="title"/>
+          </p:nvPr>
+        </p:nvSpPr>
+        <p:spPr/>
+        <p:txBody>
+          <a:bodyPr/>
+          <a:lstStyle/>
+          <a:p>
+            <a:r>
               <a:rPr lang="nl-NL" dirty="0"/>
-              <a:t>Developer portal</a:t>
+              <a:t>Developer portal architecture</a:t>
             </a:r>
           </a:p>
         </p:txBody>
@@ -21166,7 +24069,7 @@
 </p:sld>
 </file>
 
-<file path=ppt/slides/slide12.xml><?xml version="1.0" encoding="utf-8"?>
+<file path=ppt/slides/slide18.xml><?xml version="1.0" encoding="utf-8"?>
 <p:sld xmlns:a="http://schemas.openxmlformats.org/drawingml/2006/main" xmlns:r="http://schemas.openxmlformats.org/officeDocument/2006/relationships" xmlns:p="http://schemas.openxmlformats.org/presentationml/2006/main">
   <p:cSld>
     <p:spTree>
@@ -21300,7 +24203,7 @@
 </p:sld>
 </file>
 
-<file path=ppt/slides/slide13.xml><?xml version="1.0" encoding="utf-8"?>
+<file path=ppt/slides/slide19.xml><?xml version="1.0" encoding="utf-8"?>
 <p:sld xmlns:a="http://schemas.openxmlformats.org/drawingml/2006/main" xmlns:r="http://schemas.openxmlformats.org/officeDocument/2006/relationships" xmlns:p="http://schemas.openxmlformats.org/presentationml/2006/main">
   <p:cSld>
     <p:spTree>
@@ -21341,7 +24244,7 @@
       </p:sp>
       <p:pic>
         <p:nvPicPr>
-          <p:cNvPr id="3" name="Picture 2" descr="Screen Clipping"/>
+          <p:cNvPr id="9" name="Picture 8" descr="Screen Clipping"/>
           <p:cNvPicPr>
             <a:picLocks noChangeAspect="1"/>
           </p:cNvPicPr>
@@ -21361,14 +24264,102 @@
         </p:blipFill>
         <p:spPr>
           <a:xfrm>
-            <a:off x="2531675" y="2351229"/>
-            <a:ext cx="7128650" cy="3476916"/>
+            <a:off x="685457" y="2347875"/>
+            <a:ext cx="3997379" cy="4440202"/>
           </a:xfrm>
           <a:prstGeom prst="rect">
             <a:avLst/>
           </a:prstGeom>
         </p:spPr>
       </p:pic>
+      <p:sp>
+        <p:nvSpPr>
+          <p:cNvPr id="10" name="TextBox 9"/>
+          <p:cNvSpPr txBox="1"/>
+          <p:nvPr/>
+        </p:nvSpPr>
+        <p:spPr>
+          <a:xfrm>
+            <a:off x="812800" y="1859014"/>
+            <a:ext cx="3870036" cy="523220"/>
+          </a:xfrm>
+          <a:prstGeom prst="rect">
+            <a:avLst/>
+          </a:prstGeom>
+          <a:noFill/>
+        </p:spPr>
+        <p:txBody>
+          <a:bodyPr wrap="square" rtlCol="0">
+            <a:spAutoFit/>
+          </a:bodyPr>
+          <a:lstStyle/>
+          <a:p>
+            <a:r>
+              <a:rPr lang="en-US" sz="2800" dirty="0"/>
+              <a:t>Nunjucks (Mozilla)</a:t>
+            </a:r>
+          </a:p>
+        </p:txBody>
+      </p:sp>
+      <p:pic>
+        <p:nvPicPr>
+          <p:cNvPr id="11" name="Picture 10" descr="Screen Clipping"/>
+          <p:cNvPicPr>
+            <a:picLocks noChangeAspect="1"/>
+          </p:cNvPicPr>
+          <p:nvPr/>
+        </p:nvPicPr>
+        <p:blipFill>
+          <a:blip r:embed="rId3">
+            <a:extLst>
+              <a:ext uri="{28A0092B-C50C-407E-A947-70E740481C1C}">
+                <a14:useLocalDpi xmlns:a14="http://schemas.microsoft.com/office/drawing/2010/main" val="0"/>
+              </a:ext>
+            </a:extLst>
+          </a:blip>
+          <a:stretch>
+            <a:fillRect/>
+          </a:stretch>
+        </p:blipFill>
+        <p:spPr>
+          <a:xfrm>
+            <a:off x="5760530" y="2139097"/>
+            <a:ext cx="6192469" cy="3110816"/>
+          </a:xfrm>
+          <a:prstGeom prst="rect">
+            <a:avLst/>
+          </a:prstGeom>
+        </p:spPr>
+      </p:pic>
+      <p:sp>
+        <p:nvSpPr>
+          <p:cNvPr id="12" name="TextBox 11"/>
+          <p:cNvSpPr txBox="1"/>
+          <p:nvPr/>
+        </p:nvSpPr>
+        <p:spPr>
+          <a:xfrm>
+            <a:off x="5884164" y="1877487"/>
+            <a:ext cx="3870036" cy="523220"/>
+          </a:xfrm>
+          <a:prstGeom prst="rect">
+            <a:avLst/>
+          </a:prstGeom>
+          <a:noFill/>
+        </p:spPr>
+        <p:txBody>
+          <a:bodyPr wrap="square" rtlCol="0">
+            <a:spAutoFit/>
+          </a:bodyPr>
+          <a:lstStyle/>
+          <a:p>
+            <a:r>
+              <a:rPr lang="en-US" sz="2800" dirty="0"/>
+              <a:t>Liquid (Shopify)</a:t>
+            </a:r>
+          </a:p>
+        </p:txBody>
+      </p:sp>
     </p:spTree>
     <p:extLst>
       <p:ext uri="{BB962C8B-B14F-4D97-AF65-F5344CB8AC3E}">
@@ -21382,7 +24373,119 @@
 </p:sld>
 </file>
 
-<file path=ppt/slides/slide14.xml><?xml version="1.0" encoding="utf-8"?>
+<file path=ppt/slides/slide2.xml><?xml version="1.0" encoding="utf-8"?>
+<p:sld xmlns:a="http://schemas.openxmlformats.org/drawingml/2006/main" xmlns:r="http://schemas.openxmlformats.org/officeDocument/2006/relationships" xmlns:p="http://schemas.openxmlformats.org/presentationml/2006/main">
+  <p:cSld>
+    <p:spTree>
+      <p:nvGrpSpPr>
+        <p:cNvPr id="1" name=""/>
+        <p:cNvGrpSpPr/>
+        <p:nvPr/>
+      </p:nvGrpSpPr>
+      <p:grpSpPr>
+        <a:xfrm>
+          <a:off x="0" y="0"/>
+          <a:ext cx="0" cy="0"/>
+          <a:chOff x="0" y="0"/>
+          <a:chExt cx="0" cy="0"/>
+        </a:xfrm>
+      </p:grpSpPr>
+      <p:sp>
+        <p:nvSpPr>
+          <p:cNvPr id="2" name="Title 1"/>
+          <p:cNvSpPr>
+            <a:spLocks noGrp="1"/>
+          </p:cNvSpPr>
+          <p:nvPr>
+            <p:ph type="title"/>
+          </p:nvPr>
+        </p:nvSpPr>
+        <p:spPr/>
+        <p:txBody>
+          <a:bodyPr/>
+          <a:lstStyle/>
+          <a:p>
+            <a:r>
+              <a:rPr lang="en-US" dirty="0"/>
+              <a:t>Summary</a:t>
+            </a:r>
+          </a:p>
+        </p:txBody>
+      </p:sp>
+      <p:sp>
+        <p:nvSpPr>
+          <p:cNvPr id="3" name="Content Placeholder 2"/>
+          <p:cNvSpPr>
+            <a:spLocks noGrp="1"/>
+          </p:cNvSpPr>
+          <p:nvPr>
+            <p:ph idx="1"/>
+          </p:nvPr>
+        </p:nvSpPr>
+        <p:spPr/>
+        <p:txBody>
+          <a:bodyPr/>
+          <a:lstStyle/>
+          <a:p>
+            <a:pPr marL="457200" indent="-339725">
+              <a:buFont typeface="Courier New" panose="02070309020205020404" pitchFamily="49" charset="0"/>
+              <a:buChar char="o"/>
+              <a:defRPr/>
+            </a:pPr>
+            <a:r>
+              <a:rPr lang="en-US" dirty="0"/>
+              <a:t>What is Node.js?</a:t>
+            </a:r>
+          </a:p>
+          <a:p>
+            <a:pPr marL="457200" indent="-339725">
+              <a:buFont typeface="Courier New" panose="02070309020205020404" pitchFamily="49" charset="0"/>
+              <a:buChar char="o"/>
+              <a:defRPr/>
+            </a:pPr>
+            <a:r>
+              <a:rPr lang="en-US" dirty="0"/>
+              <a:t>Basics</a:t>
+            </a:r>
+          </a:p>
+          <a:p>
+            <a:pPr marL="457200" indent="-339725">
+              <a:buFont typeface="Courier New" panose="02070309020205020404" pitchFamily="49" charset="0"/>
+              <a:buChar char="o"/>
+              <a:defRPr/>
+            </a:pPr>
+            <a:r>
+              <a:rPr lang="en-US" dirty="0"/>
+              <a:t>Demos</a:t>
+            </a:r>
+          </a:p>
+          <a:p>
+            <a:pPr marL="457200" indent="-339725">
+              <a:buFont typeface="Courier New" panose="02070309020205020404" pitchFamily="49" charset="0"/>
+              <a:buChar char="o"/>
+              <a:defRPr/>
+            </a:pPr>
+            <a:r>
+              <a:rPr lang="en-US" dirty="0"/>
+              <a:t>Developer Portal</a:t>
+            </a:r>
+          </a:p>
+        </p:txBody>
+      </p:sp>
+    </p:spTree>
+    <p:extLst>
+      <p:ext uri="{BB962C8B-B14F-4D97-AF65-F5344CB8AC3E}">
+        <p14:creationId xmlns:p14="http://schemas.microsoft.com/office/powerpoint/2010/main" val="987150873"/>
+      </p:ext>
+    </p:extLst>
+  </p:cSld>
+  <p:clrMapOvr>
+    <a:masterClrMapping/>
+  </p:clrMapOvr>
+</p:sld>
+</file>
+
+<file path=ppt/slides/slide20.xml><?xml version="1.0" encoding="utf-8"?>
 <p:sld xmlns:a="http://schemas.openxmlformats.org/drawingml/2006/main" xmlns:r="http://schemas.openxmlformats.org/officeDocument/2006/relationships" xmlns:p="http://schemas.openxmlformats.org/presentationml/2006/main">
   <p:cSld>
     <p:spTree>
@@ -21475,7 +24578,7 @@
 </p:sld>
 </file>
 
-<file path=ppt/slides/slide15.xml><?xml version="1.0" encoding="utf-8"?>
+<file path=ppt/slides/slide21.xml><?xml version="1.0" encoding="utf-8"?>
 <p:sld xmlns:a="http://schemas.openxmlformats.org/drawingml/2006/main" xmlns:r="http://schemas.openxmlformats.org/officeDocument/2006/relationships" xmlns:p="http://schemas.openxmlformats.org/presentationml/2006/main">
   <p:cSld>
     <p:spTree>
@@ -21568,7 +24671,936 @@
 </p:sld>
 </file>
 
-<file path=ppt/slides/slide2.xml><?xml version="1.0" encoding="utf-8"?>
+<file path=ppt/slides/slide22.xml><?xml version="1.0" encoding="utf-8"?>
+<p:sld xmlns:a="http://schemas.openxmlformats.org/drawingml/2006/main" xmlns:r="http://schemas.openxmlformats.org/officeDocument/2006/relationships" xmlns:p="http://schemas.openxmlformats.org/presentationml/2006/main">
+  <p:cSld>
+    <p:spTree>
+      <p:nvGrpSpPr>
+        <p:cNvPr id="1" name=""/>
+        <p:cNvGrpSpPr/>
+        <p:nvPr/>
+      </p:nvGrpSpPr>
+      <p:grpSpPr>
+        <a:xfrm>
+          <a:off x="0" y="0"/>
+          <a:ext cx="0" cy="0"/>
+          <a:chOff x="0" y="0"/>
+          <a:chExt cx="0" cy="0"/>
+        </a:xfrm>
+      </p:grpSpPr>
+      <p:pic>
+        <p:nvPicPr>
+          <p:cNvPr id="5" name="Picture 4" descr="Screen Clipping"/>
+          <p:cNvPicPr>
+            <a:picLocks noChangeAspect="1"/>
+          </p:cNvPicPr>
+          <p:nvPr/>
+        </p:nvPicPr>
+        <p:blipFill>
+          <a:blip r:embed="rId2">
+            <a:extLst>
+              <a:ext uri="{28A0092B-C50C-407E-A947-70E740481C1C}">
+                <a14:useLocalDpi xmlns:a14="http://schemas.microsoft.com/office/drawing/2010/main" val="0"/>
+              </a:ext>
+            </a:extLst>
+          </a:blip>
+          <a:stretch>
+            <a:fillRect/>
+          </a:stretch>
+        </p:blipFill>
+        <p:spPr>
+          <a:xfrm>
+            <a:off x="1552011" y="1980078"/>
+            <a:ext cx="5117095" cy="605910"/>
+          </a:xfrm>
+          <a:prstGeom prst="rect">
+            <a:avLst/>
+          </a:prstGeom>
+        </p:spPr>
+      </p:pic>
+      <p:pic>
+        <p:nvPicPr>
+          <p:cNvPr id="6" name="Picture 5" descr="Screen Clipping"/>
+          <p:cNvPicPr>
+            <a:picLocks noChangeAspect="1"/>
+          </p:cNvPicPr>
+          <p:nvPr/>
+        </p:nvPicPr>
+        <p:blipFill>
+          <a:blip r:embed="rId3">
+            <a:extLst>
+              <a:ext uri="{28A0092B-C50C-407E-A947-70E740481C1C}">
+                <a14:useLocalDpi xmlns:a14="http://schemas.microsoft.com/office/drawing/2010/main" val="0"/>
+              </a:ext>
+            </a:extLst>
+          </a:blip>
+          <a:stretch>
+            <a:fillRect/>
+          </a:stretch>
+        </p:blipFill>
+        <p:spPr>
+          <a:xfrm>
+            <a:off x="1552011" y="3234726"/>
+            <a:ext cx="3707098" cy="738807"/>
+          </a:xfrm>
+          <a:prstGeom prst="rect">
+            <a:avLst/>
+          </a:prstGeom>
+        </p:spPr>
+      </p:pic>
+      <p:pic>
+        <p:nvPicPr>
+          <p:cNvPr id="7" name="Picture 6" descr="Screen Clipping"/>
+          <p:cNvPicPr>
+            <a:picLocks noChangeAspect="1"/>
+          </p:cNvPicPr>
+          <p:nvPr/>
+        </p:nvPicPr>
+        <p:blipFill>
+          <a:blip r:embed="rId4">
+            <a:extLst>
+              <a:ext uri="{28A0092B-C50C-407E-A947-70E740481C1C}">
+                <a14:useLocalDpi xmlns:a14="http://schemas.microsoft.com/office/drawing/2010/main" val="0"/>
+              </a:ext>
+            </a:extLst>
+          </a:blip>
+          <a:stretch>
+            <a:fillRect/>
+          </a:stretch>
+        </p:blipFill>
+        <p:spPr>
+          <a:xfrm>
+            <a:off x="1552011" y="616467"/>
+            <a:ext cx="3010604" cy="714873"/>
+          </a:xfrm>
+          <a:prstGeom prst="rect">
+            <a:avLst/>
+          </a:prstGeom>
+        </p:spPr>
+      </p:pic>
+      <p:pic>
+        <p:nvPicPr>
+          <p:cNvPr id="8" name="Picture 7" descr="Screen Clipping"/>
+          <p:cNvPicPr>
+            <a:picLocks noChangeAspect="1"/>
+          </p:cNvPicPr>
+          <p:nvPr/>
+        </p:nvPicPr>
+        <p:blipFill>
+          <a:blip r:embed="rId5">
+            <a:extLst>
+              <a:ext uri="{28A0092B-C50C-407E-A947-70E740481C1C}">
+                <a14:useLocalDpi xmlns:a14="http://schemas.microsoft.com/office/drawing/2010/main" val="0"/>
+              </a:ext>
+            </a:extLst>
+          </a:blip>
+          <a:stretch>
+            <a:fillRect/>
+          </a:stretch>
+        </p:blipFill>
+        <p:spPr>
+          <a:xfrm>
+            <a:off x="7333897" y="1146626"/>
+            <a:ext cx="4645898" cy="605359"/>
+          </a:xfrm>
+          <a:prstGeom prst="rect">
+            <a:avLst/>
+          </a:prstGeom>
+        </p:spPr>
+      </p:pic>
+      <p:sp>
+        <p:nvSpPr>
+          <p:cNvPr id="11" name="Rectangle 10"/>
+          <p:cNvSpPr/>
+          <p:nvPr/>
+        </p:nvSpPr>
+        <p:spPr>
+          <a:xfrm>
+            <a:off x="0" y="734874"/>
+            <a:ext cx="1293091" cy="508000"/>
+          </a:xfrm>
+          <a:prstGeom prst="rect">
+            <a:avLst/>
+          </a:prstGeom>
+          <a:noFill/>
+          <a:ln>
+            <a:solidFill>
+              <a:schemeClr val="bg1"/>
+            </a:solidFill>
+          </a:ln>
+        </p:spPr>
+        <p:style>
+          <a:lnRef idx="2">
+            <a:schemeClr val="accent1">
+              <a:shade val="50000"/>
+            </a:schemeClr>
+          </a:lnRef>
+          <a:fillRef idx="1">
+            <a:schemeClr val="accent1"/>
+          </a:fillRef>
+          <a:effectRef idx="0">
+            <a:schemeClr val="accent1"/>
+          </a:effectRef>
+          <a:fontRef idx="minor">
+            <a:schemeClr val="lt1"/>
+          </a:fontRef>
+        </p:style>
+        <p:txBody>
+          <a:bodyPr rtlCol="0" anchor="ctr"/>
+          <a:lstStyle/>
+          <a:p>
+            <a:pPr algn="ctr"/>
+            <a:r>
+              <a:rPr lang="en-US" dirty="0">
+                <a:solidFill>
+                  <a:schemeClr val="tx1"/>
+                </a:solidFill>
+              </a:rPr>
+              <a:t>RAML</a:t>
+            </a:r>
+          </a:p>
+        </p:txBody>
+      </p:sp>
+      <p:sp>
+        <p:nvSpPr>
+          <p:cNvPr id="19" name="Rectangle 18"/>
+          <p:cNvSpPr/>
+          <p:nvPr/>
+        </p:nvSpPr>
+        <p:spPr>
+          <a:xfrm>
+            <a:off x="305" y="2034647"/>
+            <a:ext cx="1293091" cy="508000"/>
+          </a:xfrm>
+          <a:prstGeom prst="rect">
+            <a:avLst/>
+          </a:prstGeom>
+          <a:noFill/>
+          <a:ln>
+            <a:solidFill>
+              <a:schemeClr val="bg1"/>
+            </a:solidFill>
+          </a:ln>
+        </p:spPr>
+        <p:style>
+          <a:lnRef idx="2">
+            <a:schemeClr val="accent1">
+              <a:shade val="50000"/>
+            </a:schemeClr>
+          </a:lnRef>
+          <a:fillRef idx="1">
+            <a:schemeClr val="accent1"/>
+          </a:fillRef>
+          <a:effectRef idx="0">
+            <a:schemeClr val="accent1"/>
+          </a:effectRef>
+          <a:fontRef idx="minor">
+            <a:schemeClr val="lt1"/>
+          </a:fontRef>
+        </p:style>
+        <p:txBody>
+          <a:bodyPr rtlCol="0" anchor="ctr"/>
+          <a:lstStyle/>
+          <a:p>
+            <a:pPr algn="ctr"/>
+            <a:r>
+              <a:rPr lang="en-US" dirty="0">
+                <a:solidFill>
+                  <a:schemeClr val="tx1"/>
+                </a:solidFill>
+              </a:rPr>
+              <a:t>Nunjucks</a:t>
+            </a:r>
+          </a:p>
+        </p:txBody>
+      </p:sp>
+      <p:sp>
+        <p:nvSpPr>
+          <p:cNvPr id="20" name="Rectangle 19"/>
+          <p:cNvSpPr/>
+          <p:nvPr/>
+        </p:nvSpPr>
+        <p:spPr>
+          <a:xfrm>
+            <a:off x="0" y="3350129"/>
+            <a:ext cx="1293091" cy="508000"/>
+          </a:xfrm>
+          <a:prstGeom prst="rect">
+            <a:avLst/>
+          </a:prstGeom>
+          <a:noFill/>
+          <a:ln>
+            <a:solidFill>
+              <a:schemeClr val="bg1"/>
+            </a:solidFill>
+          </a:ln>
+        </p:spPr>
+        <p:style>
+          <a:lnRef idx="2">
+            <a:schemeClr val="accent1">
+              <a:shade val="50000"/>
+            </a:schemeClr>
+          </a:lnRef>
+          <a:fillRef idx="1">
+            <a:schemeClr val="accent1"/>
+          </a:fillRef>
+          <a:effectRef idx="0">
+            <a:schemeClr val="accent1"/>
+          </a:effectRef>
+          <a:fontRef idx="minor">
+            <a:schemeClr val="lt1"/>
+          </a:fontRef>
+        </p:style>
+        <p:txBody>
+          <a:bodyPr rtlCol="0" anchor="ctr"/>
+          <a:lstStyle/>
+          <a:p>
+            <a:pPr algn="ctr"/>
+            <a:r>
+              <a:rPr lang="en-US" dirty="0">
+                <a:solidFill>
+                  <a:schemeClr val="tx1"/>
+                </a:solidFill>
+              </a:rPr>
+              <a:t>Markdown</a:t>
+            </a:r>
+          </a:p>
+        </p:txBody>
+      </p:sp>
+      <p:pic>
+        <p:nvPicPr>
+          <p:cNvPr id="21" name="Picture 20" descr="Screen Clipping"/>
+          <p:cNvPicPr>
+            <a:picLocks noChangeAspect="1"/>
+          </p:cNvPicPr>
+          <p:nvPr/>
+        </p:nvPicPr>
+        <p:blipFill>
+          <a:blip r:embed="rId6">
+            <a:extLst>
+              <a:ext uri="{28A0092B-C50C-407E-A947-70E740481C1C}">
+                <a14:useLocalDpi xmlns:a14="http://schemas.microsoft.com/office/drawing/2010/main" val="0"/>
+              </a:ext>
+            </a:extLst>
+          </a:blip>
+          <a:stretch>
+            <a:fillRect/>
+          </a:stretch>
+        </p:blipFill>
+        <p:spPr>
+          <a:xfrm>
+            <a:off x="1552011" y="4622271"/>
+            <a:ext cx="5856324" cy="1722449"/>
+          </a:xfrm>
+          <a:prstGeom prst="rect">
+            <a:avLst/>
+          </a:prstGeom>
+        </p:spPr>
+      </p:pic>
+      <p:sp>
+        <p:nvSpPr>
+          <p:cNvPr id="23" name="Rectangle 22"/>
+          <p:cNvSpPr/>
+          <p:nvPr/>
+        </p:nvSpPr>
+        <p:spPr>
+          <a:xfrm>
+            <a:off x="-1" y="5229495"/>
+            <a:ext cx="1293091" cy="508000"/>
+          </a:xfrm>
+          <a:prstGeom prst="rect">
+            <a:avLst/>
+          </a:prstGeom>
+          <a:noFill/>
+          <a:ln>
+            <a:solidFill>
+              <a:schemeClr val="bg1"/>
+            </a:solidFill>
+          </a:ln>
+        </p:spPr>
+        <p:style>
+          <a:lnRef idx="2">
+            <a:schemeClr val="accent1">
+              <a:shade val="50000"/>
+            </a:schemeClr>
+          </a:lnRef>
+          <a:fillRef idx="1">
+            <a:schemeClr val="accent1"/>
+          </a:fillRef>
+          <a:effectRef idx="0">
+            <a:schemeClr val="accent1"/>
+          </a:effectRef>
+          <a:fontRef idx="minor">
+            <a:schemeClr val="lt1"/>
+          </a:fontRef>
+        </p:style>
+        <p:txBody>
+          <a:bodyPr rtlCol="0" anchor="ctr"/>
+          <a:lstStyle/>
+          <a:p>
+            <a:pPr algn="ctr"/>
+            <a:r>
+              <a:rPr lang="en-US" dirty="0">
+                <a:solidFill>
+                  <a:schemeClr val="tx1"/>
+                </a:solidFill>
+              </a:rPr>
+              <a:t>GitHub Pages</a:t>
+            </a:r>
+          </a:p>
+        </p:txBody>
+      </p:sp>
+      <p:sp>
+        <p:nvSpPr>
+          <p:cNvPr id="40" name="Rectangle 39"/>
+          <p:cNvSpPr/>
+          <p:nvPr/>
+        </p:nvSpPr>
+        <p:spPr>
+          <a:xfrm>
+            <a:off x="3362345" y="2161496"/>
+            <a:ext cx="785091" cy="199075"/>
+          </a:xfrm>
+          <a:prstGeom prst="rect">
+            <a:avLst/>
+          </a:prstGeom>
+          <a:noFill/>
+          <a:ln>
+            <a:solidFill>
+              <a:srgbClr val="FF0000"/>
+            </a:solidFill>
+          </a:ln>
+        </p:spPr>
+        <p:style>
+          <a:lnRef idx="2">
+            <a:schemeClr val="accent1">
+              <a:shade val="50000"/>
+            </a:schemeClr>
+          </a:lnRef>
+          <a:fillRef idx="1">
+            <a:schemeClr val="accent1"/>
+          </a:fillRef>
+          <a:effectRef idx="0">
+            <a:schemeClr val="accent1"/>
+          </a:effectRef>
+          <a:fontRef idx="minor">
+            <a:schemeClr val="lt1"/>
+          </a:fontRef>
+        </p:style>
+        <p:txBody>
+          <a:bodyPr rtlCol="0" anchor="ctr"/>
+          <a:lstStyle/>
+          <a:p>
+            <a:pPr algn="ctr"/>
+            <a:endParaRPr lang="en-US"/>
+          </a:p>
+        </p:txBody>
+      </p:sp>
+      <p:cxnSp>
+        <p:nvCxnSpPr>
+          <p:cNvPr id="48" name="Straight Arrow Connector 5"/>
+          <p:cNvCxnSpPr>
+            <a:stCxn id="54" idx="0"/>
+          </p:cNvCxnSpPr>
+          <p:nvPr/>
+        </p:nvCxnSpPr>
+        <p:spPr>
+          <a:xfrm flipH="1" flipV="1">
+            <a:off x="9656846" y="1360884"/>
+            <a:ext cx="1" cy="590504"/>
+          </a:xfrm>
+          <a:prstGeom prst="straightConnector1">
+            <a:avLst/>
+          </a:prstGeom>
+          <a:ln w="19050">
+            <a:solidFill>
+              <a:srgbClr val="FF0000"/>
+            </a:solidFill>
+            <a:tailEnd type="triangle"/>
+          </a:ln>
+        </p:spPr>
+        <p:style>
+          <a:lnRef idx="1">
+            <a:schemeClr val="accent1"/>
+          </a:lnRef>
+          <a:fillRef idx="0">
+            <a:schemeClr val="accent1"/>
+          </a:fillRef>
+          <a:effectRef idx="0">
+            <a:schemeClr val="accent1"/>
+          </a:effectRef>
+          <a:fontRef idx="minor">
+            <a:schemeClr val="tx1"/>
+          </a:fontRef>
+        </p:style>
+      </p:cxnSp>
+      <p:cxnSp>
+        <p:nvCxnSpPr>
+          <p:cNvPr id="51" name="Straight Arrow Connector 5"/>
+          <p:cNvCxnSpPr>
+            <a:stCxn id="40" idx="3"/>
+            <a:endCxn id="54" idx="1"/>
+          </p:cNvCxnSpPr>
+          <p:nvPr/>
+        </p:nvCxnSpPr>
+        <p:spPr>
+          <a:xfrm>
+            <a:off x="4147436" y="2261034"/>
+            <a:ext cx="4229944" cy="1971"/>
+          </a:xfrm>
+          <a:prstGeom prst="straightConnector1">
+            <a:avLst/>
+          </a:prstGeom>
+          <a:ln w="19050">
+            <a:solidFill>
+              <a:srgbClr val="FF0000"/>
+            </a:solidFill>
+            <a:tailEnd type="triangle"/>
+          </a:ln>
+        </p:spPr>
+        <p:style>
+          <a:lnRef idx="1">
+            <a:schemeClr val="accent1"/>
+          </a:lnRef>
+          <a:fillRef idx="0">
+            <a:schemeClr val="accent1"/>
+          </a:fillRef>
+          <a:effectRef idx="0">
+            <a:schemeClr val="accent1"/>
+          </a:effectRef>
+          <a:fontRef idx="minor">
+            <a:schemeClr val="tx1"/>
+          </a:fontRef>
+        </p:style>
+      </p:cxnSp>
+      <p:sp>
+        <p:nvSpPr>
+          <p:cNvPr id="54" name="Rectangle 53"/>
+          <p:cNvSpPr/>
+          <p:nvPr/>
+        </p:nvSpPr>
+        <p:spPr>
+          <a:xfrm>
+            <a:off x="8377380" y="1951388"/>
+            <a:ext cx="2558933" cy="623233"/>
+          </a:xfrm>
+          <a:prstGeom prst="rect">
+            <a:avLst/>
+          </a:prstGeom>
+          <a:noFill/>
+          <a:ln>
+            <a:solidFill>
+              <a:srgbClr val="FF0000"/>
+            </a:solidFill>
+          </a:ln>
+        </p:spPr>
+        <p:style>
+          <a:lnRef idx="2">
+            <a:schemeClr val="accent1">
+              <a:shade val="50000"/>
+            </a:schemeClr>
+          </a:lnRef>
+          <a:fillRef idx="1">
+            <a:schemeClr val="accent1"/>
+          </a:fillRef>
+          <a:effectRef idx="0">
+            <a:schemeClr val="accent1"/>
+          </a:effectRef>
+          <a:fontRef idx="minor">
+            <a:schemeClr val="lt1"/>
+          </a:fontRef>
+        </p:style>
+        <p:txBody>
+          <a:bodyPr rtlCol="0" anchor="ctr"/>
+          <a:lstStyle/>
+          <a:p>
+            <a:pPr algn="ctr"/>
+            <a:r>
+              <a:rPr lang="en-US" dirty="0">
+                <a:solidFill>
+                  <a:schemeClr val="tx1"/>
+                </a:solidFill>
+              </a:rPr>
+              <a:t>Custom function in generator.js</a:t>
+            </a:r>
+          </a:p>
+        </p:txBody>
+      </p:sp>
+      <p:sp>
+        <p:nvSpPr>
+          <p:cNvPr id="94" name="Rectangle 93"/>
+          <p:cNvSpPr/>
+          <p:nvPr/>
+        </p:nvSpPr>
+        <p:spPr>
+          <a:xfrm>
+            <a:off x="9361364" y="1161809"/>
+            <a:ext cx="785091" cy="199075"/>
+          </a:xfrm>
+          <a:prstGeom prst="rect">
+            <a:avLst/>
+          </a:prstGeom>
+          <a:noFill/>
+          <a:ln>
+            <a:solidFill>
+              <a:srgbClr val="FF0000"/>
+            </a:solidFill>
+          </a:ln>
+        </p:spPr>
+        <p:style>
+          <a:lnRef idx="2">
+            <a:schemeClr val="accent1">
+              <a:shade val="50000"/>
+            </a:schemeClr>
+          </a:lnRef>
+          <a:fillRef idx="1">
+            <a:schemeClr val="accent1"/>
+          </a:fillRef>
+          <a:effectRef idx="0">
+            <a:schemeClr val="accent1"/>
+          </a:effectRef>
+          <a:fontRef idx="minor">
+            <a:schemeClr val="lt1"/>
+          </a:fontRef>
+        </p:style>
+        <p:txBody>
+          <a:bodyPr rtlCol="0" anchor="ctr"/>
+          <a:lstStyle/>
+          <a:p>
+            <a:pPr algn="ctr"/>
+            <a:endParaRPr lang="en-US"/>
+          </a:p>
+        </p:txBody>
+      </p:sp>
+      <p:sp>
+        <p:nvSpPr>
+          <p:cNvPr id="107" name="Rectangle 106"/>
+          <p:cNvSpPr/>
+          <p:nvPr/>
+        </p:nvSpPr>
+        <p:spPr>
+          <a:xfrm>
+            <a:off x="2567710" y="905163"/>
+            <a:ext cx="1819564" cy="232227"/>
+          </a:xfrm>
+          <a:prstGeom prst="rect">
+            <a:avLst/>
+          </a:prstGeom>
+          <a:solidFill>
+            <a:srgbClr val="1CADE4">
+              <a:alpha val="40000"/>
+            </a:srgbClr>
+          </a:solidFill>
+          <a:ln>
+            <a:noFill/>
+          </a:ln>
+        </p:spPr>
+        <p:style>
+          <a:lnRef idx="2">
+            <a:schemeClr val="accent1">
+              <a:shade val="50000"/>
+            </a:schemeClr>
+          </a:lnRef>
+          <a:fillRef idx="1">
+            <a:schemeClr val="accent1"/>
+          </a:fillRef>
+          <a:effectRef idx="0">
+            <a:schemeClr val="accent1"/>
+          </a:effectRef>
+          <a:fontRef idx="minor">
+            <a:schemeClr val="lt1"/>
+          </a:fontRef>
+        </p:style>
+        <p:txBody>
+          <a:bodyPr rtlCol="0" anchor="ctr"/>
+          <a:lstStyle/>
+          <a:p>
+            <a:pPr algn="ctr"/>
+            <a:endParaRPr lang="en-US" dirty="0">
+              <a:solidFill>
+                <a:schemeClr val="tx1"/>
+              </a:solidFill>
+            </a:endParaRPr>
+          </a:p>
+        </p:txBody>
+      </p:sp>
+      <p:sp>
+        <p:nvSpPr>
+          <p:cNvPr id="108" name="Rectangle 107"/>
+          <p:cNvSpPr/>
+          <p:nvPr/>
+        </p:nvSpPr>
+        <p:spPr>
+          <a:xfrm>
+            <a:off x="2567711" y="3411585"/>
+            <a:ext cx="1745672" cy="277843"/>
+          </a:xfrm>
+          <a:prstGeom prst="rect">
+            <a:avLst/>
+          </a:prstGeom>
+          <a:solidFill>
+            <a:srgbClr val="1CADE4">
+              <a:alpha val="40000"/>
+            </a:srgbClr>
+          </a:solidFill>
+          <a:ln>
+            <a:noFill/>
+          </a:ln>
+        </p:spPr>
+        <p:style>
+          <a:lnRef idx="2">
+            <a:schemeClr val="accent1">
+              <a:shade val="50000"/>
+            </a:schemeClr>
+          </a:lnRef>
+          <a:fillRef idx="1">
+            <a:schemeClr val="accent1"/>
+          </a:fillRef>
+          <a:effectRef idx="0">
+            <a:schemeClr val="accent1"/>
+          </a:effectRef>
+          <a:fontRef idx="minor">
+            <a:schemeClr val="lt1"/>
+          </a:fontRef>
+        </p:style>
+        <p:txBody>
+          <a:bodyPr rtlCol="0" anchor="ctr"/>
+          <a:lstStyle/>
+          <a:p>
+            <a:pPr algn="ctr"/>
+            <a:endParaRPr lang="en-US" dirty="0">
+              <a:solidFill>
+                <a:schemeClr val="tx1"/>
+              </a:solidFill>
+            </a:endParaRPr>
+          </a:p>
+        </p:txBody>
+      </p:sp>
+      <p:sp>
+        <p:nvSpPr>
+          <p:cNvPr id="109" name="Rectangle 108"/>
+          <p:cNvSpPr/>
+          <p:nvPr/>
+        </p:nvSpPr>
+        <p:spPr>
+          <a:xfrm>
+            <a:off x="3616332" y="6049818"/>
+            <a:ext cx="1288177" cy="221672"/>
+          </a:xfrm>
+          <a:prstGeom prst="rect">
+            <a:avLst/>
+          </a:prstGeom>
+          <a:solidFill>
+            <a:srgbClr val="1CADE4">
+              <a:alpha val="40000"/>
+            </a:srgbClr>
+          </a:solidFill>
+          <a:ln>
+            <a:noFill/>
+          </a:ln>
+        </p:spPr>
+        <p:style>
+          <a:lnRef idx="2">
+            <a:schemeClr val="accent1">
+              <a:shade val="50000"/>
+            </a:schemeClr>
+          </a:lnRef>
+          <a:fillRef idx="1">
+            <a:schemeClr val="accent1"/>
+          </a:fillRef>
+          <a:effectRef idx="0">
+            <a:schemeClr val="accent1"/>
+          </a:effectRef>
+          <a:fontRef idx="minor">
+            <a:schemeClr val="lt1"/>
+          </a:fontRef>
+        </p:style>
+        <p:txBody>
+          <a:bodyPr rtlCol="0" anchor="ctr"/>
+          <a:lstStyle/>
+          <a:p>
+            <a:pPr algn="ctr"/>
+            <a:endParaRPr lang="en-US" dirty="0">
+              <a:solidFill>
+                <a:schemeClr val="tx1"/>
+              </a:solidFill>
+            </a:endParaRPr>
+          </a:p>
+        </p:txBody>
+      </p:sp>
+    </p:spTree>
+    <p:extLst>
+      <p:ext uri="{BB962C8B-B14F-4D97-AF65-F5344CB8AC3E}">
+        <p14:creationId xmlns:p14="http://schemas.microsoft.com/office/powerpoint/2010/main" val="2158069718"/>
+      </p:ext>
+    </p:extLst>
+  </p:cSld>
+  <p:clrMapOvr>
+    <a:masterClrMapping/>
+  </p:clrMapOvr>
+</p:sld>
+</file>
+
+<file path=ppt/slides/slide23.xml><?xml version="1.0" encoding="utf-8"?>
+<p:sld xmlns:a="http://schemas.openxmlformats.org/drawingml/2006/main" xmlns:r="http://schemas.openxmlformats.org/officeDocument/2006/relationships" xmlns:p="http://schemas.openxmlformats.org/presentationml/2006/main">
+  <p:cSld>
+    <p:spTree>
+      <p:nvGrpSpPr>
+        <p:cNvPr id="1" name=""/>
+        <p:cNvGrpSpPr/>
+        <p:nvPr/>
+      </p:nvGrpSpPr>
+      <p:grpSpPr>
+        <a:xfrm>
+          <a:off x="0" y="0"/>
+          <a:ext cx="0" cy="0"/>
+          <a:chOff x="0" y="0"/>
+          <a:chExt cx="0" cy="0"/>
+        </a:xfrm>
+      </p:grpSpPr>
+      <p:sp useBgFill="1">
+        <p:nvSpPr>
+          <p:cNvPr id="9" name="Rectangle 8"/>
+          <p:cNvSpPr>
+            <a:spLocks noGrp="1" noRot="1" noChangeAspect="1" noMove="1" noResize="1" noEditPoints="1" noAdjustHandles="1" noChangeArrowheads="1" noChangeShapeType="1" noTextEdit="1"/>
+          </p:cNvSpPr>
+          <p:nvPr>
+            <p:extLst>
+              <p:ext uri="{386F3935-93C4-4BCD-93E2-E3B085C9AB24}">
+                <p16:designElem xmlns:p16="http://schemas.microsoft.com/office/powerpoint/2015/main" val="1"/>
+              </p:ext>
+            </p:extLst>
+          </p:nvPr>
+        </p:nvSpPr>
+        <p:spPr>
+          <a:xfrm>
+            <a:off x="0" y="0"/>
+            <a:ext cx="12192000" cy="6858000"/>
+          </a:xfrm>
+          <a:prstGeom prst="rect">
+            <a:avLst/>
+          </a:prstGeom>
+          <a:ln>
+            <a:noFill/>
+          </a:ln>
+        </p:spPr>
+        <p:style>
+          <a:lnRef idx="2">
+            <a:schemeClr val="accent1">
+              <a:shade val="50000"/>
+            </a:schemeClr>
+          </a:lnRef>
+          <a:fillRef idx="1">
+            <a:schemeClr val="accent1"/>
+          </a:fillRef>
+          <a:effectRef idx="0">
+            <a:schemeClr val="accent1"/>
+          </a:effectRef>
+          <a:fontRef idx="minor">
+            <a:schemeClr val="lt1"/>
+          </a:fontRef>
+        </p:style>
+        <p:txBody>
+          <a:bodyPr rtlCol="0" anchor="ctr"/>
+          <a:lstStyle/>
+          <a:p>
+            <a:pPr algn="ctr"/>
+            <a:endParaRPr lang="en-US"/>
+          </a:p>
+        </p:txBody>
+      </p:sp>
+      <p:cxnSp>
+        <p:nvCxnSpPr>
+          <p:cNvPr id="11" name="Straight Connector 10"/>
+          <p:cNvCxnSpPr>
+            <a:cxnSpLocks noGrp="1" noRot="1" noChangeAspect="1" noMove="1" noResize="1" noEditPoints="1" noAdjustHandles="1" noChangeArrowheads="1" noChangeShapeType="1"/>
+          </p:cNvCxnSpPr>
+          <p:nvPr>
+            <p:extLst>
+              <p:ext uri="{386F3935-93C4-4BCD-93E2-E3B085C9AB24}">
+                <p16:designElem xmlns:p16="http://schemas.microsoft.com/office/powerpoint/2015/main" val="1"/>
+              </p:ext>
+            </p:extLst>
+          </p:nvPr>
+        </p:nvCxnSpPr>
+        <p:spPr>
+          <a:xfrm>
+            <a:off x="8139605" y="1600200"/>
+            <a:ext cx="0" cy="3657600"/>
+          </a:xfrm>
+          <a:prstGeom prst="line">
+            <a:avLst/>
+          </a:prstGeom>
+          <a:ln w="19050">
+            <a:solidFill>
+              <a:schemeClr val="accent1"/>
+            </a:solidFill>
+          </a:ln>
+        </p:spPr>
+        <p:style>
+          <a:lnRef idx="1">
+            <a:schemeClr val="accent1"/>
+          </a:lnRef>
+          <a:fillRef idx="0">
+            <a:schemeClr val="accent1"/>
+          </a:fillRef>
+          <a:effectRef idx="0">
+            <a:schemeClr val="accent1"/>
+          </a:effectRef>
+          <a:fontRef idx="minor">
+            <a:schemeClr val="tx1"/>
+          </a:fontRef>
+        </p:style>
+      </p:cxnSp>
+      <p:sp>
+        <p:nvSpPr>
+          <p:cNvPr id="4" name="Title 3"/>
+          <p:cNvSpPr>
+            <a:spLocks noGrp="1"/>
+          </p:cNvSpPr>
+          <p:nvPr>
+            <p:ph type="ctrTitle"/>
+          </p:nvPr>
+        </p:nvSpPr>
+        <p:spPr>
+          <a:xfrm>
+            <a:off x="643467" y="643467"/>
+            <a:ext cx="7164674" cy="5571066"/>
+          </a:xfrm>
+        </p:spPr>
+        <p:txBody>
+          <a:bodyPr>
+            <a:normAutofit/>
+          </a:bodyPr>
+          <a:lstStyle/>
+          <a:p>
+            <a:r>
+              <a:rPr lang="en-US" sz="6600">
+                <a:solidFill>
+                  <a:schemeClr val="tx1">
+                    <a:alpha val="80000"/>
+                  </a:schemeClr>
+                </a:solidFill>
+              </a:rPr>
+              <a:t>End of part 1</a:t>
+            </a:r>
+          </a:p>
+        </p:txBody>
+      </p:sp>
+    </p:spTree>
+    <p:extLst>
+      <p:ext uri="{BB962C8B-B14F-4D97-AF65-F5344CB8AC3E}">
+        <p14:creationId xmlns:p14="http://schemas.microsoft.com/office/powerpoint/2010/main" val="3518817216"/>
+      </p:ext>
+    </p:extLst>
+  </p:cSld>
+  <p:clrMapOvr>
+    <a:masterClrMapping/>
+  </p:clrMapOvr>
+</p:sld>
+</file>
+
+<file path=ppt/slides/slide24.xml><?xml version="1.0" encoding="utf-8"?>
 <p:sld xmlns:a="http://schemas.openxmlformats.org/drawingml/2006/main" xmlns:r="http://schemas.openxmlformats.org/officeDocument/2006/relationships" xmlns:p="http://schemas.openxmlformats.org/presentationml/2006/main">
   <p:cSld>
     <p:spTree>
@@ -21619,10 +25651,81 @@
         </p:nvSpPr>
         <p:spPr/>
         <p:txBody>
-          <a:bodyPr/>
+          <a:bodyPr>
+            <a:normAutofit/>
+          </a:bodyPr>
           <a:lstStyle/>
           <a:p>
-            <a:endParaRPr lang="en-US"/>
+            <a:pPr marL="457200" indent="-339725">
+              <a:buFont typeface="Courier New" panose="02070309020205020404" pitchFamily="49" charset="0"/>
+              <a:buChar char="o"/>
+              <a:defRPr/>
+            </a:pPr>
+            <a:r>
+              <a:rPr lang="en-US" sz="2800" dirty="0"/>
+              <a:t>Presentation and examples</a:t>
+            </a:r>
+          </a:p>
+          <a:p>
+            <a:pPr marL="630936" lvl="1" indent="-339725">
+              <a:buFont typeface="Courier New" panose="02070309020205020404" pitchFamily="49" charset="0"/>
+              <a:buChar char="o"/>
+              <a:defRPr/>
+            </a:pPr>
+            <a:r>
+              <a:rPr lang="en-US" sz="2400" dirty="0">
+                <a:hlinkClick r:id="rId2"/>
+              </a:rPr>
+              <a:t>https://github.com/melissakendall/node-tutorial</a:t>
+            </a:r>
+            <a:endParaRPr lang="en-US" sz="2400" dirty="0"/>
+          </a:p>
+          <a:p>
+            <a:pPr marL="457200" indent="-339725">
+              <a:buFont typeface="Courier New" panose="02070309020205020404" pitchFamily="49" charset="0"/>
+              <a:buChar char="o"/>
+              <a:defRPr/>
+            </a:pPr>
+            <a:r>
+              <a:rPr lang="en-US" sz="2800" dirty="0"/>
+              <a:t>Presentation based on</a:t>
+            </a:r>
+          </a:p>
+          <a:p>
+            <a:pPr marL="630936" lvl="1" indent="-339725">
+              <a:buFont typeface="Courier New" panose="02070309020205020404" pitchFamily="49" charset="0"/>
+              <a:buChar char="o"/>
+              <a:defRPr/>
+            </a:pPr>
+            <a:r>
+              <a:rPr lang="en-US" sz="2400" dirty="0">
+                <a:hlinkClick r:id="rId3"/>
+              </a:rPr>
+              <a:t>https://code-maven.com/getting-started-with-nodejs</a:t>
+            </a:r>
+            <a:endParaRPr lang="en-US" sz="2400" dirty="0"/>
+          </a:p>
+          <a:p>
+            <a:pPr marL="630936" lvl="1" indent="-339725">
+              <a:buFont typeface="Courier New" panose="02070309020205020404" pitchFamily="49" charset="0"/>
+              <a:buChar char="o"/>
+              <a:defRPr/>
+            </a:pPr>
+            <a:endParaRPr lang="en-US" sz="2000" dirty="0"/>
+          </a:p>
+          <a:p>
+            <a:pPr marL="630936" lvl="1" indent="-339725">
+              <a:buFont typeface="Courier New" panose="02070309020205020404" pitchFamily="49" charset="0"/>
+              <a:buChar char="o"/>
+              <a:defRPr/>
+            </a:pPr>
+            <a:endParaRPr lang="en-US" sz="2000" dirty="0"/>
+          </a:p>
+          <a:p>
+            <a:pPr marL="0" indent="0">
+              <a:buNone/>
+            </a:pPr>
+            <a:endParaRPr lang="en-US" sz="2800" dirty="0"/>
           </a:p>
         </p:txBody>
       </p:sp>
@@ -21630,6 +25733,1105 @@
     <p:extLst>
       <p:ext uri="{BB962C8B-B14F-4D97-AF65-F5344CB8AC3E}">
         <p14:creationId xmlns:p14="http://schemas.microsoft.com/office/powerpoint/2010/main" val="3987398583"/>
+      </p:ext>
+    </p:extLst>
+  </p:cSld>
+  <p:clrMapOvr>
+    <a:masterClrMapping/>
+  </p:clrMapOvr>
+</p:sld>
+</file>
+
+<file path=ppt/slides/slide25.xml><?xml version="1.0" encoding="utf-8"?>
+<p:sld xmlns:a="http://schemas.openxmlformats.org/drawingml/2006/main" xmlns:r="http://schemas.openxmlformats.org/officeDocument/2006/relationships" xmlns:p="http://schemas.openxmlformats.org/presentationml/2006/main">
+  <p:cSld>
+    <p:spTree>
+      <p:nvGrpSpPr>
+        <p:cNvPr id="1" name=""/>
+        <p:cNvGrpSpPr/>
+        <p:nvPr/>
+      </p:nvGrpSpPr>
+      <p:grpSpPr>
+        <a:xfrm>
+          <a:off x="0" y="0"/>
+          <a:ext cx="0" cy="0"/>
+          <a:chOff x="0" y="0"/>
+          <a:chExt cx="0" cy="0"/>
+        </a:xfrm>
+      </p:grpSpPr>
+      <p:sp>
+        <p:nvSpPr>
+          <p:cNvPr id="32" name="Rectangle 31"/>
+          <p:cNvSpPr>
+            <a:spLocks noGrp="1" noRot="1" noChangeAspect="1" noMove="1" noResize="1" noEditPoints="1" noAdjustHandles="1" noChangeArrowheads="1" noChangeShapeType="1" noTextEdit="1"/>
+          </p:cNvSpPr>
+          <p:nvPr>
+            <p:extLst>
+              <p:ext uri="{386F3935-93C4-4BCD-93E2-E3B085C9AB24}">
+                <p16:designElem xmlns:p16="http://schemas.microsoft.com/office/powerpoint/2015/main" val="1"/>
+              </p:ext>
+            </p:extLst>
+          </p:nvPr>
+        </p:nvSpPr>
+        <p:spPr>
+          <a:xfrm flipH="1">
+            <a:off x="0" y="0"/>
+            <a:ext cx="12188726" cy="6858975"/>
+          </a:xfrm>
+          <a:prstGeom prst="rect">
+            <a:avLst/>
+          </a:prstGeom>
+          <a:solidFill>
+            <a:schemeClr val="bg1"/>
+          </a:solidFill>
+          <a:ln>
+            <a:noFill/>
+          </a:ln>
+        </p:spPr>
+        <p:style>
+          <a:lnRef idx="2">
+            <a:schemeClr val="accent1">
+              <a:shade val="50000"/>
+            </a:schemeClr>
+          </a:lnRef>
+          <a:fillRef idx="1">
+            <a:schemeClr val="accent1"/>
+          </a:fillRef>
+          <a:effectRef idx="0">
+            <a:schemeClr val="accent1"/>
+          </a:effectRef>
+          <a:fontRef idx="minor">
+            <a:schemeClr val="lt1"/>
+          </a:fontRef>
+        </p:style>
+        <p:txBody>
+          <a:bodyPr rtlCol="0" anchor="ctr"/>
+          <a:lstStyle/>
+          <a:p>
+            <a:pPr algn="ctr"/>
+            <a:endParaRPr lang="en-US"/>
+          </a:p>
+        </p:txBody>
+      </p:sp>
+      <p:sp>
+        <p:nvSpPr>
+          <p:cNvPr id="34" name="Rectangle 33"/>
+          <p:cNvSpPr>
+            <a:spLocks noGrp="1" noRot="1" noChangeAspect="1" noMove="1" noResize="1" noEditPoints="1" noAdjustHandles="1" noChangeArrowheads="1" noChangeShapeType="1" noTextEdit="1"/>
+          </p:cNvSpPr>
+          <p:nvPr>
+            <p:extLst>
+              <p:ext uri="{386F3935-93C4-4BCD-93E2-E3B085C9AB24}">
+                <p16:designElem xmlns:p16="http://schemas.microsoft.com/office/powerpoint/2015/main" val="1"/>
+              </p:ext>
+            </p:extLst>
+          </p:nvPr>
+        </p:nvSpPr>
+        <p:spPr>
+          <a:xfrm>
+            <a:off x="5109343" y="620720"/>
+            <a:ext cx="6442480" cy="5593163"/>
+          </a:xfrm>
+          <a:prstGeom prst="rect">
+            <a:avLst/>
+          </a:prstGeom>
+          <a:solidFill>
+            <a:schemeClr val="tx1">
+              <a:lumMod val="75000"/>
+              <a:lumOff val="25000"/>
+            </a:schemeClr>
+          </a:solidFill>
+          <a:ln>
+            <a:noFill/>
+          </a:ln>
+        </p:spPr>
+        <p:style>
+          <a:lnRef idx="2">
+            <a:schemeClr val="accent1">
+              <a:shade val="50000"/>
+            </a:schemeClr>
+          </a:lnRef>
+          <a:fillRef idx="1">
+            <a:schemeClr val="accent1"/>
+          </a:fillRef>
+          <a:effectRef idx="0">
+            <a:schemeClr val="accent1"/>
+          </a:effectRef>
+          <a:fontRef idx="minor">
+            <a:schemeClr val="lt1"/>
+          </a:fontRef>
+        </p:style>
+        <p:txBody>
+          <a:bodyPr rtlCol="0" anchor="ctr"/>
+          <a:lstStyle/>
+          <a:p>
+            <a:pPr algn="ctr"/>
+            <a:endParaRPr lang="en-US"/>
+          </a:p>
+        </p:txBody>
+      </p:sp>
+      <p:cxnSp>
+        <p:nvCxnSpPr>
+          <p:cNvPr id="36" name="Straight Connector 35"/>
+          <p:cNvCxnSpPr>
+            <a:cxnSpLocks noGrp="1" noRot="1" noChangeAspect="1" noMove="1" noResize="1" noEditPoints="1" noAdjustHandles="1" noChangeArrowheads="1" noChangeShapeType="1"/>
+          </p:cNvCxnSpPr>
+          <p:nvPr>
+            <p:extLst>
+              <p:ext uri="{386F3935-93C4-4BCD-93E2-E3B085C9AB24}">
+                <p16:designElem xmlns:p16="http://schemas.microsoft.com/office/powerpoint/2015/main" val="1"/>
+              </p:ext>
+            </p:extLst>
+          </p:nvPr>
+        </p:nvCxnSpPr>
+        <p:spPr>
+          <a:xfrm>
+            <a:off x="5609960" y="4214336"/>
+            <a:ext cx="5120640" cy="0"/>
+          </a:xfrm>
+          <a:prstGeom prst="line">
+            <a:avLst/>
+          </a:prstGeom>
+          <a:ln w="19050">
+            <a:solidFill>
+              <a:schemeClr val="bg1"/>
+            </a:solidFill>
+          </a:ln>
+        </p:spPr>
+        <p:style>
+          <a:lnRef idx="1">
+            <a:schemeClr val="accent1"/>
+          </a:lnRef>
+          <a:fillRef idx="0">
+            <a:schemeClr val="accent1"/>
+          </a:fillRef>
+          <a:effectRef idx="0">
+            <a:schemeClr val="accent1"/>
+          </a:effectRef>
+          <a:fontRef idx="minor">
+            <a:schemeClr val="tx1"/>
+          </a:fontRef>
+        </p:style>
+      </p:cxnSp>
+      <p:sp>
+        <p:nvSpPr>
+          <p:cNvPr id="38" name="Rectangle 37"/>
+          <p:cNvSpPr>
+            <a:spLocks noGrp="1" noRot="1" noChangeAspect="1" noMove="1" noResize="1" noEditPoints="1" noAdjustHandles="1" noChangeArrowheads="1" noChangeShapeType="1" noTextEdit="1"/>
+          </p:cNvSpPr>
+          <p:nvPr>
+            <p:extLst>
+              <p:ext uri="{386F3935-93C4-4BCD-93E2-E3B085C9AB24}">
+                <p16:designElem xmlns:p16="http://schemas.microsoft.com/office/powerpoint/2015/main" val="1"/>
+              </p:ext>
+            </p:extLst>
+          </p:nvPr>
+        </p:nvSpPr>
+        <p:spPr>
+          <a:xfrm>
+            <a:off x="643467" y="621695"/>
+            <a:ext cx="4305009" cy="5592188"/>
+          </a:xfrm>
+          <a:prstGeom prst="rect">
+            <a:avLst/>
+          </a:prstGeom>
+          <a:blipFill dpi="0" rotWithShape="1">
+            <a:blip r:embed="rId2">
+              <a:duotone>
+                <a:schemeClr val="accent1">
+                  <a:shade val="45000"/>
+                  <a:satMod val="135000"/>
+                </a:schemeClr>
+                <a:prstClr val="white"/>
+              </a:duotone>
+            </a:blip>
+            <a:srcRect/>
+            <a:tile tx="-444500" ty="-127000" sx="50000" sy="50000" flip="xy" algn="tl"/>
+          </a:blipFill>
+          <a:ln>
+            <a:noFill/>
+          </a:ln>
+        </p:spPr>
+        <p:style>
+          <a:lnRef idx="2">
+            <a:schemeClr val="accent1">
+              <a:shade val="50000"/>
+            </a:schemeClr>
+          </a:lnRef>
+          <a:fillRef idx="1">
+            <a:schemeClr val="accent1"/>
+          </a:fillRef>
+          <a:effectRef idx="0">
+            <a:schemeClr val="accent1"/>
+          </a:effectRef>
+          <a:fontRef idx="minor">
+            <a:schemeClr val="lt1"/>
+          </a:fontRef>
+        </p:style>
+        <p:txBody>
+          <a:bodyPr rtlCol="0" anchor="ctr"/>
+          <a:lstStyle/>
+          <a:p>
+            <a:pPr lvl="0" algn="ctr"/>
+            <a:endParaRPr lang="en-US" dirty="0">
+              <a:solidFill>
+                <a:prstClr val="white"/>
+              </a:solidFill>
+            </a:endParaRPr>
+          </a:p>
+        </p:txBody>
+      </p:sp>
+      <p:sp>
+        <p:nvSpPr>
+          <p:cNvPr id="2" name="Title 1"/>
+          <p:cNvSpPr>
+            <a:spLocks noGrp="1"/>
+          </p:cNvSpPr>
+          <p:nvPr>
+            <p:ph type="ctrTitle"/>
+          </p:nvPr>
+        </p:nvSpPr>
+        <p:spPr>
+          <a:xfrm>
+            <a:off x="5590120" y="1105351"/>
+            <a:ext cx="5477071" cy="3023981"/>
+          </a:xfrm>
+        </p:spPr>
+        <p:txBody>
+          <a:bodyPr anchor="b">
+            <a:normAutofit/>
+          </a:bodyPr>
+          <a:lstStyle/>
+          <a:p>
+            <a:pPr algn="l"/>
+            <a:r>
+              <a:rPr lang="en-US" sz="4400">
+                <a:solidFill>
+                  <a:schemeClr val="bg1"/>
+                </a:solidFill>
+              </a:rPr>
+              <a:t>Node.js Part 2</a:t>
+            </a:r>
+          </a:p>
+        </p:txBody>
+      </p:sp>
+      <p:sp>
+        <p:nvSpPr>
+          <p:cNvPr id="3" name="Subtitle 2"/>
+          <p:cNvSpPr>
+            <a:spLocks noGrp="1"/>
+          </p:cNvSpPr>
+          <p:nvPr>
+            <p:ph type="subTitle" idx="1"/>
+          </p:nvPr>
+        </p:nvSpPr>
+        <p:spPr>
+          <a:xfrm>
+            <a:off x="5590120" y="4297556"/>
+            <a:ext cx="5477071" cy="1431695"/>
+          </a:xfrm>
+        </p:spPr>
+        <p:txBody>
+          <a:bodyPr anchor="t">
+            <a:normAutofit/>
+          </a:bodyPr>
+          <a:lstStyle/>
+          <a:p>
+            <a:r>
+              <a:rPr lang="en-US" sz="1600">
+                <a:solidFill>
+                  <a:schemeClr val="bg1"/>
+                </a:solidFill>
+              </a:rPr>
+              <a:t>Melissa Kendall, June 2017</a:t>
+            </a:r>
+          </a:p>
+        </p:txBody>
+      </p:sp>
+    </p:spTree>
+    <p:extLst>
+      <p:ext uri="{BB962C8B-B14F-4D97-AF65-F5344CB8AC3E}">
+        <p14:creationId xmlns:p14="http://schemas.microsoft.com/office/powerpoint/2010/main" val="7057860"/>
+      </p:ext>
+    </p:extLst>
+  </p:cSld>
+  <p:clrMapOvr>
+    <a:masterClrMapping/>
+  </p:clrMapOvr>
+</p:sld>
+</file>
+
+<file path=ppt/slides/slide26.xml><?xml version="1.0" encoding="utf-8"?>
+<p:sld xmlns:a="http://schemas.openxmlformats.org/drawingml/2006/main" xmlns:r="http://schemas.openxmlformats.org/officeDocument/2006/relationships" xmlns:p="http://schemas.openxmlformats.org/presentationml/2006/main">
+  <p:cSld>
+    <p:spTree>
+      <p:nvGrpSpPr>
+        <p:cNvPr id="1" name=""/>
+        <p:cNvGrpSpPr/>
+        <p:nvPr/>
+      </p:nvGrpSpPr>
+      <p:grpSpPr>
+        <a:xfrm>
+          <a:off x="0" y="0"/>
+          <a:ext cx="0" cy="0"/>
+          <a:chOff x="0" y="0"/>
+          <a:chExt cx="0" cy="0"/>
+        </a:xfrm>
+      </p:grpSpPr>
+      <p:sp>
+        <p:nvSpPr>
+          <p:cNvPr id="2" name="Title 1"/>
+          <p:cNvSpPr>
+            <a:spLocks noGrp="1"/>
+          </p:cNvSpPr>
+          <p:nvPr>
+            <p:ph type="title"/>
+          </p:nvPr>
+        </p:nvSpPr>
+        <p:spPr/>
+        <p:txBody>
+          <a:bodyPr/>
+          <a:lstStyle/>
+          <a:p>
+            <a:r>
+              <a:rPr lang="en-US" dirty="0"/>
+              <a:t>Summary</a:t>
+            </a:r>
+          </a:p>
+        </p:txBody>
+      </p:sp>
+      <p:sp>
+        <p:nvSpPr>
+          <p:cNvPr id="3" name="Content Placeholder 2"/>
+          <p:cNvSpPr>
+            <a:spLocks noGrp="1"/>
+          </p:cNvSpPr>
+          <p:nvPr>
+            <p:ph idx="1"/>
+          </p:nvPr>
+        </p:nvSpPr>
+        <p:spPr/>
+        <p:txBody>
+          <a:bodyPr/>
+          <a:lstStyle/>
+          <a:p>
+            <a:pPr marL="457200" indent="-339725">
+              <a:buFont typeface="Courier New" panose="02070309020205020404" pitchFamily="49" charset="0"/>
+              <a:buChar char="o"/>
+              <a:defRPr/>
+            </a:pPr>
+            <a:r>
+              <a:rPr lang="en-US" dirty="0"/>
+              <a:t>Callbacks</a:t>
+            </a:r>
+          </a:p>
+          <a:p>
+            <a:pPr marL="457200" indent="-339725">
+              <a:buFont typeface="Courier New" panose="02070309020205020404" pitchFamily="49" charset="0"/>
+              <a:buChar char="o"/>
+              <a:defRPr/>
+            </a:pPr>
+            <a:r>
+              <a:rPr lang="en-US" dirty="0"/>
+              <a:t>Managing Promises</a:t>
+            </a:r>
+          </a:p>
+          <a:p>
+            <a:pPr marL="457200" indent="-339725">
+              <a:buFont typeface="Courier New" panose="02070309020205020404" pitchFamily="49" charset="0"/>
+              <a:buChar char="o"/>
+              <a:defRPr/>
+            </a:pPr>
+            <a:r>
+              <a:rPr lang="en-US" dirty="0"/>
+              <a:t>Debugging tips &amp; tricks</a:t>
+            </a:r>
+          </a:p>
+        </p:txBody>
+      </p:sp>
+    </p:spTree>
+    <p:extLst>
+      <p:ext uri="{BB962C8B-B14F-4D97-AF65-F5344CB8AC3E}">
+        <p14:creationId xmlns:p14="http://schemas.microsoft.com/office/powerpoint/2010/main" val="1089942373"/>
+      </p:ext>
+    </p:extLst>
+  </p:cSld>
+  <p:clrMapOvr>
+    <a:masterClrMapping/>
+  </p:clrMapOvr>
+</p:sld>
+</file>
+
+<file path=ppt/slides/slide27.xml><?xml version="1.0" encoding="utf-8"?>
+<p:sld xmlns:a="http://schemas.openxmlformats.org/drawingml/2006/main" xmlns:r="http://schemas.openxmlformats.org/officeDocument/2006/relationships" xmlns:p="http://schemas.openxmlformats.org/presentationml/2006/main">
+  <p:cSld>
+    <p:spTree>
+      <p:nvGrpSpPr>
+        <p:cNvPr id="1" name=""/>
+        <p:cNvGrpSpPr/>
+        <p:nvPr/>
+      </p:nvGrpSpPr>
+      <p:grpSpPr>
+        <a:xfrm>
+          <a:off x="0" y="0"/>
+          <a:ext cx="0" cy="0"/>
+          <a:chOff x="0" y="0"/>
+          <a:chExt cx="0" cy="0"/>
+        </a:xfrm>
+      </p:grpSpPr>
+      <p:sp>
+        <p:nvSpPr>
+          <p:cNvPr id="2" name="Title 1"/>
+          <p:cNvSpPr>
+            <a:spLocks noGrp="1"/>
+          </p:cNvSpPr>
+          <p:nvPr>
+            <p:ph type="title"/>
+          </p:nvPr>
+        </p:nvSpPr>
+        <p:spPr/>
+        <p:txBody>
+          <a:bodyPr/>
+          <a:lstStyle/>
+          <a:p>
+            <a:r>
+              <a:rPr lang="en-US" dirty="0"/>
+              <a:t>callbacks</a:t>
+            </a:r>
+          </a:p>
+        </p:txBody>
+      </p:sp>
+      <p:sp>
+        <p:nvSpPr>
+          <p:cNvPr id="3" name="Content Placeholder 2"/>
+          <p:cNvSpPr>
+            <a:spLocks noGrp="1"/>
+          </p:cNvSpPr>
+          <p:nvPr>
+            <p:ph idx="1"/>
+          </p:nvPr>
+        </p:nvSpPr>
+        <p:spPr/>
+        <p:txBody>
+          <a:bodyPr/>
+          <a:lstStyle/>
+          <a:p>
+            <a:pPr marL="457200" indent="-339725">
+              <a:buFont typeface="Courier New" panose="02070309020205020404" pitchFamily="49" charset="0"/>
+              <a:buChar char="o"/>
+              <a:defRPr/>
+            </a:pPr>
+            <a:r>
+              <a:rPr lang="en-US" dirty="0"/>
+              <a:t>Name of a convention for using JavaScript functions</a:t>
+            </a:r>
+          </a:p>
+          <a:p>
+            <a:pPr marL="457200" indent="-339725">
+              <a:buFont typeface="Courier New" panose="02070309020205020404" pitchFamily="49" charset="0"/>
+              <a:buChar char="o"/>
+              <a:defRPr/>
+            </a:pPr>
+            <a:r>
+              <a:rPr lang="en-US" dirty="0"/>
+              <a:t>Common during I/O – i.e. reading files</a:t>
+            </a:r>
+          </a:p>
+          <a:p>
+            <a:pPr marL="457200" indent="-339725">
+              <a:buFont typeface="Courier New" panose="02070309020205020404" pitchFamily="49" charset="0"/>
+              <a:buChar char="o"/>
+              <a:defRPr/>
+            </a:pPr>
+            <a:r>
+              <a:rPr lang="en-US" dirty="0"/>
+              <a:t>Normal function</a:t>
+            </a:r>
+          </a:p>
+          <a:p>
+            <a:pPr marL="457200" indent="-339725">
+              <a:buFont typeface="Courier New" panose="02070309020205020404" pitchFamily="49" charset="0"/>
+              <a:buChar char="o"/>
+              <a:defRPr/>
+            </a:pPr>
+            <a:endParaRPr lang="en-US" dirty="0"/>
+          </a:p>
+          <a:p>
+            <a:pPr marL="457200" indent="-339725">
+              <a:buFont typeface="Courier New" panose="02070309020205020404" pitchFamily="49" charset="0"/>
+              <a:buChar char="o"/>
+              <a:defRPr/>
+            </a:pPr>
+            <a:endParaRPr lang="en-US" dirty="0"/>
+          </a:p>
+          <a:p>
+            <a:pPr marL="457200" indent="-339725">
+              <a:buFont typeface="Courier New" panose="02070309020205020404" pitchFamily="49" charset="0"/>
+              <a:buChar char="o"/>
+              <a:defRPr/>
+            </a:pPr>
+            <a:r>
+              <a:rPr lang="en-US" dirty="0"/>
+              <a:t>Callback function</a:t>
+            </a:r>
+          </a:p>
+          <a:p>
+            <a:pPr marL="457200" indent="-339725">
+              <a:buFont typeface="Courier New" panose="02070309020205020404" pitchFamily="49" charset="0"/>
+              <a:buChar char="o"/>
+              <a:defRPr/>
+            </a:pPr>
+            <a:endParaRPr lang="en-US" dirty="0"/>
+          </a:p>
+          <a:p>
+            <a:pPr marL="457200" indent="-339725">
+              <a:buFont typeface="Courier New" panose="02070309020205020404" pitchFamily="49" charset="0"/>
+              <a:buChar char="o"/>
+              <a:defRPr/>
+            </a:pPr>
+            <a:endParaRPr lang="en-US" dirty="0"/>
+          </a:p>
+          <a:p>
+            <a:pPr marL="457200" indent="-339725">
+              <a:buFont typeface="Courier New" panose="02070309020205020404" pitchFamily="49" charset="0"/>
+              <a:buChar char="o"/>
+              <a:defRPr/>
+            </a:pPr>
+            <a:endParaRPr lang="en-US" dirty="0"/>
+          </a:p>
+          <a:p>
+            <a:pPr marL="457200" indent="-339725">
+              <a:buFont typeface="Courier New" panose="02070309020205020404" pitchFamily="49" charset="0"/>
+              <a:buChar char="o"/>
+              <a:defRPr/>
+            </a:pPr>
+            <a:endParaRPr lang="en-US" dirty="0"/>
+          </a:p>
+          <a:p>
+            <a:pPr marL="457200" indent="-339725">
+              <a:buFont typeface="Courier New" panose="02070309020205020404" pitchFamily="49" charset="0"/>
+              <a:buChar char="o"/>
+              <a:defRPr/>
+            </a:pPr>
+            <a:endParaRPr lang="en-US" dirty="0"/>
+          </a:p>
+          <a:p>
+            <a:pPr marL="0" indent="0">
+              <a:buNone/>
+            </a:pPr>
+            <a:endParaRPr lang="en-US" dirty="0"/>
+          </a:p>
+        </p:txBody>
+      </p:sp>
+      <p:pic>
+        <p:nvPicPr>
+          <p:cNvPr id="6" name="Picture 5" descr="Screen Clipping"/>
+          <p:cNvPicPr>
+            <a:picLocks noChangeAspect="1"/>
+          </p:cNvPicPr>
+          <p:nvPr/>
+        </p:nvPicPr>
+        <p:blipFill>
+          <a:blip r:embed="rId2">
+            <a:extLst>
+              <a:ext uri="{28A0092B-C50C-407E-A947-70E740481C1C}">
+                <a14:useLocalDpi xmlns:a14="http://schemas.microsoft.com/office/drawing/2010/main" val="0"/>
+              </a:ext>
+            </a:extLst>
+          </a:blip>
+          <a:stretch>
+            <a:fillRect/>
+          </a:stretch>
+        </p:blipFill>
+        <p:spPr>
+          <a:xfrm>
+            <a:off x="1174749" y="3651976"/>
+            <a:ext cx="7178662" cy="929721"/>
+          </a:xfrm>
+          <a:prstGeom prst="rect">
+            <a:avLst/>
+          </a:prstGeom>
+        </p:spPr>
+      </p:pic>
+      <p:pic>
+        <p:nvPicPr>
+          <p:cNvPr id="7" name="Picture 6" descr="Screen Clipping"/>
+          <p:cNvPicPr>
+            <a:picLocks noChangeAspect="1"/>
+          </p:cNvPicPr>
+          <p:nvPr/>
+        </p:nvPicPr>
+        <p:blipFill>
+          <a:blip r:embed="rId3">
+            <a:extLst>
+              <a:ext uri="{28A0092B-C50C-407E-A947-70E740481C1C}">
+                <a14:useLocalDpi xmlns:a14="http://schemas.microsoft.com/office/drawing/2010/main" val="0"/>
+              </a:ext>
+            </a:extLst>
+          </a:blip>
+          <a:stretch>
+            <a:fillRect/>
+          </a:stretch>
+        </p:blipFill>
+        <p:spPr>
+          <a:xfrm>
+            <a:off x="1174749" y="5079470"/>
+            <a:ext cx="8032176" cy="1554615"/>
+          </a:xfrm>
+          <a:prstGeom prst="rect">
+            <a:avLst/>
+          </a:prstGeom>
+        </p:spPr>
+      </p:pic>
+    </p:spTree>
+    <p:extLst>
+      <p:ext uri="{BB962C8B-B14F-4D97-AF65-F5344CB8AC3E}">
+        <p14:creationId xmlns:p14="http://schemas.microsoft.com/office/powerpoint/2010/main" val="2137285747"/>
+      </p:ext>
+    </p:extLst>
+  </p:cSld>
+  <p:clrMapOvr>
+    <a:masterClrMapping/>
+  </p:clrMapOvr>
+</p:sld>
+</file>
+
+<file path=ppt/slides/slide28.xml><?xml version="1.0" encoding="utf-8"?>
+<p:sld xmlns:a="http://schemas.openxmlformats.org/drawingml/2006/main" xmlns:r="http://schemas.openxmlformats.org/officeDocument/2006/relationships" xmlns:p="http://schemas.openxmlformats.org/presentationml/2006/main">
+  <p:cSld>
+    <p:spTree>
+      <p:nvGrpSpPr>
+        <p:cNvPr id="1" name=""/>
+        <p:cNvGrpSpPr/>
+        <p:nvPr/>
+      </p:nvGrpSpPr>
+      <p:grpSpPr>
+        <a:xfrm>
+          <a:off x="0" y="0"/>
+          <a:ext cx="0" cy="0"/>
+          <a:chOff x="0" y="0"/>
+          <a:chExt cx="0" cy="0"/>
+        </a:xfrm>
+      </p:grpSpPr>
+      <p:sp>
+        <p:nvSpPr>
+          <p:cNvPr id="2" name="Title 1"/>
+          <p:cNvSpPr>
+            <a:spLocks noGrp="1"/>
+          </p:cNvSpPr>
+          <p:nvPr>
+            <p:ph type="title"/>
+          </p:nvPr>
+        </p:nvSpPr>
+        <p:spPr/>
+        <p:txBody>
+          <a:bodyPr/>
+          <a:lstStyle/>
+          <a:p>
+            <a:r>
+              <a:rPr lang="en-US" dirty="0"/>
+              <a:t>Callback hell</a:t>
+            </a:r>
+          </a:p>
+        </p:txBody>
+      </p:sp>
+      <p:pic>
+        <p:nvPicPr>
+          <p:cNvPr id="7" name="Picture 6" descr="Screen Clipping"/>
+          <p:cNvPicPr>
+            <a:picLocks noChangeAspect="1"/>
+          </p:cNvPicPr>
+          <p:nvPr/>
+        </p:nvPicPr>
+        <p:blipFill>
+          <a:blip r:embed="rId2">
+            <a:extLst>
+              <a:ext uri="{28A0092B-C50C-407E-A947-70E740481C1C}">
+                <a14:useLocalDpi xmlns:a14="http://schemas.microsoft.com/office/drawing/2010/main" val="0"/>
+              </a:ext>
+            </a:extLst>
+          </a:blip>
+          <a:stretch>
+            <a:fillRect/>
+          </a:stretch>
+        </p:blipFill>
+        <p:spPr>
+          <a:xfrm>
+            <a:off x="1024128" y="2084832"/>
+            <a:ext cx="9981166" cy="4053406"/>
+          </a:xfrm>
+          <a:prstGeom prst="rect">
+            <a:avLst/>
+          </a:prstGeom>
+        </p:spPr>
+      </p:pic>
+    </p:spTree>
+    <p:extLst>
+      <p:ext uri="{BB962C8B-B14F-4D97-AF65-F5344CB8AC3E}">
+        <p14:creationId xmlns:p14="http://schemas.microsoft.com/office/powerpoint/2010/main" val="3232339508"/>
+      </p:ext>
+    </p:extLst>
+  </p:cSld>
+  <p:clrMapOvr>
+    <a:masterClrMapping/>
+  </p:clrMapOvr>
+</p:sld>
+</file>
+
+<file path=ppt/slides/slide29.xml><?xml version="1.0" encoding="utf-8"?>
+<p:sld xmlns:a="http://schemas.openxmlformats.org/drawingml/2006/main" xmlns:r="http://schemas.openxmlformats.org/officeDocument/2006/relationships" xmlns:p="http://schemas.openxmlformats.org/presentationml/2006/main">
+  <p:cSld>
+    <p:spTree>
+      <p:nvGrpSpPr>
+        <p:cNvPr id="1" name=""/>
+        <p:cNvGrpSpPr/>
+        <p:nvPr/>
+      </p:nvGrpSpPr>
+      <p:grpSpPr>
+        <a:xfrm>
+          <a:off x="0" y="0"/>
+          <a:ext cx="0" cy="0"/>
+          <a:chOff x="0" y="0"/>
+          <a:chExt cx="0" cy="0"/>
+        </a:xfrm>
+      </p:grpSpPr>
+      <p:pic>
+        <p:nvPicPr>
+          <p:cNvPr id="10" name="Picture 9" descr="Screen Clipping"/>
+          <p:cNvPicPr>
+            <a:picLocks noChangeAspect="1"/>
+          </p:cNvPicPr>
+          <p:nvPr/>
+        </p:nvPicPr>
+        <p:blipFill>
+          <a:blip r:embed="rId2">
+            <a:extLst>
+              <a:ext uri="{28A0092B-C50C-407E-A947-70E740481C1C}">
+                <a14:useLocalDpi xmlns:a14="http://schemas.microsoft.com/office/drawing/2010/main" val="0"/>
+              </a:ext>
+            </a:extLst>
+          </a:blip>
+          <a:stretch>
+            <a:fillRect/>
+          </a:stretch>
+        </p:blipFill>
+        <p:spPr>
+          <a:xfrm>
+            <a:off x="6687011" y="3472060"/>
+            <a:ext cx="5357324" cy="1806097"/>
+          </a:xfrm>
+          <a:prstGeom prst="rect">
+            <a:avLst/>
+          </a:prstGeom>
+        </p:spPr>
+      </p:pic>
+      <p:pic>
+        <p:nvPicPr>
+          <p:cNvPr id="9" name="Picture 8" descr="Screen Clipping"/>
+          <p:cNvPicPr>
+            <a:picLocks noChangeAspect="1"/>
+          </p:cNvPicPr>
+          <p:nvPr/>
+        </p:nvPicPr>
+        <p:blipFill>
+          <a:blip r:embed="rId3">
+            <a:extLst>
+              <a:ext uri="{28A0092B-C50C-407E-A947-70E740481C1C}">
+                <a14:useLocalDpi xmlns:a14="http://schemas.microsoft.com/office/drawing/2010/main" val="0"/>
+              </a:ext>
+            </a:extLst>
+          </a:blip>
+          <a:stretch>
+            <a:fillRect/>
+          </a:stretch>
+        </p:blipFill>
+        <p:spPr>
+          <a:xfrm>
+            <a:off x="524834" y="3472060"/>
+            <a:ext cx="5822185" cy="2758679"/>
+          </a:xfrm>
+          <a:prstGeom prst="rect">
+            <a:avLst/>
+          </a:prstGeom>
+        </p:spPr>
+      </p:pic>
+      <p:sp>
+        <p:nvSpPr>
+          <p:cNvPr id="2" name="Title 1"/>
+          <p:cNvSpPr>
+            <a:spLocks noGrp="1"/>
+          </p:cNvSpPr>
+          <p:nvPr>
+            <p:ph type="title"/>
+          </p:nvPr>
+        </p:nvSpPr>
+        <p:spPr/>
+        <p:txBody>
+          <a:bodyPr/>
+          <a:lstStyle/>
+          <a:p>
+            <a:r>
+              <a:rPr lang="en-US" dirty="0"/>
+              <a:t>Better callbacks – Modularize</a:t>
+            </a:r>
+          </a:p>
+        </p:txBody>
+      </p:sp>
+      <p:sp>
+        <p:nvSpPr>
+          <p:cNvPr id="3" name="Content Placeholder 2"/>
+          <p:cNvSpPr>
+            <a:spLocks noGrp="1"/>
+          </p:cNvSpPr>
+          <p:nvPr>
+            <p:ph idx="1"/>
+          </p:nvPr>
+        </p:nvSpPr>
+        <p:spPr>
+          <a:xfrm>
+            <a:off x="1024128" y="2286000"/>
+            <a:ext cx="9720073" cy="965200"/>
+          </a:xfrm>
+        </p:spPr>
+        <p:txBody>
+          <a:bodyPr/>
+          <a:lstStyle/>
+          <a:p>
+            <a:pPr marL="457200" indent="-339725">
+              <a:buFont typeface="Courier New" panose="02070309020205020404" pitchFamily="49" charset="0"/>
+              <a:buChar char="o"/>
+              <a:defRPr/>
+            </a:pPr>
+            <a:r>
+              <a:rPr lang="en-US" dirty="0"/>
+              <a:t>Anyone can create modules (libraries)</a:t>
+            </a:r>
+          </a:p>
+          <a:p>
+            <a:pPr marL="457200" indent="-339725">
+              <a:buFont typeface="Courier New" panose="02070309020205020404" pitchFamily="49" charset="0"/>
+              <a:buChar char="o"/>
+              <a:defRPr/>
+            </a:pPr>
+            <a:r>
+              <a:rPr lang="en-US" dirty="0"/>
+              <a:t>Refactor functions to “module” objects</a:t>
+            </a:r>
+          </a:p>
+          <a:p>
+            <a:pPr marL="117475" indent="0">
+              <a:buNone/>
+              <a:defRPr/>
+            </a:pPr>
+            <a:endParaRPr lang="en-US" dirty="0"/>
+          </a:p>
+        </p:txBody>
+      </p:sp>
+      <p:sp>
+        <p:nvSpPr>
+          <p:cNvPr id="7" name="Rectangle 6"/>
+          <p:cNvSpPr/>
+          <p:nvPr/>
+        </p:nvSpPr>
+        <p:spPr>
+          <a:xfrm>
+            <a:off x="886691" y="3899386"/>
+            <a:ext cx="4997473" cy="192323"/>
+          </a:xfrm>
+          <a:prstGeom prst="rect">
+            <a:avLst/>
+          </a:prstGeom>
+          <a:noFill/>
+          <a:ln>
+            <a:solidFill>
+              <a:srgbClr val="FF0000"/>
+            </a:solidFill>
+          </a:ln>
+        </p:spPr>
+        <p:style>
+          <a:lnRef idx="2">
+            <a:schemeClr val="accent1">
+              <a:shade val="50000"/>
+            </a:schemeClr>
+          </a:lnRef>
+          <a:fillRef idx="1">
+            <a:schemeClr val="accent1"/>
+          </a:fillRef>
+          <a:effectRef idx="0">
+            <a:schemeClr val="accent1"/>
+          </a:effectRef>
+          <a:fontRef idx="minor">
+            <a:schemeClr val="lt1"/>
+          </a:fontRef>
+        </p:style>
+        <p:txBody>
+          <a:bodyPr rtlCol="0" anchor="ctr"/>
+          <a:lstStyle/>
+          <a:p>
+            <a:pPr algn="ctr"/>
+            <a:endParaRPr lang="en-US" dirty="0">
+              <a:solidFill>
+                <a:schemeClr val="tx1"/>
+              </a:solidFill>
+            </a:endParaRPr>
+          </a:p>
+        </p:txBody>
+      </p:sp>
+      <p:sp>
+        <p:nvSpPr>
+          <p:cNvPr id="11" name="Rectangle 10"/>
+          <p:cNvSpPr/>
+          <p:nvPr/>
+        </p:nvSpPr>
+        <p:spPr>
+          <a:xfrm>
+            <a:off x="6541318" y="3035364"/>
+            <a:ext cx="1808354" cy="508000"/>
+          </a:xfrm>
+          <a:prstGeom prst="rect">
+            <a:avLst/>
+          </a:prstGeom>
+          <a:noFill/>
+          <a:ln>
+            <a:noFill/>
+          </a:ln>
+        </p:spPr>
+        <p:style>
+          <a:lnRef idx="2">
+            <a:schemeClr val="accent1">
+              <a:shade val="50000"/>
+            </a:schemeClr>
+          </a:lnRef>
+          <a:fillRef idx="1">
+            <a:schemeClr val="accent1"/>
+          </a:fillRef>
+          <a:effectRef idx="0">
+            <a:schemeClr val="accent1"/>
+          </a:effectRef>
+          <a:fontRef idx="minor">
+            <a:schemeClr val="lt1"/>
+          </a:fontRef>
+        </p:style>
+        <p:txBody>
+          <a:bodyPr rtlCol="0" anchor="ctr"/>
+          <a:lstStyle/>
+          <a:p>
+            <a:pPr algn="ctr"/>
+            <a:r>
+              <a:rPr lang="en-US" dirty="0">
+                <a:solidFill>
+                  <a:srgbClr val="FF0000"/>
+                </a:solidFill>
+              </a:rPr>
+              <a:t>fileSizePrinter.js</a:t>
+            </a:r>
+          </a:p>
+        </p:txBody>
+      </p:sp>
+      <p:sp>
+        <p:nvSpPr>
+          <p:cNvPr id="12" name="Rectangle 11"/>
+          <p:cNvSpPr/>
+          <p:nvPr/>
+        </p:nvSpPr>
+        <p:spPr>
+          <a:xfrm>
+            <a:off x="6837217" y="3516483"/>
+            <a:ext cx="2722419" cy="247741"/>
+          </a:xfrm>
+          <a:prstGeom prst="rect">
+            <a:avLst/>
+          </a:prstGeom>
+          <a:noFill/>
+          <a:ln>
+            <a:solidFill>
+              <a:srgbClr val="FF0000"/>
+            </a:solidFill>
+          </a:ln>
+        </p:spPr>
+        <p:style>
+          <a:lnRef idx="2">
+            <a:schemeClr val="accent1">
+              <a:shade val="50000"/>
+            </a:schemeClr>
+          </a:lnRef>
+          <a:fillRef idx="1">
+            <a:schemeClr val="accent1"/>
+          </a:fillRef>
+          <a:effectRef idx="0">
+            <a:schemeClr val="accent1"/>
+          </a:effectRef>
+          <a:fontRef idx="minor">
+            <a:schemeClr val="lt1"/>
+          </a:fontRef>
+        </p:style>
+        <p:txBody>
+          <a:bodyPr rtlCol="0" anchor="ctr"/>
+          <a:lstStyle/>
+          <a:p>
+            <a:pPr algn="ctr"/>
+            <a:endParaRPr lang="en-US" dirty="0">
+              <a:solidFill>
+                <a:schemeClr val="tx1"/>
+              </a:solidFill>
+            </a:endParaRPr>
+          </a:p>
+        </p:txBody>
+      </p:sp>
+      <p:sp>
+        <p:nvSpPr>
+          <p:cNvPr id="13" name="Rectangle 12"/>
+          <p:cNvSpPr/>
+          <p:nvPr/>
+        </p:nvSpPr>
+        <p:spPr>
+          <a:xfrm>
+            <a:off x="1588655" y="5580810"/>
+            <a:ext cx="1921164" cy="247335"/>
+          </a:xfrm>
+          <a:prstGeom prst="rect">
+            <a:avLst/>
+          </a:prstGeom>
+          <a:noFill/>
+          <a:ln>
+            <a:solidFill>
+              <a:srgbClr val="FF0000"/>
+            </a:solidFill>
+          </a:ln>
+        </p:spPr>
+        <p:style>
+          <a:lnRef idx="2">
+            <a:schemeClr val="accent1">
+              <a:shade val="50000"/>
+            </a:schemeClr>
+          </a:lnRef>
+          <a:fillRef idx="1">
+            <a:schemeClr val="accent1"/>
+          </a:fillRef>
+          <a:effectRef idx="0">
+            <a:schemeClr val="accent1"/>
+          </a:effectRef>
+          <a:fontRef idx="minor">
+            <a:schemeClr val="lt1"/>
+          </a:fontRef>
+        </p:style>
+        <p:txBody>
+          <a:bodyPr rtlCol="0" anchor="ctr"/>
+          <a:lstStyle/>
+          <a:p>
+            <a:pPr algn="ctr"/>
+            <a:endParaRPr lang="en-US" dirty="0">
+              <a:solidFill>
+                <a:schemeClr val="tx1"/>
+              </a:solidFill>
+            </a:endParaRPr>
+          </a:p>
+        </p:txBody>
+      </p:sp>
+    </p:spTree>
+    <p:extLst>
+      <p:ext uri="{BB962C8B-B14F-4D97-AF65-F5344CB8AC3E}">
+        <p14:creationId xmlns:p14="http://schemas.microsoft.com/office/powerpoint/2010/main" val="3142890201"/>
       </p:ext>
     </p:extLst>
   </p:cSld>
@@ -21732,10 +26934,11 @@
             <a:pPr marL="457200" indent="-339725">
               <a:buFont typeface="Courier New" panose="02070309020205020404" pitchFamily="49" charset="0"/>
               <a:buChar char="o"/>
+              <a:defRPr/>
             </a:pPr>
             <a:r>
               <a:rPr lang="nl-NL" sz="2400" dirty="0"/>
-              <a:t>Command line tool</a:t>
+              <a:t>Single threaded</a:t>
             </a:r>
           </a:p>
           <a:p>
@@ -21746,7 +26949,7 @@
             </a:pPr>
             <a:r>
               <a:rPr lang="nl-NL" sz="2400" dirty="0"/>
-              <a:t>Single threaded</a:t>
+              <a:t>Weakly typed</a:t>
             </a:r>
           </a:p>
           <a:p>
@@ -21757,8 +26960,24 @@
             </a:pPr>
             <a:r>
               <a:rPr lang="nl-NL" sz="2400" dirty="0"/>
-              <a:t>Async, event-driven</a:t>
+              <a:t>Interpreted, not compiled</a:t>
             </a:r>
+          </a:p>
+          <a:p>
+            <a:pPr marL="457200" indent="-339725">
+              <a:buFont typeface="Courier New" panose="02070309020205020404" pitchFamily="49" charset="0"/>
+              <a:buChar char="o"/>
+              <a:defRPr/>
+            </a:pPr>
+            <a:r>
+              <a:rPr lang="en-US" sz="2400" b="1" dirty="0"/>
+              <a:t>Asynchronous</a:t>
+            </a:r>
+            <a:r>
+              <a:rPr lang="en-US" sz="2400" dirty="0"/>
+              <a:t> </a:t>
+            </a:r>
+            <a:endParaRPr lang="nl-NL" sz="2400" dirty="0"/>
           </a:p>
           <a:p>
             <a:pPr marL="117475" indent="0">
@@ -21779,6 +26998,1626 @@
     <p:extLst>
       <p:ext uri="{BB962C8B-B14F-4D97-AF65-F5344CB8AC3E}">
         <p14:creationId xmlns:p14="http://schemas.microsoft.com/office/powerpoint/2010/main" val="3504286733"/>
+      </p:ext>
+    </p:extLst>
+  </p:cSld>
+  <p:clrMapOvr>
+    <a:masterClrMapping/>
+  </p:clrMapOvr>
+</p:sld>
+</file>
+
+<file path=ppt/slides/slide30.xml><?xml version="1.0" encoding="utf-8"?>
+<p:sld xmlns:a="http://schemas.openxmlformats.org/drawingml/2006/main" xmlns:r="http://schemas.openxmlformats.org/officeDocument/2006/relationships" xmlns:p="http://schemas.openxmlformats.org/presentationml/2006/main">
+  <p:cSld>
+    <p:spTree>
+      <p:nvGrpSpPr>
+        <p:cNvPr id="1" name=""/>
+        <p:cNvGrpSpPr/>
+        <p:nvPr/>
+      </p:nvGrpSpPr>
+      <p:grpSpPr>
+        <a:xfrm>
+          <a:off x="0" y="0"/>
+          <a:ext cx="0" cy="0"/>
+          <a:chOff x="0" y="0"/>
+          <a:chExt cx="0" cy="0"/>
+        </a:xfrm>
+      </p:grpSpPr>
+      <p:sp>
+        <p:nvSpPr>
+          <p:cNvPr id="2" name="Title 1"/>
+          <p:cNvSpPr>
+            <a:spLocks noGrp="1"/>
+          </p:cNvSpPr>
+          <p:nvPr>
+            <p:ph type="title"/>
+          </p:nvPr>
+        </p:nvSpPr>
+        <p:spPr/>
+        <p:txBody>
+          <a:bodyPr/>
+          <a:lstStyle/>
+          <a:p>
+            <a:r>
+              <a:rPr lang="en-US" dirty="0"/>
+              <a:t>Better callbacks - force sync</a:t>
+            </a:r>
+          </a:p>
+        </p:txBody>
+      </p:sp>
+      <p:sp>
+        <p:nvSpPr>
+          <p:cNvPr id="3" name="Content Placeholder 2"/>
+          <p:cNvSpPr>
+            <a:spLocks noGrp="1"/>
+          </p:cNvSpPr>
+          <p:nvPr>
+            <p:ph idx="1"/>
+          </p:nvPr>
+        </p:nvSpPr>
+        <p:spPr>
+          <a:xfrm>
+            <a:off x="1024128" y="2286000"/>
+            <a:ext cx="9720073" cy="1011382"/>
+          </a:xfrm>
+        </p:spPr>
+        <p:txBody>
+          <a:bodyPr/>
+          <a:lstStyle/>
+          <a:p>
+            <a:pPr marL="457200" indent="-339725">
+              <a:buFont typeface="Courier New" panose="02070309020205020404" pitchFamily="49" charset="0"/>
+              <a:buChar char="o"/>
+              <a:defRPr/>
+            </a:pPr>
+            <a:r>
+              <a:rPr lang="en-US" dirty="0"/>
+              <a:t>Many packages provide a sync option</a:t>
+            </a:r>
+          </a:p>
+          <a:p>
+            <a:pPr marL="457200" indent="-339725">
+              <a:buFont typeface="Courier New" panose="02070309020205020404" pitchFamily="49" charset="0"/>
+              <a:buChar char="o"/>
+              <a:defRPr/>
+            </a:pPr>
+            <a:r>
+              <a:rPr lang="en-US" dirty="0"/>
+              <a:t>If you only have one </a:t>
+            </a:r>
+            <a:r>
+              <a:rPr lang="en-US" dirty="0" err="1"/>
+              <a:t>async</a:t>
+            </a:r>
+            <a:r>
+              <a:rPr lang="en-US" dirty="0"/>
+              <a:t> function, why not?</a:t>
+            </a:r>
+          </a:p>
+          <a:p>
+            <a:pPr marL="457200" indent="-339725">
+              <a:buFont typeface="Courier New" panose="02070309020205020404" pitchFamily="49" charset="0"/>
+              <a:buChar char="o"/>
+              <a:defRPr/>
+            </a:pPr>
+            <a:endParaRPr lang="en-US" dirty="0"/>
+          </a:p>
+          <a:p>
+            <a:pPr marL="0" indent="0">
+              <a:buNone/>
+            </a:pPr>
+            <a:endParaRPr lang="en-US" dirty="0"/>
+          </a:p>
+        </p:txBody>
+      </p:sp>
+      <p:pic>
+        <p:nvPicPr>
+          <p:cNvPr id="4" name="Picture 3" descr="Screen Clipping"/>
+          <p:cNvPicPr>
+            <a:picLocks noChangeAspect="1"/>
+          </p:cNvPicPr>
+          <p:nvPr/>
+        </p:nvPicPr>
+        <p:blipFill>
+          <a:blip r:embed="rId2">
+            <a:extLst>
+              <a:ext uri="{28A0092B-C50C-407E-A947-70E740481C1C}">
+                <a14:useLocalDpi xmlns:a14="http://schemas.microsoft.com/office/drawing/2010/main" val="0"/>
+              </a:ext>
+            </a:extLst>
+          </a:blip>
+          <a:stretch>
+            <a:fillRect/>
+          </a:stretch>
+        </p:blipFill>
+        <p:spPr>
+          <a:xfrm>
+            <a:off x="1024128" y="3498550"/>
+            <a:ext cx="5852667" cy="2933954"/>
+          </a:xfrm>
+          <a:prstGeom prst="rect">
+            <a:avLst/>
+          </a:prstGeom>
+        </p:spPr>
+      </p:pic>
+      <p:sp>
+        <p:nvSpPr>
+          <p:cNvPr id="5" name="Rectangle 4"/>
+          <p:cNvSpPr/>
+          <p:nvPr/>
+        </p:nvSpPr>
+        <p:spPr>
+          <a:xfrm>
+            <a:off x="2068946" y="5451096"/>
+            <a:ext cx="3851564" cy="220031"/>
+          </a:xfrm>
+          <a:prstGeom prst="rect">
+            <a:avLst/>
+          </a:prstGeom>
+          <a:noFill/>
+          <a:ln>
+            <a:solidFill>
+              <a:srgbClr val="FF0000"/>
+            </a:solidFill>
+          </a:ln>
+        </p:spPr>
+        <p:style>
+          <a:lnRef idx="2">
+            <a:schemeClr val="accent1">
+              <a:shade val="50000"/>
+            </a:schemeClr>
+          </a:lnRef>
+          <a:fillRef idx="1">
+            <a:schemeClr val="accent1"/>
+          </a:fillRef>
+          <a:effectRef idx="0">
+            <a:schemeClr val="accent1"/>
+          </a:effectRef>
+          <a:fontRef idx="minor">
+            <a:schemeClr val="lt1"/>
+          </a:fontRef>
+        </p:style>
+        <p:txBody>
+          <a:bodyPr rtlCol="0" anchor="ctr"/>
+          <a:lstStyle/>
+          <a:p>
+            <a:pPr algn="ctr"/>
+            <a:endParaRPr lang="en-US" dirty="0">
+              <a:solidFill>
+                <a:schemeClr val="tx1"/>
+              </a:solidFill>
+            </a:endParaRPr>
+          </a:p>
+        </p:txBody>
+      </p:sp>
+    </p:spTree>
+    <p:extLst>
+      <p:ext uri="{BB962C8B-B14F-4D97-AF65-F5344CB8AC3E}">
+        <p14:creationId xmlns:p14="http://schemas.microsoft.com/office/powerpoint/2010/main" val="1637554673"/>
+      </p:ext>
+    </p:extLst>
+  </p:cSld>
+  <p:clrMapOvr>
+    <a:masterClrMapping/>
+  </p:clrMapOvr>
+</p:sld>
+</file>
+
+<file path=ppt/slides/slide31.xml><?xml version="1.0" encoding="utf-8"?>
+<p:sld xmlns:a="http://schemas.openxmlformats.org/drawingml/2006/main" xmlns:r="http://schemas.openxmlformats.org/officeDocument/2006/relationships" xmlns:p="http://schemas.openxmlformats.org/presentationml/2006/main">
+  <p:cSld>
+    <p:spTree>
+      <p:nvGrpSpPr>
+        <p:cNvPr id="1" name=""/>
+        <p:cNvGrpSpPr/>
+        <p:nvPr/>
+      </p:nvGrpSpPr>
+      <p:grpSpPr>
+        <a:xfrm>
+          <a:off x="0" y="0"/>
+          <a:ext cx="0" cy="0"/>
+          <a:chOff x="0" y="0"/>
+          <a:chExt cx="0" cy="0"/>
+        </a:xfrm>
+      </p:grpSpPr>
+      <p:pic>
+        <p:nvPicPr>
+          <p:cNvPr id="15" name="Picture 14" descr="Screen Clipping"/>
+          <p:cNvPicPr>
+            <a:picLocks noChangeAspect="1"/>
+          </p:cNvPicPr>
+          <p:nvPr/>
+        </p:nvPicPr>
+        <p:blipFill>
+          <a:blip r:embed="rId2">
+            <a:extLst>
+              <a:ext uri="{28A0092B-C50C-407E-A947-70E740481C1C}">
+                <a14:useLocalDpi xmlns:a14="http://schemas.microsoft.com/office/drawing/2010/main" val="0"/>
+              </a:ext>
+            </a:extLst>
+          </a:blip>
+          <a:stretch>
+            <a:fillRect/>
+          </a:stretch>
+        </p:blipFill>
+        <p:spPr>
+          <a:xfrm>
+            <a:off x="2002913" y="4302302"/>
+            <a:ext cx="2718493" cy="2208226"/>
+          </a:xfrm>
+          <a:prstGeom prst="rect">
+            <a:avLst/>
+          </a:prstGeom>
+        </p:spPr>
+      </p:pic>
+      <p:sp>
+        <p:nvSpPr>
+          <p:cNvPr id="2" name="Title 1"/>
+          <p:cNvSpPr>
+            <a:spLocks noGrp="1"/>
+          </p:cNvSpPr>
+          <p:nvPr>
+            <p:ph type="title"/>
+          </p:nvPr>
+        </p:nvSpPr>
+        <p:spPr/>
+        <p:txBody>
+          <a:bodyPr/>
+          <a:lstStyle/>
+          <a:p>
+            <a:r>
+              <a:rPr lang="en-US" dirty="0"/>
+              <a:t>Callbacks – race conditions</a:t>
+            </a:r>
+          </a:p>
+        </p:txBody>
+      </p:sp>
+      <p:sp>
+        <p:nvSpPr>
+          <p:cNvPr id="4" name="Content Placeholder 2"/>
+          <p:cNvSpPr>
+            <a:spLocks noGrp="1"/>
+          </p:cNvSpPr>
+          <p:nvPr>
+            <p:ph idx="1"/>
+          </p:nvPr>
+        </p:nvSpPr>
+        <p:spPr>
+          <a:xfrm>
+            <a:off x="1024128" y="2286000"/>
+            <a:ext cx="9720073" cy="4023360"/>
+          </a:xfrm>
+        </p:spPr>
+        <p:txBody>
+          <a:bodyPr/>
+          <a:lstStyle/>
+          <a:p>
+            <a:pPr marL="457200" indent="-339725">
+              <a:buFont typeface="Courier New" panose="02070309020205020404" pitchFamily="49" charset="0"/>
+              <a:buChar char="o"/>
+              <a:defRPr/>
+            </a:pPr>
+            <a:r>
+              <a:rPr lang="en-US" dirty="0"/>
+              <a:t>Run callbacks.js and callbacks_sync.js… The results are different!</a:t>
+            </a:r>
+          </a:p>
+          <a:p>
+            <a:pPr marL="457200" indent="-339725">
+              <a:buFont typeface="Courier New" panose="02070309020205020404" pitchFamily="49" charset="0"/>
+              <a:buChar char="o"/>
+              <a:defRPr/>
+            </a:pPr>
+            <a:r>
+              <a:rPr lang="en-US" dirty="0" err="1"/>
+              <a:t>Async</a:t>
+            </a:r>
+            <a:r>
+              <a:rPr lang="en-US" dirty="0"/>
+              <a:t> means order not guaranteed</a:t>
+            </a:r>
+          </a:p>
+          <a:p>
+            <a:pPr marL="457200" indent="-339725">
+              <a:buFont typeface="Courier New" panose="02070309020205020404" pitchFamily="49" charset="0"/>
+              <a:buChar char="o"/>
+              <a:defRPr/>
+            </a:pPr>
+            <a:r>
+              <a:rPr lang="en-US" dirty="0"/>
+              <a:t>Result - race conditions!</a:t>
+            </a:r>
+          </a:p>
+          <a:p>
+            <a:pPr marL="457200" indent="-339725">
+              <a:buFont typeface="Courier New" panose="02070309020205020404" pitchFamily="49" charset="0"/>
+              <a:buChar char="o"/>
+              <a:defRPr/>
+            </a:pPr>
+            <a:endParaRPr lang="en-US" dirty="0"/>
+          </a:p>
+        </p:txBody>
+      </p:sp>
+      <p:sp>
+        <p:nvSpPr>
+          <p:cNvPr id="8" name="TextBox 7"/>
+          <p:cNvSpPr txBox="1"/>
+          <p:nvPr/>
+        </p:nvSpPr>
+        <p:spPr>
+          <a:xfrm>
+            <a:off x="2002913" y="3900559"/>
+            <a:ext cx="2718493" cy="400110"/>
+          </a:xfrm>
+          <a:prstGeom prst="rect">
+            <a:avLst/>
+          </a:prstGeom>
+          <a:noFill/>
+        </p:spPr>
+        <p:txBody>
+          <a:bodyPr wrap="square" rtlCol="0">
+            <a:spAutoFit/>
+          </a:bodyPr>
+          <a:lstStyle/>
+          <a:p>
+            <a:pPr algn="ctr"/>
+            <a:r>
+              <a:rPr lang="en-US" sz="2000" dirty="0"/>
+              <a:t>node callbacks.js</a:t>
+            </a:r>
+          </a:p>
+        </p:txBody>
+      </p:sp>
+      <p:sp>
+        <p:nvSpPr>
+          <p:cNvPr id="9" name="TextBox 8"/>
+          <p:cNvSpPr txBox="1"/>
+          <p:nvPr/>
+        </p:nvSpPr>
+        <p:spPr>
+          <a:xfrm>
+            <a:off x="6278669" y="3899150"/>
+            <a:ext cx="2706710" cy="400110"/>
+          </a:xfrm>
+          <a:prstGeom prst="rect">
+            <a:avLst/>
+          </a:prstGeom>
+          <a:noFill/>
+        </p:spPr>
+        <p:txBody>
+          <a:bodyPr wrap="square" rtlCol="0">
+            <a:spAutoFit/>
+          </a:bodyPr>
+          <a:lstStyle/>
+          <a:p>
+            <a:pPr algn="ctr"/>
+            <a:r>
+              <a:rPr lang="en-US" sz="2000" dirty="0"/>
+              <a:t>node callbacks_sync.js</a:t>
+            </a:r>
+          </a:p>
+        </p:txBody>
+      </p:sp>
+      <p:pic>
+        <p:nvPicPr>
+          <p:cNvPr id="16" name="Picture 15" descr="Screen Clipping"/>
+          <p:cNvPicPr>
+            <a:picLocks noChangeAspect="1"/>
+          </p:cNvPicPr>
+          <p:nvPr/>
+        </p:nvPicPr>
+        <p:blipFill>
+          <a:blip r:embed="rId3">
+            <a:extLst>
+              <a:ext uri="{28A0092B-C50C-407E-A947-70E740481C1C}">
+                <a14:useLocalDpi xmlns:a14="http://schemas.microsoft.com/office/drawing/2010/main" val="0"/>
+              </a:ext>
+            </a:extLst>
+          </a:blip>
+          <a:stretch>
+            <a:fillRect/>
+          </a:stretch>
+        </p:blipFill>
+        <p:spPr>
+          <a:xfrm>
+            <a:off x="6278669" y="4295135"/>
+            <a:ext cx="2706710" cy="2215393"/>
+          </a:xfrm>
+          <a:prstGeom prst="rect">
+            <a:avLst/>
+          </a:prstGeom>
+        </p:spPr>
+      </p:pic>
+      <p:cxnSp>
+        <p:nvCxnSpPr>
+          <p:cNvPr id="20" name="Straight Arrow Connector 19"/>
+          <p:cNvCxnSpPr/>
+          <p:nvPr/>
+        </p:nvCxnSpPr>
+        <p:spPr>
+          <a:xfrm>
+            <a:off x="4017818" y="4627418"/>
+            <a:ext cx="2260851" cy="147782"/>
+          </a:xfrm>
+          <a:prstGeom prst="bentConnector3">
+            <a:avLst>
+              <a:gd name="adj1" fmla="val 50000"/>
+            </a:avLst>
+          </a:prstGeom>
+          <a:ln w="19050">
+            <a:solidFill>
+              <a:srgbClr val="C00000"/>
+            </a:solidFill>
+            <a:tailEnd type="triangle"/>
+          </a:ln>
+        </p:spPr>
+        <p:style>
+          <a:lnRef idx="1">
+            <a:schemeClr val="accent1"/>
+          </a:lnRef>
+          <a:fillRef idx="0">
+            <a:schemeClr val="accent1"/>
+          </a:fillRef>
+          <a:effectRef idx="0">
+            <a:schemeClr val="accent1"/>
+          </a:effectRef>
+          <a:fontRef idx="minor">
+            <a:schemeClr val="tx1"/>
+          </a:fontRef>
+        </p:style>
+      </p:cxnSp>
+    </p:spTree>
+    <p:extLst>
+      <p:ext uri="{BB962C8B-B14F-4D97-AF65-F5344CB8AC3E}">
+        <p14:creationId xmlns:p14="http://schemas.microsoft.com/office/powerpoint/2010/main" val="3968727768"/>
+      </p:ext>
+    </p:extLst>
+  </p:cSld>
+  <p:clrMapOvr>
+    <a:masterClrMapping/>
+  </p:clrMapOvr>
+</p:sld>
+</file>
+
+<file path=ppt/slides/slide32.xml><?xml version="1.0" encoding="utf-8"?>
+<p:sld xmlns:a="http://schemas.openxmlformats.org/drawingml/2006/main" xmlns:r="http://schemas.openxmlformats.org/officeDocument/2006/relationships" xmlns:p="http://schemas.openxmlformats.org/presentationml/2006/main">
+  <p:cSld>
+    <p:spTree>
+      <p:nvGrpSpPr>
+        <p:cNvPr id="1" name=""/>
+        <p:cNvGrpSpPr/>
+        <p:nvPr/>
+      </p:nvGrpSpPr>
+      <p:grpSpPr>
+        <a:xfrm>
+          <a:off x="0" y="0"/>
+          <a:ext cx="0" cy="0"/>
+          <a:chOff x="0" y="0"/>
+          <a:chExt cx="0" cy="0"/>
+        </a:xfrm>
+      </p:grpSpPr>
+      <p:sp>
+        <p:nvSpPr>
+          <p:cNvPr id="2" name="Title 1"/>
+          <p:cNvSpPr>
+            <a:spLocks noGrp="1"/>
+          </p:cNvSpPr>
+          <p:nvPr>
+            <p:ph type="title"/>
+          </p:nvPr>
+        </p:nvSpPr>
+        <p:spPr/>
+        <p:txBody>
+          <a:bodyPr/>
+          <a:lstStyle/>
+          <a:p>
+            <a:r>
+              <a:rPr lang="en-US" dirty="0"/>
+              <a:t>promises</a:t>
+            </a:r>
+          </a:p>
+        </p:txBody>
+      </p:sp>
+      <p:sp>
+        <p:nvSpPr>
+          <p:cNvPr id="3" name="Content Placeholder 2"/>
+          <p:cNvSpPr>
+            <a:spLocks noGrp="1"/>
+          </p:cNvSpPr>
+          <p:nvPr>
+            <p:ph idx="1"/>
+          </p:nvPr>
+        </p:nvSpPr>
+        <p:spPr>
+          <a:xfrm>
+            <a:off x="1024128" y="2286000"/>
+            <a:ext cx="9720073" cy="1408545"/>
+          </a:xfrm>
+        </p:spPr>
+        <p:txBody>
+          <a:bodyPr/>
+          <a:lstStyle/>
+          <a:p>
+            <a:pPr marL="457200" indent="-339725">
+              <a:buFont typeface="Courier New" panose="02070309020205020404" pitchFamily="49" charset="0"/>
+              <a:buChar char="o"/>
+              <a:defRPr/>
+            </a:pPr>
+            <a:r>
+              <a:rPr lang="en-US" dirty="0"/>
+              <a:t>Result of an </a:t>
+            </a:r>
+            <a:r>
+              <a:rPr lang="en-US" dirty="0" err="1"/>
+              <a:t>async</a:t>
+            </a:r>
+            <a:r>
+              <a:rPr lang="en-US" dirty="0"/>
+              <a:t> method until completion</a:t>
+            </a:r>
+          </a:p>
+          <a:p>
+            <a:pPr marL="457200" indent="-339725">
+              <a:buFont typeface="Courier New" panose="02070309020205020404" pitchFamily="49" charset="0"/>
+              <a:buChar char="o"/>
+              <a:defRPr/>
+            </a:pPr>
+            <a:r>
+              <a:rPr lang="en-US" dirty="0"/>
+              <a:t>console.log(</a:t>
+            </a:r>
+            <a:r>
+              <a:rPr lang="en-US" dirty="0" err="1"/>
+              <a:t>fs.stat</a:t>
+            </a:r>
+            <a:r>
+              <a:rPr lang="en-US" dirty="0"/>
+              <a:t>(source + </a:t>
+            </a:r>
+            <a:r>
+              <a:rPr lang="en-US" dirty="0" err="1"/>
+              <a:t>fileName</a:t>
+            </a:r>
+            <a:r>
+              <a:rPr lang="en-US" dirty="0"/>
+              <a:t>)); //Promise &lt;pending&gt;</a:t>
+            </a:r>
+          </a:p>
+        </p:txBody>
+      </p:sp>
+      <p:pic>
+        <p:nvPicPr>
+          <p:cNvPr id="8" name="Picture 7" descr="Screen Clipping"/>
+          <p:cNvPicPr>
+            <a:picLocks noChangeAspect="1"/>
+          </p:cNvPicPr>
+          <p:nvPr/>
+        </p:nvPicPr>
+        <p:blipFill>
+          <a:blip r:embed="rId2">
+            <a:extLst>
+              <a:ext uri="{28A0092B-C50C-407E-A947-70E740481C1C}">
+                <a14:useLocalDpi xmlns:a14="http://schemas.microsoft.com/office/drawing/2010/main" val="0"/>
+              </a:ext>
+            </a:extLst>
+          </a:blip>
+          <a:stretch>
+            <a:fillRect/>
+          </a:stretch>
+        </p:blipFill>
+        <p:spPr>
+          <a:xfrm>
+            <a:off x="1024128" y="3288279"/>
+            <a:ext cx="5378022" cy="3569721"/>
+          </a:xfrm>
+          <a:prstGeom prst="rect">
+            <a:avLst/>
+          </a:prstGeom>
+        </p:spPr>
+      </p:pic>
+    </p:spTree>
+    <p:extLst>
+      <p:ext uri="{BB962C8B-B14F-4D97-AF65-F5344CB8AC3E}">
+        <p14:creationId xmlns:p14="http://schemas.microsoft.com/office/powerpoint/2010/main" val="2603078748"/>
+      </p:ext>
+    </p:extLst>
+  </p:cSld>
+  <p:clrMapOvr>
+    <a:masterClrMapping/>
+  </p:clrMapOvr>
+</p:sld>
+</file>
+
+<file path=ppt/slides/slide33.xml><?xml version="1.0" encoding="utf-8"?>
+<p:sld xmlns:a="http://schemas.openxmlformats.org/drawingml/2006/main" xmlns:r="http://schemas.openxmlformats.org/officeDocument/2006/relationships" xmlns:p="http://schemas.openxmlformats.org/presentationml/2006/main">
+  <p:cSld>
+    <p:spTree>
+      <p:nvGrpSpPr>
+        <p:cNvPr id="1" name=""/>
+        <p:cNvGrpSpPr/>
+        <p:nvPr/>
+      </p:nvGrpSpPr>
+      <p:grpSpPr>
+        <a:xfrm>
+          <a:off x="0" y="0"/>
+          <a:ext cx="0" cy="0"/>
+          <a:chOff x="0" y="0"/>
+          <a:chExt cx="0" cy="0"/>
+        </a:xfrm>
+      </p:grpSpPr>
+      <p:sp>
+        <p:nvSpPr>
+          <p:cNvPr id="2" name="Title 1"/>
+          <p:cNvSpPr>
+            <a:spLocks noGrp="1"/>
+          </p:cNvSpPr>
+          <p:nvPr>
+            <p:ph type="title"/>
+          </p:nvPr>
+        </p:nvSpPr>
+        <p:spPr/>
+        <p:txBody>
+          <a:bodyPr/>
+          <a:lstStyle/>
+          <a:p>
+            <a:r>
+              <a:rPr lang="en-US" dirty="0"/>
+              <a:t>promise management</a:t>
+            </a:r>
+          </a:p>
+        </p:txBody>
+      </p:sp>
+      <p:sp>
+        <p:nvSpPr>
+          <p:cNvPr id="3" name="Content Placeholder 2"/>
+          <p:cNvSpPr>
+            <a:spLocks noGrp="1"/>
+          </p:cNvSpPr>
+          <p:nvPr>
+            <p:ph idx="1"/>
+          </p:nvPr>
+        </p:nvSpPr>
+        <p:spPr>
+          <a:xfrm>
+            <a:off x="1024128" y="2286000"/>
+            <a:ext cx="9720073" cy="1778000"/>
+          </a:xfrm>
+        </p:spPr>
+        <p:txBody>
+          <a:bodyPr>
+            <a:normAutofit/>
+          </a:bodyPr>
+          <a:lstStyle/>
+          <a:p>
+            <a:pPr marL="457200" indent="-339725">
+              <a:buFont typeface="Courier New" panose="02070309020205020404" pitchFamily="49" charset="0"/>
+              <a:buChar char="o"/>
+              <a:defRPr/>
+            </a:pPr>
+            <a:r>
+              <a:rPr lang="en-US" dirty="0"/>
+              <a:t>Force </a:t>
+            </a:r>
+            <a:r>
+              <a:rPr lang="en-US" dirty="0" err="1"/>
+              <a:t>async</a:t>
+            </a:r>
+            <a:r>
+              <a:rPr lang="en-US" dirty="0"/>
+              <a:t> calls to resolve in specific order</a:t>
+            </a:r>
+          </a:p>
+          <a:p>
+            <a:pPr marL="457200" indent="-339725">
+              <a:buFont typeface="Courier New" panose="02070309020205020404" pitchFamily="49" charset="0"/>
+              <a:buChar char="o"/>
+              <a:defRPr/>
+            </a:pPr>
+            <a:r>
+              <a:rPr lang="en-US" dirty="0"/>
+              <a:t>I.e. Make API calls in order</a:t>
+            </a:r>
+          </a:p>
+          <a:p>
+            <a:pPr marL="457200" indent="-339725">
+              <a:buFont typeface="Courier New" panose="02070309020205020404" pitchFamily="49" charset="0"/>
+              <a:buChar char="o"/>
+              <a:defRPr/>
+            </a:pPr>
+            <a:r>
+              <a:rPr lang="en-US" dirty="0"/>
+              <a:t>Many promise libraries, we will use </a:t>
+            </a:r>
+            <a:r>
+              <a:rPr lang="en-US" dirty="0">
+                <a:solidFill>
+                  <a:srgbClr val="FF0000"/>
+                </a:solidFill>
+              </a:rPr>
+              <a:t>q</a:t>
+            </a:r>
+          </a:p>
+          <a:p>
+            <a:pPr marL="457200" indent="-339725">
+              <a:buFont typeface="Courier New" panose="02070309020205020404" pitchFamily="49" charset="0"/>
+              <a:buChar char="o"/>
+              <a:defRPr/>
+            </a:pPr>
+            <a:endParaRPr lang="en-US" dirty="0"/>
+          </a:p>
+          <a:p>
+            <a:endParaRPr lang="en-US" dirty="0"/>
+          </a:p>
+        </p:txBody>
+      </p:sp>
+    </p:spTree>
+    <p:extLst>
+      <p:ext uri="{BB962C8B-B14F-4D97-AF65-F5344CB8AC3E}">
+        <p14:creationId xmlns:p14="http://schemas.microsoft.com/office/powerpoint/2010/main" val="3248439437"/>
+      </p:ext>
+    </p:extLst>
+  </p:cSld>
+  <p:clrMapOvr>
+    <a:masterClrMapping/>
+  </p:clrMapOvr>
+</p:sld>
+</file>
+
+<file path=ppt/slides/slide34.xml><?xml version="1.0" encoding="utf-8"?>
+<p:sld xmlns:a="http://schemas.openxmlformats.org/drawingml/2006/main" xmlns:r="http://schemas.openxmlformats.org/officeDocument/2006/relationships" xmlns:p="http://schemas.openxmlformats.org/presentationml/2006/main">
+  <p:cSld>
+    <p:spTree>
+      <p:nvGrpSpPr>
+        <p:cNvPr id="1" name=""/>
+        <p:cNvGrpSpPr/>
+        <p:nvPr/>
+      </p:nvGrpSpPr>
+      <p:grpSpPr>
+        <a:xfrm>
+          <a:off x="0" y="0"/>
+          <a:ext cx="0" cy="0"/>
+          <a:chOff x="0" y="0"/>
+          <a:chExt cx="0" cy="0"/>
+        </a:xfrm>
+      </p:grpSpPr>
+      <p:sp>
+        <p:nvSpPr>
+          <p:cNvPr id="2" name="Title 1"/>
+          <p:cNvSpPr>
+            <a:spLocks noGrp="1"/>
+          </p:cNvSpPr>
+          <p:nvPr>
+            <p:ph type="title"/>
+          </p:nvPr>
+        </p:nvSpPr>
+        <p:spPr/>
+        <p:txBody>
+          <a:bodyPr/>
+          <a:lstStyle/>
+          <a:p>
+            <a:r>
+              <a:rPr lang="en-US" dirty="0"/>
+              <a:t>Q Features</a:t>
+            </a:r>
+          </a:p>
+        </p:txBody>
+      </p:sp>
+      <p:sp>
+        <p:nvSpPr>
+          <p:cNvPr id="6" name="Content Placeholder 2"/>
+          <p:cNvSpPr>
+            <a:spLocks noGrp="1"/>
+          </p:cNvSpPr>
+          <p:nvPr>
+            <p:ph idx="1"/>
+          </p:nvPr>
+        </p:nvSpPr>
+        <p:spPr>
+          <a:xfrm>
+            <a:off x="1024128" y="2286000"/>
+            <a:ext cx="9720073" cy="3819236"/>
+          </a:xfrm>
+        </p:spPr>
+        <p:txBody>
+          <a:bodyPr>
+            <a:normAutofit/>
+          </a:bodyPr>
+          <a:lstStyle/>
+          <a:p>
+            <a:pPr marL="457200" indent="-339725">
+              <a:buFont typeface="Courier New" panose="02070309020205020404" pitchFamily="49" charset="0"/>
+              <a:buChar char="o"/>
+              <a:defRPr/>
+            </a:pPr>
+            <a:r>
+              <a:rPr lang="en-US" dirty="0"/>
+              <a:t>Perform promises in order </a:t>
+            </a:r>
+          </a:p>
+          <a:p>
+            <a:pPr marL="457200" indent="-339725">
+              <a:buFont typeface="Courier New" panose="02070309020205020404" pitchFamily="49" charset="0"/>
+              <a:buChar char="o"/>
+              <a:defRPr/>
+            </a:pPr>
+            <a:endParaRPr lang="en-US" dirty="0"/>
+          </a:p>
+          <a:p>
+            <a:pPr marL="117475" indent="0">
+              <a:buNone/>
+              <a:defRPr/>
+            </a:pPr>
+            <a:endParaRPr lang="en-US" dirty="0"/>
+          </a:p>
+          <a:p>
+            <a:pPr marL="457200" indent="-339725">
+              <a:buFont typeface="Courier New" panose="02070309020205020404" pitchFamily="49" charset="0"/>
+              <a:buChar char="o"/>
+              <a:defRPr/>
+            </a:pPr>
+            <a:r>
+              <a:rPr lang="en-US" dirty="0"/>
+              <a:t>Combine promises</a:t>
+            </a:r>
+          </a:p>
+          <a:p>
+            <a:pPr marL="457200" indent="-339725">
+              <a:buFont typeface="Courier New" panose="02070309020205020404" pitchFamily="49" charset="0"/>
+              <a:buChar char="o"/>
+              <a:defRPr/>
+            </a:pPr>
+            <a:endParaRPr lang="en-US" dirty="0"/>
+          </a:p>
+          <a:p>
+            <a:pPr marL="457200" indent="-339725">
+              <a:buFont typeface="Courier New" panose="02070309020205020404" pitchFamily="49" charset="0"/>
+              <a:buChar char="o"/>
+              <a:defRPr/>
+            </a:pPr>
+            <a:endParaRPr lang="en-US" dirty="0"/>
+          </a:p>
+          <a:p>
+            <a:pPr marL="457200" indent="-339725">
+              <a:buFont typeface="Courier New" panose="02070309020205020404" pitchFamily="49" charset="0"/>
+              <a:buChar char="o"/>
+              <a:defRPr/>
+            </a:pPr>
+            <a:r>
+              <a:rPr lang="en-US" dirty="0"/>
+              <a:t>Wait for all promises to resolve</a:t>
+            </a:r>
+          </a:p>
+          <a:p>
+            <a:pPr marL="457200" indent="-339725">
+              <a:buFont typeface="Courier New" panose="02070309020205020404" pitchFamily="49" charset="0"/>
+              <a:buChar char="o"/>
+              <a:defRPr/>
+            </a:pPr>
+            <a:endParaRPr lang="en-US" dirty="0"/>
+          </a:p>
+          <a:p>
+            <a:pPr marL="457200" indent="-339725">
+              <a:buFont typeface="Courier New" panose="02070309020205020404" pitchFamily="49" charset="0"/>
+              <a:buChar char="o"/>
+              <a:defRPr/>
+            </a:pPr>
+            <a:endParaRPr lang="en-US" dirty="0"/>
+          </a:p>
+        </p:txBody>
+      </p:sp>
+      <p:pic>
+        <p:nvPicPr>
+          <p:cNvPr id="8" name="Picture 7" descr="Screen Clipping"/>
+          <p:cNvPicPr>
+            <a:picLocks noChangeAspect="1"/>
+          </p:cNvPicPr>
+          <p:nvPr/>
+        </p:nvPicPr>
+        <p:blipFill>
+          <a:blip r:embed="rId2">
+            <a:extLst>
+              <a:ext uri="{28A0092B-C50C-407E-A947-70E740481C1C}">
+                <a14:useLocalDpi xmlns:a14="http://schemas.microsoft.com/office/drawing/2010/main" val="0"/>
+              </a:ext>
+            </a:extLst>
+          </a:blip>
+          <a:stretch>
+            <a:fillRect/>
+          </a:stretch>
+        </p:blipFill>
+        <p:spPr>
+          <a:xfrm>
+            <a:off x="1528862" y="2757251"/>
+            <a:ext cx="2354784" cy="807790"/>
+          </a:xfrm>
+          <a:prstGeom prst="rect">
+            <a:avLst/>
+          </a:prstGeom>
+        </p:spPr>
+      </p:pic>
+      <p:pic>
+        <p:nvPicPr>
+          <p:cNvPr id="9" name="Picture 8" descr="Screen Clipping"/>
+          <p:cNvPicPr>
+            <a:picLocks noChangeAspect="1"/>
+          </p:cNvPicPr>
+          <p:nvPr/>
+        </p:nvPicPr>
+        <p:blipFill>
+          <a:blip r:embed="rId3">
+            <a:extLst>
+              <a:ext uri="{28A0092B-C50C-407E-A947-70E740481C1C}">
+                <a14:useLocalDpi xmlns:a14="http://schemas.microsoft.com/office/drawing/2010/main" val="0"/>
+              </a:ext>
+            </a:extLst>
+          </a:blip>
+          <a:stretch>
+            <a:fillRect/>
+          </a:stretch>
+        </p:blipFill>
+        <p:spPr>
+          <a:xfrm>
+            <a:off x="1528862" y="4160982"/>
+            <a:ext cx="1973751" cy="906859"/>
+          </a:xfrm>
+          <a:prstGeom prst="rect">
+            <a:avLst/>
+          </a:prstGeom>
+        </p:spPr>
+      </p:pic>
+      <p:pic>
+        <p:nvPicPr>
+          <p:cNvPr id="10" name="Picture 9" descr="Screen Clipping"/>
+          <p:cNvPicPr>
+            <a:picLocks noChangeAspect="1"/>
+          </p:cNvPicPr>
+          <p:nvPr/>
+        </p:nvPicPr>
+        <p:blipFill>
+          <a:blip r:embed="rId4">
+            <a:extLst>
+              <a:ext uri="{28A0092B-C50C-407E-A947-70E740481C1C}">
+                <a14:useLocalDpi xmlns:a14="http://schemas.microsoft.com/office/drawing/2010/main" val="0"/>
+              </a:ext>
+            </a:extLst>
+          </a:blip>
+          <a:stretch>
+            <a:fillRect/>
+          </a:stretch>
+        </p:blipFill>
+        <p:spPr>
+          <a:xfrm>
+            <a:off x="1528862" y="5709727"/>
+            <a:ext cx="2423370" cy="693480"/>
+          </a:xfrm>
+          <a:prstGeom prst="rect">
+            <a:avLst/>
+          </a:prstGeom>
+        </p:spPr>
+      </p:pic>
+    </p:spTree>
+    <p:extLst>
+      <p:ext uri="{BB962C8B-B14F-4D97-AF65-F5344CB8AC3E}">
+        <p14:creationId xmlns:p14="http://schemas.microsoft.com/office/powerpoint/2010/main" val="2098081510"/>
+      </p:ext>
+    </p:extLst>
+  </p:cSld>
+  <p:clrMapOvr>
+    <a:masterClrMapping/>
+  </p:clrMapOvr>
+</p:sld>
+</file>
+
+<file path=ppt/slides/slide35.xml><?xml version="1.0" encoding="utf-8"?>
+<p:sld xmlns:a="http://schemas.openxmlformats.org/drawingml/2006/main" xmlns:r="http://schemas.openxmlformats.org/officeDocument/2006/relationships" xmlns:p="http://schemas.openxmlformats.org/presentationml/2006/main">
+  <p:cSld>
+    <p:spTree>
+      <p:nvGrpSpPr>
+        <p:cNvPr id="1" name=""/>
+        <p:cNvGrpSpPr/>
+        <p:nvPr/>
+      </p:nvGrpSpPr>
+      <p:grpSpPr>
+        <a:xfrm>
+          <a:off x="0" y="0"/>
+          <a:ext cx="0" cy="0"/>
+          <a:chOff x="0" y="0"/>
+          <a:chExt cx="0" cy="0"/>
+        </a:xfrm>
+      </p:grpSpPr>
+      <p:pic>
+        <p:nvPicPr>
+          <p:cNvPr id="4" name="Picture 3" descr="Screen Clipping"/>
+          <p:cNvPicPr>
+            <a:picLocks noChangeAspect="1"/>
+          </p:cNvPicPr>
+          <p:nvPr/>
+        </p:nvPicPr>
+        <p:blipFill>
+          <a:blip r:embed="rId2">
+            <a:extLst>
+              <a:ext uri="{28A0092B-C50C-407E-A947-70E740481C1C}">
+                <a14:useLocalDpi xmlns:a14="http://schemas.microsoft.com/office/drawing/2010/main" val="0"/>
+              </a:ext>
+            </a:extLst>
+          </a:blip>
+          <a:stretch>
+            <a:fillRect/>
+          </a:stretch>
+        </p:blipFill>
+        <p:spPr>
+          <a:xfrm>
+            <a:off x="632751" y="385342"/>
+            <a:ext cx="6867262" cy="3650949"/>
+          </a:xfrm>
+          <a:prstGeom prst="rect">
+            <a:avLst/>
+          </a:prstGeom>
+        </p:spPr>
+      </p:pic>
+      <p:pic>
+        <p:nvPicPr>
+          <p:cNvPr id="5" name="Picture 4" descr="Screen Clipping"/>
+          <p:cNvPicPr>
+            <a:picLocks noChangeAspect="1"/>
+          </p:cNvPicPr>
+          <p:nvPr/>
+        </p:nvPicPr>
+        <p:blipFill>
+          <a:blip r:embed="rId3">
+            <a:extLst>
+              <a:ext uri="{28A0092B-C50C-407E-A947-70E740481C1C}">
+                <a14:useLocalDpi xmlns:a14="http://schemas.microsoft.com/office/drawing/2010/main" val="0"/>
+              </a:ext>
+            </a:extLst>
+          </a:blip>
+          <a:stretch>
+            <a:fillRect/>
+          </a:stretch>
+        </p:blipFill>
+        <p:spPr>
+          <a:xfrm>
+            <a:off x="632751" y="4382702"/>
+            <a:ext cx="5555613" cy="2224437"/>
+          </a:xfrm>
+          <a:prstGeom prst="rect">
+            <a:avLst/>
+          </a:prstGeom>
+        </p:spPr>
+      </p:pic>
+    </p:spTree>
+    <p:extLst>
+      <p:ext uri="{BB962C8B-B14F-4D97-AF65-F5344CB8AC3E}">
+        <p14:creationId xmlns:p14="http://schemas.microsoft.com/office/powerpoint/2010/main" val="1875163157"/>
+      </p:ext>
+    </p:extLst>
+  </p:cSld>
+  <p:clrMapOvr>
+    <a:masterClrMapping/>
+  </p:clrMapOvr>
+</p:sld>
+</file>
+
+<file path=ppt/slides/slide36.xml><?xml version="1.0" encoding="utf-8"?>
+<p:sld xmlns:a="http://schemas.openxmlformats.org/drawingml/2006/main" xmlns:r="http://schemas.openxmlformats.org/officeDocument/2006/relationships" xmlns:p="http://schemas.openxmlformats.org/presentationml/2006/main">
+  <p:cSld>
+    <p:spTree>
+      <p:nvGrpSpPr>
+        <p:cNvPr id="1" name=""/>
+        <p:cNvGrpSpPr/>
+        <p:nvPr/>
+      </p:nvGrpSpPr>
+      <p:grpSpPr>
+        <a:xfrm>
+          <a:off x="0" y="0"/>
+          <a:ext cx="0" cy="0"/>
+          <a:chOff x="0" y="0"/>
+          <a:chExt cx="0" cy="0"/>
+        </a:xfrm>
+      </p:grpSpPr>
+      <p:sp>
+        <p:nvSpPr>
+          <p:cNvPr id="2" name="Title 1"/>
+          <p:cNvSpPr>
+            <a:spLocks noGrp="1"/>
+          </p:cNvSpPr>
+          <p:nvPr>
+            <p:ph type="title"/>
+          </p:nvPr>
+        </p:nvSpPr>
+        <p:spPr/>
+        <p:txBody>
+          <a:bodyPr/>
+          <a:lstStyle/>
+          <a:p>
+            <a:r>
+              <a:rPr lang="en-US" dirty="0"/>
+              <a:t>debugging</a:t>
+            </a:r>
+          </a:p>
+        </p:txBody>
+      </p:sp>
+      <p:sp>
+        <p:nvSpPr>
+          <p:cNvPr id="3" name="Content Placeholder 2"/>
+          <p:cNvSpPr>
+            <a:spLocks noGrp="1"/>
+          </p:cNvSpPr>
+          <p:nvPr>
+            <p:ph idx="1"/>
+          </p:nvPr>
+        </p:nvSpPr>
+        <p:spPr/>
+        <p:txBody>
+          <a:bodyPr/>
+          <a:lstStyle/>
+          <a:p>
+            <a:pPr marL="457200" indent="-339725">
+              <a:buFont typeface="Courier New" panose="02070309020205020404" pitchFamily="49" charset="0"/>
+              <a:buChar char="o"/>
+              <a:defRPr/>
+            </a:pPr>
+            <a:r>
+              <a:rPr lang="en-US" dirty="0"/>
+              <a:t>No compiler!?</a:t>
+            </a:r>
+          </a:p>
+          <a:p>
+            <a:pPr marL="457200" indent="-339725">
+              <a:buFont typeface="Courier New" panose="02070309020205020404" pitchFamily="49" charset="0"/>
+              <a:buChar char="o"/>
+              <a:defRPr/>
+            </a:pPr>
+            <a:r>
+              <a:rPr lang="en-US" dirty="0"/>
+              <a:t>Race conditions</a:t>
+            </a:r>
+          </a:p>
+          <a:p>
+            <a:pPr marL="457200" indent="-339725">
+              <a:buFont typeface="Courier New" panose="02070309020205020404" pitchFamily="49" charset="0"/>
+              <a:buChar char="o"/>
+              <a:defRPr/>
+            </a:pPr>
+            <a:r>
+              <a:rPr lang="en-US" dirty="0"/>
+              <a:t>console.log() is your friend</a:t>
+            </a:r>
+          </a:p>
+          <a:p>
+            <a:endParaRPr lang="en-US" dirty="0"/>
+          </a:p>
+          <a:p>
+            <a:endParaRPr lang="en-US" dirty="0"/>
+          </a:p>
+        </p:txBody>
+      </p:sp>
+    </p:spTree>
+    <p:extLst>
+      <p:ext uri="{BB962C8B-B14F-4D97-AF65-F5344CB8AC3E}">
+        <p14:creationId xmlns:p14="http://schemas.microsoft.com/office/powerpoint/2010/main" val="2877453753"/>
+      </p:ext>
+    </p:extLst>
+  </p:cSld>
+  <p:clrMapOvr>
+    <a:masterClrMapping/>
+  </p:clrMapOvr>
+</p:sld>
+</file>
+
+<file path=ppt/slides/slide37.xml><?xml version="1.0" encoding="utf-8"?>
+<p:sld xmlns:a="http://schemas.openxmlformats.org/drawingml/2006/main" xmlns:r="http://schemas.openxmlformats.org/officeDocument/2006/relationships" xmlns:p="http://schemas.openxmlformats.org/presentationml/2006/main">
+  <p:cSld>
+    <p:spTree>
+      <p:nvGrpSpPr>
+        <p:cNvPr id="1" name=""/>
+        <p:cNvGrpSpPr/>
+        <p:nvPr/>
+      </p:nvGrpSpPr>
+      <p:grpSpPr>
+        <a:xfrm>
+          <a:off x="0" y="0"/>
+          <a:ext cx="0" cy="0"/>
+          <a:chOff x="0" y="0"/>
+          <a:chExt cx="0" cy="0"/>
+        </a:xfrm>
+      </p:grpSpPr>
+      <p:sp>
+        <p:nvSpPr>
+          <p:cNvPr id="2" name="Title 1"/>
+          <p:cNvSpPr>
+            <a:spLocks noGrp="1"/>
+          </p:cNvSpPr>
+          <p:nvPr>
+            <p:ph type="title"/>
+          </p:nvPr>
+        </p:nvSpPr>
+        <p:spPr/>
+        <p:txBody>
+          <a:bodyPr/>
+          <a:lstStyle/>
+          <a:p>
+            <a:r>
+              <a:rPr lang="en-US" dirty="0"/>
+              <a:t>Debugging – Error Handling</a:t>
+            </a:r>
+            <a:endParaRPr lang="en-US" dirty="0"/>
+          </a:p>
+        </p:txBody>
+      </p:sp>
+      <p:sp>
+        <p:nvSpPr>
+          <p:cNvPr id="3" name="Content Placeholder 2"/>
+          <p:cNvSpPr>
+            <a:spLocks noGrp="1"/>
+          </p:cNvSpPr>
+          <p:nvPr>
+            <p:ph idx="1"/>
+          </p:nvPr>
+        </p:nvSpPr>
+        <p:spPr>
+          <a:xfrm>
+            <a:off x="1024128" y="2286000"/>
+            <a:ext cx="9720073" cy="1463964"/>
+          </a:xfrm>
+        </p:spPr>
+        <p:txBody>
+          <a:bodyPr>
+            <a:normAutofit/>
+          </a:bodyPr>
+          <a:lstStyle/>
+          <a:p>
+            <a:pPr marL="457200" indent="-339725">
+              <a:buFont typeface="Courier New" panose="02070309020205020404" pitchFamily="49" charset="0"/>
+              <a:buChar char="o"/>
+              <a:defRPr/>
+            </a:pPr>
+            <a:r>
+              <a:rPr lang="en-US" dirty="0"/>
+              <a:t>Handle every single error</a:t>
+            </a:r>
+          </a:p>
+          <a:p>
+            <a:pPr marL="457200" indent="-339725">
+              <a:buFont typeface="Courier New" panose="02070309020205020404" pitchFamily="49" charset="0"/>
+              <a:buChar char="o"/>
+              <a:defRPr/>
+            </a:pPr>
+            <a:r>
+              <a:rPr lang="en-US" dirty="0"/>
+              <a:t>Reserve first argument for error</a:t>
+            </a:r>
+          </a:p>
+          <a:p>
+            <a:pPr marL="457200" indent="-339725">
+              <a:buFont typeface="Courier New" panose="02070309020205020404" pitchFamily="49" charset="0"/>
+              <a:buChar char="o"/>
+              <a:defRPr/>
+            </a:pPr>
+            <a:r>
+              <a:rPr lang="en-US" dirty="0"/>
+              <a:t>Reduces silent failures</a:t>
+            </a:r>
+          </a:p>
+        </p:txBody>
+      </p:sp>
+      <p:pic>
+        <p:nvPicPr>
+          <p:cNvPr id="4" name="Picture 3" descr="Screen Clipping"/>
+          <p:cNvPicPr>
+            <a:picLocks noChangeAspect="1"/>
+          </p:cNvPicPr>
+          <p:nvPr/>
+        </p:nvPicPr>
+        <p:blipFill>
+          <a:blip r:embed="rId2">
+            <a:extLst>
+              <a:ext uri="{28A0092B-C50C-407E-A947-70E740481C1C}">
+                <a14:useLocalDpi xmlns:a14="http://schemas.microsoft.com/office/drawing/2010/main" val="0"/>
+              </a:ext>
+            </a:extLst>
+          </a:blip>
+          <a:stretch>
+            <a:fillRect/>
+          </a:stretch>
+        </p:blipFill>
+        <p:spPr>
+          <a:xfrm>
+            <a:off x="1024128" y="3821822"/>
+            <a:ext cx="5143946" cy="1379340"/>
+          </a:xfrm>
+          <a:prstGeom prst="rect">
+            <a:avLst/>
+          </a:prstGeom>
+        </p:spPr>
+      </p:pic>
+      <p:pic>
+        <p:nvPicPr>
+          <p:cNvPr id="5" name="Picture 4" descr="Screen Clipping"/>
+          <p:cNvPicPr>
+            <a:picLocks noChangeAspect="1"/>
+          </p:cNvPicPr>
+          <p:nvPr/>
+        </p:nvPicPr>
+        <p:blipFill>
+          <a:blip r:embed="rId3">
+            <a:extLst>
+              <a:ext uri="{28A0092B-C50C-407E-A947-70E740481C1C}">
+                <a14:useLocalDpi xmlns:a14="http://schemas.microsoft.com/office/drawing/2010/main" val="0"/>
+              </a:ext>
+            </a:extLst>
+          </a:blip>
+          <a:stretch>
+            <a:fillRect/>
+          </a:stretch>
+        </p:blipFill>
+        <p:spPr>
+          <a:xfrm>
+            <a:off x="1024128" y="5448512"/>
+            <a:ext cx="9301912" cy="1190946"/>
+          </a:xfrm>
+          <a:prstGeom prst="rect">
+            <a:avLst/>
+          </a:prstGeom>
+        </p:spPr>
+      </p:pic>
+    </p:spTree>
+    <p:extLst>
+      <p:ext uri="{BB962C8B-B14F-4D97-AF65-F5344CB8AC3E}">
+        <p14:creationId xmlns:p14="http://schemas.microsoft.com/office/powerpoint/2010/main" val="3212132670"/>
+      </p:ext>
+    </p:extLst>
+  </p:cSld>
+  <p:clrMapOvr>
+    <a:masterClrMapping/>
+  </p:clrMapOvr>
+</p:sld>
+</file>
+
+<file path=ppt/slides/slide38.xml><?xml version="1.0" encoding="utf-8"?>
+<p:sld xmlns:a="http://schemas.openxmlformats.org/drawingml/2006/main" xmlns:r="http://schemas.openxmlformats.org/officeDocument/2006/relationships" xmlns:p="http://schemas.openxmlformats.org/presentationml/2006/main">
+  <p:cSld>
+    <p:spTree>
+      <p:nvGrpSpPr>
+        <p:cNvPr id="1" name=""/>
+        <p:cNvGrpSpPr/>
+        <p:nvPr/>
+      </p:nvGrpSpPr>
+      <p:grpSpPr>
+        <a:xfrm>
+          <a:off x="0" y="0"/>
+          <a:ext cx="0" cy="0"/>
+          <a:chOff x="0" y="0"/>
+          <a:chExt cx="0" cy="0"/>
+        </a:xfrm>
+      </p:grpSpPr>
+      <p:sp>
+        <p:nvSpPr>
+          <p:cNvPr id="2" name="Title 1"/>
+          <p:cNvSpPr>
+            <a:spLocks noGrp="1"/>
+          </p:cNvSpPr>
+          <p:nvPr>
+            <p:ph type="title"/>
+          </p:nvPr>
+        </p:nvSpPr>
+        <p:spPr/>
+        <p:txBody>
+          <a:bodyPr/>
+          <a:lstStyle/>
+          <a:p>
+            <a:r>
+              <a:rPr lang="en-US" dirty="0"/>
+              <a:t>Debugging – Debuggers!</a:t>
+            </a:r>
+            <a:endParaRPr lang="en-US" dirty="0"/>
+          </a:p>
+        </p:txBody>
+      </p:sp>
+      <p:sp>
+        <p:nvSpPr>
+          <p:cNvPr id="3" name="Content Placeholder 2"/>
+          <p:cNvSpPr>
+            <a:spLocks noGrp="1"/>
+          </p:cNvSpPr>
+          <p:nvPr>
+            <p:ph idx="1"/>
+          </p:nvPr>
+        </p:nvSpPr>
+        <p:spPr>
+          <a:xfrm>
+            <a:off x="1024128" y="2285999"/>
+            <a:ext cx="9720073" cy="2461491"/>
+          </a:xfrm>
+        </p:spPr>
+        <p:txBody>
+          <a:bodyPr>
+            <a:normAutofit/>
+          </a:bodyPr>
+          <a:lstStyle/>
+          <a:p>
+            <a:pPr marL="457200" indent="-339725">
+              <a:buFont typeface="Courier New" panose="02070309020205020404" pitchFamily="49" charset="0"/>
+              <a:buChar char="o"/>
+              <a:defRPr/>
+            </a:pPr>
+            <a:r>
+              <a:rPr lang="en-US" dirty="0"/>
+              <a:t>Node ships with a debugger</a:t>
+            </a:r>
+          </a:p>
+          <a:p>
+            <a:pPr marL="457200" indent="-339725">
+              <a:buFont typeface="Courier New" panose="02070309020205020404" pitchFamily="49" charset="0"/>
+              <a:buChar char="o"/>
+              <a:defRPr/>
+            </a:pPr>
+            <a:r>
+              <a:rPr lang="en-US" dirty="0"/>
+              <a:t>Pause, break, resume functions</a:t>
+            </a:r>
+          </a:p>
+          <a:p>
+            <a:pPr marL="457200" indent="-339725">
+              <a:buFont typeface="Courier New" panose="02070309020205020404" pitchFamily="49" charset="0"/>
+              <a:buChar char="o"/>
+              <a:defRPr/>
+            </a:pPr>
+            <a:r>
+              <a:rPr lang="en-US" dirty="0"/>
+              <a:t>3</a:t>
+            </a:r>
+            <a:r>
+              <a:rPr lang="en-US" baseline="30000" dirty="0"/>
+              <a:t>rd</a:t>
+            </a:r>
+            <a:r>
+              <a:rPr lang="en-US" dirty="0"/>
+              <a:t> party libraries </a:t>
+            </a:r>
+          </a:p>
+          <a:p>
+            <a:pPr marL="457200" indent="-339725">
+              <a:buFont typeface="Courier New" panose="02070309020205020404" pitchFamily="49" charset="0"/>
+              <a:buChar char="o"/>
+              <a:defRPr/>
+            </a:pPr>
+            <a:r>
+              <a:rPr lang="en-US" dirty="0"/>
+              <a:t>Chrome debugging</a:t>
+            </a:r>
+          </a:p>
+        </p:txBody>
+      </p:sp>
+    </p:spTree>
+    <p:extLst>
+      <p:ext uri="{BB962C8B-B14F-4D97-AF65-F5344CB8AC3E}">
+        <p14:creationId xmlns:p14="http://schemas.microsoft.com/office/powerpoint/2010/main" val="909404023"/>
+      </p:ext>
+    </p:extLst>
+  </p:cSld>
+  <p:clrMapOvr>
+    <a:masterClrMapping/>
+  </p:clrMapOvr>
+</p:sld>
+</file>
+
+<file path=ppt/slides/slide39.xml><?xml version="1.0" encoding="utf-8"?>
+<p:sld xmlns:a="http://schemas.openxmlformats.org/drawingml/2006/main" xmlns:r="http://schemas.openxmlformats.org/officeDocument/2006/relationships" xmlns:p="http://schemas.openxmlformats.org/presentationml/2006/main">
+  <p:cSld>
+    <p:spTree>
+      <p:nvGrpSpPr>
+        <p:cNvPr id="1" name=""/>
+        <p:cNvGrpSpPr/>
+        <p:nvPr/>
+      </p:nvGrpSpPr>
+      <p:grpSpPr>
+        <a:xfrm>
+          <a:off x="0" y="0"/>
+          <a:ext cx="0" cy="0"/>
+          <a:chOff x="0" y="0"/>
+          <a:chExt cx="0" cy="0"/>
+        </a:xfrm>
+      </p:grpSpPr>
+      <p:sp>
+        <p:nvSpPr>
+          <p:cNvPr id="2" name="Title 1"/>
+          <p:cNvSpPr>
+            <a:spLocks noGrp="1"/>
+          </p:cNvSpPr>
+          <p:nvPr>
+            <p:ph type="title"/>
+          </p:nvPr>
+        </p:nvSpPr>
+        <p:spPr/>
+        <p:txBody>
+          <a:bodyPr/>
+          <a:lstStyle/>
+          <a:p>
+            <a:r>
+              <a:rPr lang="en-US" dirty="0"/>
+              <a:t>Debuggers</a:t>
+            </a:r>
+            <a:endParaRPr lang="en-US" dirty="0"/>
+          </a:p>
+        </p:txBody>
+      </p:sp>
+      <p:pic>
+        <p:nvPicPr>
+          <p:cNvPr id="1026" name="Picture 2" descr="https://docs.strongloop.com/download/attachments/3834805/node-inspector-initial.png?version=1&amp;modificationDate=1405037077000&amp;api=v2"/>
+          <p:cNvPicPr>
+            <a:picLocks noChangeAspect="1" noChangeArrowheads="1"/>
+          </p:cNvPicPr>
+          <p:nvPr/>
+        </p:nvPicPr>
+        <p:blipFill>
+          <a:blip r:embed="rId2">
+            <a:extLst>
+              <a:ext uri="{28A0092B-C50C-407E-A947-70E740481C1C}">
+                <a14:useLocalDpi xmlns:a14="http://schemas.microsoft.com/office/drawing/2010/main" val="0"/>
+              </a:ext>
+            </a:extLst>
+          </a:blip>
+          <a:srcRect/>
+          <a:stretch>
+            <a:fillRect/>
+          </a:stretch>
+        </p:blipFill>
+        <p:spPr bwMode="auto">
+          <a:xfrm>
+            <a:off x="5743720" y="1217754"/>
+            <a:ext cx="6337443" cy="5640246"/>
+          </a:xfrm>
+          <a:prstGeom prst="rect">
+            <a:avLst/>
+          </a:prstGeom>
+          <a:noFill/>
+          <a:extLst>
+            <a:ext uri="{909E8E84-426E-40DD-AFC4-6F175D3DCCD1}">
+              <a14:hiddenFill xmlns:a14="http://schemas.microsoft.com/office/drawing/2010/main">
+                <a:solidFill>
+                  <a:srgbClr val="FFFFFF"/>
+                </a:solidFill>
+              </a14:hiddenFill>
+            </a:ext>
+          </a:extLst>
+        </p:spPr>
+      </p:pic>
+      <p:pic>
+        <p:nvPicPr>
+          <p:cNvPr id="7" name="Picture 6" descr="Screen Clipping"/>
+          <p:cNvPicPr>
+            <a:picLocks noChangeAspect="1"/>
+          </p:cNvPicPr>
+          <p:nvPr/>
+        </p:nvPicPr>
+        <p:blipFill>
+          <a:blip r:embed="rId3">
+            <a:extLst>
+              <a:ext uri="{28A0092B-C50C-407E-A947-70E740481C1C}">
+                <a14:useLocalDpi xmlns:a14="http://schemas.microsoft.com/office/drawing/2010/main" val="0"/>
+              </a:ext>
+            </a:extLst>
+          </a:blip>
+          <a:stretch>
+            <a:fillRect/>
+          </a:stretch>
+        </p:blipFill>
+        <p:spPr>
+          <a:xfrm>
+            <a:off x="636202" y="1948875"/>
+            <a:ext cx="4887144" cy="1035494"/>
+          </a:xfrm>
+          <a:prstGeom prst="rect">
+            <a:avLst/>
+          </a:prstGeom>
+        </p:spPr>
+      </p:pic>
+    </p:spTree>
+    <p:extLst>
+      <p:ext uri="{BB962C8B-B14F-4D97-AF65-F5344CB8AC3E}">
+        <p14:creationId xmlns:p14="http://schemas.microsoft.com/office/powerpoint/2010/main" val="4071237592"/>
       </p:ext>
     </p:extLst>
   </p:cSld>
@@ -21832,6 +28671,9 @@
             </a:r>
             <a:r>
               <a:rPr lang="en-US" sz="4800" dirty="0">
+                <a:solidFill>
+                  <a:srgbClr val="7030A0"/>
+                </a:solidFill>
                 <a:latin typeface="Curlz MT" panose="04040404050702020202" pitchFamily="82" charset="0"/>
               </a:rPr>
               <a:t>strange</a:t>
@@ -21926,6 +28768,180 @@
     <p:extLst>
       <p:ext uri="{BB962C8B-B14F-4D97-AF65-F5344CB8AC3E}">
         <p14:creationId xmlns:p14="http://schemas.microsoft.com/office/powerpoint/2010/main" val="1816226518"/>
+      </p:ext>
+    </p:extLst>
+  </p:cSld>
+  <p:clrMapOvr>
+    <a:masterClrMapping/>
+  </p:clrMapOvr>
+</p:sld>
+</file>
+
+<file path=ppt/slides/slide40.xml><?xml version="1.0" encoding="utf-8"?>
+<p:sld xmlns:a="http://schemas.openxmlformats.org/drawingml/2006/main" xmlns:r="http://schemas.openxmlformats.org/officeDocument/2006/relationships" xmlns:p="http://schemas.openxmlformats.org/presentationml/2006/main">
+  <p:cSld>
+    <p:spTree>
+      <p:nvGrpSpPr>
+        <p:cNvPr id="1" name=""/>
+        <p:cNvGrpSpPr/>
+        <p:nvPr/>
+      </p:nvGrpSpPr>
+      <p:grpSpPr>
+        <a:xfrm>
+          <a:off x="0" y="0"/>
+          <a:ext cx="0" cy="0"/>
+          <a:chOff x="0" y="0"/>
+          <a:chExt cx="0" cy="0"/>
+        </a:xfrm>
+      </p:grpSpPr>
+      <p:sp>
+        <p:nvSpPr>
+          <p:cNvPr id="2" name="Title 1"/>
+          <p:cNvSpPr>
+            <a:spLocks noGrp="1"/>
+          </p:cNvSpPr>
+          <p:nvPr>
+            <p:ph type="title"/>
+          </p:nvPr>
+        </p:nvSpPr>
+        <p:spPr/>
+        <p:txBody>
+          <a:bodyPr/>
+          <a:lstStyle/>
+          <a:p>
+            <a:r>
+              <a:rPr lang="en-US" dirty="0"/>
+              <a:t>Resources</a:t>
+            </a:r>
+          </a:p>
+        </p:txBody>
+      </p:sp>
+      <p:sp>
+        <p:nvSpPr>
+          <p:cNvPr id="3" name="Content Placeholder 2"/>
+          <p:cNvSpPr>
+            <a:spLocks noGrp="1"/>
+          </p:cNvSpPr>
+          <p:nvPr>
+            <p:ph idx="1"/>
+          </p:nvPr>
+        </p:nvSpPr>
+        <p:spPr/>
+        <p:txBody>
+          <a:bodyPr>
+            <a:normAutofit/>
+          </a:bodyPr>
+          <a:lstStyle/>
+          <a:p>
+            <a:pPr marL="457200" indent="-339725">
+              <a:buFont typeface="Courier New" panose="02070309020205020404" pitchFamily="49" charset="0"/>
+              <a:buChar char="o"/>
+              <a:defRPr/>
+            </a:pPr>
+            <a:r>
+              <a:rPr lang="en-US" sz="2800" dirty="0"/>
+              <a:t>Presentation and examples</a:t>
+            </a:r>
+          </a:p>
+          <a:p>
+            <a:pPr marL="630936" lvl="1" indent="-339725">
+              <a:buFont typeface="Courier New" panose="02070309020205020404" pitchFamily="49" charset="0"/>
+              <a:buChar char="o"/>
+              <a:defRPr/>
+            </a:pPr>
+            <a:r>
+              <a:rPr lang="en-US" sz="2400" dirty="0">
+                <a:hlinkClick r:id="rId2"/>
+              </a:rPr>
+              <a:t>https://github.com/melissakendall/node-tutorial</a:t>
+            </a:r>
+            <a:endParaRPr lang="en-US" sz="2400" dirty="0"/>
+          </a:p>
+          <a:p>
+            <a:pPr marL="457200" indent="-339725">
+              <a:buFont typeface="Courier New" panose="02070309020205020404" pitchFamily="49" charset="0"/>
+              <a:buChar char="o"/>
+              <a:defRPr/>
+            </a:pPr>
+            <a:r>
+              <a:rPr lang="en-US" sz="2800" dirty="0"/>
+              <a:t>Presentation based on</a:t>
+            </a:r>
+          </a:p>
+          <a:p>
+            <a:pPr marL="630936" lvl="1" indent="-339725">
+              <a:buFont typeface="Courier New" panose="02070309020205020404" pitchFamily="49" charset="0"/>
+              <a:buChar char="o"/>
+              <a:defRPr/>
+            </a:pPr>
+            <a:r>
+              <a:rPr lang="en-US" sz="2400" dirty="0">
+                <a:hlinkClick r:id="rId3"/>
+              </a:rPr>
+              <a:t>http://callbackhell.com/</a:t>
+            </a:r>
+            <a:r>
+              <a:rPr lang="en-US" sz="2400" dirty="0"/>
+              <a:t> </a:t>
+            </a:r>
+          </a:p>
+          <a:p>
+            <a:pPr marL="457200" indent="-339725">
+              <a:buFont typeface="Courier New" panose="02070309020205020404" pitchFamily="49" charset="0"/>
+              <a:buChar char="o"/>
+              <a:defRPr/>
+            </a:pPr>
+            <a:r>
+              <a:rPr lang="en-US" sz="2800" dirty="0"/>
+              <a:t>Debugging resources</a:t>
+            </a:r>
+          </a:p>
+          <a:p>
+            <a:pPr marL="630936" lvl="1" indent="-339725">
+              <a:buFont typeface="Courier New" panose="02070309020205020404" pitchFamily="49" charset="0"/>
+              <a:buChar char="o"/>
+              <a:defRPr/>
+            </a:pPr>
+            <a:r>
+              <a:rPr lang="en-US" sz="2400" dirty="0">
+                <a:hlinkClick r:id="rId4"/>
+              </a:rPr>
+              <a:t>http://www.nearform.com/nodecrunch/node-js-develop-debugging-techniques/</a:t>
+            </a:r>
+            <a:r>
+              <a:rPr lang="en-US" sz="2400" dirty="0"/>
+              <a:t> </a:t>
+            </a:r>
+            <a:endParaRPr lang="en-US" sz="2400" dirty="0"/>
+          </a:p>
+          <a:p>
+            <a:pPr marL="630936" lvl="1" indent="-339725">
+              <a:buFont typeface="Courier New" panose="02070309020205020404" pitchFamily="49" charset="0"/>
+              <a:buChar char="o"/>
+              <a:defRPr/>
+            </a:pPr>
+            <a:endParaRPr lang="en-US" sz="2000" dirty="0"/>
+          </a:p>
+          <a:p>
+            <a:pPr marL="630936" lvl="1" indent="-339725">
+              <a:buFont typeface="Courier New" panose="02070309020205020404" pitchFamily="49" charset="0"/>
+              <a:buChar char="o"/>
+              <a:defRPr/>
+            </a:pPr>
+            <a:endParaRPr lang="en-US" sz="2000" dirty="0"/>
+          </a:p>
+          <a:p>
+            <a:pPr marL="0" indent="0">
+              <a:buNone/>
+            </a:pPr>
+            <a:endParaRPr lang="en-US" sz="2800" dirty="0"/>
+          </a:p>
+        </p:txBody>
+      </p:sp>
+    </p:spTree>
+    <p:extLst>
+      <p:ext uri="{BB962C8B-B14F-4D97-AF65-F5344CB8AC3E}">
+        <p14:creationId xmlns:p14="http://schemas.microsoft.com/office/powerpoint/2010/main" val="1318458831"/>
       </p:ext>
     </p:extLst>
   </p:cSld>
@@ -22355,6 +29371,16 @@
             </a:r>
           </a:p>
           <a:p>
+            <a:pPr marL="457200" indent="-339725">
+              <a:buFont typeface="Courier New" panose="02070309020205020404" pitchFamily="49" charset="0"/>
+              <a:buChar char="o"/>
+            </a:pPr>
+            <a:r>
+              <a:rPr lang="nl-NL" dirty="0"/>
+              <a:t>Stores values in package.json</a:t>
+            </a:r>
+          </a:p>
+          <a:p>
             <a:pPr marL="117475" indent="0">
               <a:buNone/>
             </a:pPr>
@@ -22379,66 +29405,6 @@
 </file>
 
 <file path=ppt/slides/slide8.xml><?xml version="1.0" encoding="utf-8"?>
-<p:sld xmlns:a="http://schemas.openxmlformats.org/drawingml/2006/main" xmlns:r="http://schemas.openxmlformats.org/officeDocument/2006/relationships" xmlns:p="http://schemas.openxmlformats.org/presentationml/2006/main">
-  <p:cSld>
-    <p:spTree>
-      <p:nvGrpSpPr>
-        <p:cNvPr id="1" name=""/>
-        <p:cNvGrpSpPr/>
-        <p:nvPr/>
-      </p:nvGrpSpPr>
-      <p:grpSpPr>
-        <a:xfrm>
-          <a:off x="0" y="0"/>
-          <a:ext cx="0" cy="0"/>
-          <a:chOff x="0" y="0"/>
-          <a:chExt cx="0" cy="0"/>
-        </a:xfrm>
-      </p:grpSpPr>
-      <p:pic>
-        <p:nvPicPr>
-          <p:cNvPr id="4" name="Picture 3" descr="Screen Clipping"/>
-          <p:cNvPicPr>
-            <a:picLocks noChangeAspect="1"/>
-          </p:cNvPicPr>
-          <p:nvPr/>
-        </p:nvPicPr>
-        <p:blipFill>
-          <a:blip r:embed="rId2">
-            <a:extLst>
-              <a:ext uri="{28A0092B-C50C-407E-A947-70E740481C1C}">
-                <a14:useLocalDpi xmlns:a14="http://schemas.microsoft.com/office/drawing/2010/main" val="0"/>
-              </a:ext>
-            </a:extLst>
-          </a:blip>
-          <a:stretch>
-            <a:fillRect/>
-          </a:stretch>
-        </p:blipFill>
-        <p:spPr>
-          <a:xfrm>
-            <a:off x="297762" y="279136"/>
-            <a:ext cx="5204911" cy="6096528"/>
-          </a:xfrm>
-          <a:prstGeom prst="rect">
-            <a:avLst/>
-          </a:prstGeom>
-        </p:spPr>
-      </p:pic>
-    </p:spTree>
-    <p:extLst>
-      <p:ext uri="{BB962C8B-B14F-4D97-AF65-F5344CB8AC3E}">
-        <p14:creationId xmlns:p14="http://schemas.microsoft.com/office/powerpoint/2010/main" val="1746676972"/>
-      </p:ext>
-    </p:extLst>
-  </p:cSld>
-  <p:clrMapOvr>
-    <a:masterClrMapping/>
-  </p:clrMapOvr>
-</p:sld>
-</file>
-
-<file path=ppt/slides/slide9.xml><?xml version="1.0" encoding="utf-8"?>
 <p:sld xmlns:a="http://schemas.openxmlformats.org/drawingml/2006/main" xmlns:r="http://schemas.openxmlformats.org/officeDocument/2006/relationships" xmlns:p="http://schemas.openxmlformats.org/presentationml/2006/main">
   <p:cSld>
     <p:spTree>
@@ -22539,14 +29505,368 @@
       </p:pic>
       <p:pic>
         <p:nvPicPr>
-          <p:cNvPr id="12" name="Picture 11" descr="Screen Clipping"/>
+          <p:cNvPr id="4" name="Picture 3"/>
           <p:cNvPicPr>
             <a:picLocks noChangeAspect="1"/>
           </p:cNvPicPr>
           <p:nvPr/>
         </p:nvPicPr>
         <p:blipFill>
-          <a:blip r:embed="rId4">
+          <a:blip r:embed="rId4"/>
+          <a:stretch>
+            <a:fillRect/>
+          </a:stretch>
+        </p:blipFill>
+        <p:spPr>
+          <a:xfrm>
+            <a:off x="759111" y="2414367"/>
+            <a:ext cx="3702052" cy="391982"/>
+          </a:xfrm>
+          <a:prstGeom prst="rect">
+            <a:avLst/>
+          </a:prstGeom>
+        </p:spPr>
+      </p:pic>
+      <p:cxnSp>
+        <p:nvCxnSpPr>
+          <p:cNvPr id="13" name="Straight Arrow Connector 12"/>
+          <p:cNvCxnSpPr>
+            <a:stCxn id="4" idx="3"/>
+            <a:endCxn id="14" idx="1"/>
+          </p:cNvCxnSpPr>
+          <p:nvPr/>
+        </p:nvCxnSpPr>
+        <p:spPr>
+          <a:xfrm>
+            <a:off x="4461163" y="2610358"/>
+            <a:ext cx="1043709" cy="0"/>
+          </a:xfrm>
+          <a:prstGeom prst="straightConnector1">
+            <a:avLst/>
+          </a:prstGeom>
+          <a:ln w="19050">
+            <a:solidFill>
+              <a:srgbClr val="FF0000"/>
+            </a:solidFill>
+            <a:tailEnd type="triangle"/>
+          </a:ln>
+        </p:spPr>
+        <p:style>
+          <a:lnRef idx="1">
+            <a:schemeClr val="accent1"/>
+          </a:lnRef>
+          <a:fillRef idx="0">
+            <a:schemeClr val="accent1"/>
+          </a:fillRef>
+          <a:effectRef idx="0">
+            <a:schemeClr val="accent1"/>
+          </a:effectRef>
+          <a:fontRef idx="minor">
+            <a:schemeClr val="tx1"/>
+          </a:fontRef>
+        </p:style>
+      </p:cxnSp>
+      <p:sp>
+        <p:nvSpPr>
+          <p:cNvPr id="14" name="Rectangle 13"/>
+          <p:cNvSpPr/>
+          <p:nvPr/>
+        </p:nvSpPr>
+        <p:spPr>
+          <a:xfrm>
+            <a:off x="5504872" y="2073635"/>
+            <a:ext cx="3860800" cy="1073446"/>
+          </a:xfrm>
+          <a:prstGeom prst="rect">
+            <a:avLst/>
+          </a:prstGeom>
+          <a:noFill/>
+          <a:ln>
+            <a:solidFill>
+              <a:srgbClr val="FF0000"/>
+            </a:solidFill>
+          </a:ln>
+        </p:spPr>
+        <p:style>
+          <a:lnRef idx="2">
+            <a:schemeClr val="accent1">
+              <a:shade val="50000"/>
+            </a:schemeClr>
+          </a:lnRef>
+          <a:fillRef idx="1">
+            <a:schemeClr val="accent1"/>
+          </a:fillRef>
+          <a:effectRef idx="0">
+            <a:schemeClr val="accent1"/>
+          </a:effectRef>
+          <a:fontRef idx="minor">
+            <a:schemeClr val="lt1"/>
+          </a:fontRef>
+        </p:style>
+        <p:txBody>
+          <a:bodyPr rtlCol="0" anchor="ctr"/>
+          <a:lstStyle/>
+          <a:p>
+            <a:pPr algn="ctr"/>
+            <a:r>
+              <a:rPr lang="en-US" dirty="0">
+                <a:solidFill>
+                  <a:schemeClr val="tx1"/>
+                </a:solidFill>
+              </a:rPr>
+              <a:t>Installs all packages in </a:t>
+            </a:r>
+            <a:r>
+              <a:rPr lang="en-US" dirty="0" err="1">
+                <a:solidFill>
+                  <a:schemeClr val="tx1"/>
+                </a:solidFill>
+              </a:rPr>
+              <a:t>package.json</a:t>
+            </a:r>
+            <a:endParaRPr lang="en-US" dirty="0">
+              <a:solidFill>
+                <a:schemeClr val="tx1"/>
+              </a:solidFill>
+            </a:endParaRPr>
+          </a:p>
+          <a:p>
+            <a:pPr algn="ctr"/>
+            <a:r>
+              <a:rPr lang="en-US" dirty="0">
+                <a:solidFill>
+                  <a:schemeClr val="tx1"/>
+                </a:solidFill>
+              </a:rPr>
+              <a:t>To install and save a new package, use </a:t>
+            </a:r>
+            <a:r>
+              <a:rPr lang="en-US" dirty="0" err="1">
+                <a:solidFill>
+                  <a:schemeClr val="tx1"/>
+                </a:solidFill>
+              </a:rPr>
+              <a:t>npm</a:t>
+            </a:r>
+            <a:r>
+              <a:rPr lang="en-US" dirty="0">
+                <a:solidFill>
+                  <a:schemeClr val="tx1"/>
+                </a:solidFill>
+              </a:rPr>
+              <a:t> install (name)--save</a:t>
+            </a:r>
+          </a:p>
+        </p:txBody>
+      </p:sp>
+      <p:cxnSp>
+        <p:nvCxnSpPr>
+          <p:cNvPr id="18" name="Straight Arrow Connector 17"/>
+          <p:cNvCxnSpPr>
+            <a:stCxn id="21" idx="3"/>
+            <a:endCxn id="19" idx="1"/>
+          </p:cNvCxnSpPr>
+          <p:nvPr/>
+        </p:nvCxnSpPr>
+        <p:spPr>
+          <a:xfrm flipV="1">
+            <a:off x="7767782" y="5572571"/>
+            <a:ext cx="886691" cy="1"/>
+          </a:xfrm>
+          <a:prstGeom prst="straightConnector1">
+            <a:avLst/>
+          </a:prstGeom>
+          <a:ln w="19050">
+            <a:solidFill>
+              <a:srgbClr val="FF0000"/>
+            </a:solidFill>
+            <a:tailEnd type="triangle"/>
+          </a:ln>
+        </p:spPr>
+        <p:style>
+          <a:lnRef idx="1">
+            <a:schemeClr val="accent1"/>
+          </a:lnRef>
+          <a:fillRef idx="0">
+            <a:schemeClr val="accent1"/>
+          </a:fillRef>
+          <a:effectRef idx="0">
+            <a:schemeClr val="accent1"/>
+          </a:effectRef>
+          <a:fontRef idx="minor">
+            <a:schemeClr val="tx1"/>
+          </a:fontRef>
+        </p:style>
+      </p:cxnSp>
+      <p:sp>
+        <p:nvSpPr>
+          <p:cNvPr id="19" name="Rectangle 18"/>
+          <p:cNvSpPr/>
+          <p:nvPr/>
+        </p:nvSpPr>
+        <p:spPr>
+          <a:xfrm>
+            <a:off x="8654473" y="5277042"/>
+            <a:ext cx="1976582" cy="591057"/>
+          </a:xfrm>
+          <a:prstGeom prst="rect">
+            <a:avLst/>
+          </a:prstGeom>
+          <a:noFill/>
+          <a:ln>
+            <a:solidFill>
+              <a:srgbClr val="FF0000"/>
+            </a:solidFill>
+          </a:ln>
+        </p:spPr>
+        <p:style>
+          <a:lnRef idx="2">
+            <a:schemeClr val="accent1">
+              <a:shade val="50000"/>
+            </a:schemeClr>
+          </a:lnRef>
+          <a:fillRef idx="1">
+            <a:schemeClr val="accent1"/>
+          </a:fillRef>
+          <a:effectRef idx="0">
+            <a:schemeClr val="accent1"/>
+          </a:effectRef>
+          <a:fontRef idx="minor">
+            <a:schemeClr val="lt1"/>
+          </a:fontRef>
+        </p:style>
+        <p:txBody>
+          <a:bodyPr rtlCol="0" anchor="ctr"/>
+          <a:lstStyle/>
+          <a:p>
+            <a:pPr algn="ctr"/>
+            <a:r>
+              <a:rPr lang="en-US" dirty="0">
+                <a:solidFill>
+                  <a:schemeClr val="tx1"/>
+                </a:solidFill>
+              </a:rPr>
+              <a:t>Must specify file format</a:t>
+            </a:r>
+          </a:p>
+        </p:txBody>
+      </p:sp>
+      <p:sp>
+        <p:nvSpPr>
+          <p:cNvPr id="21" name="Rectangle 20"/>
+          <p:cNvSpPr/>
+          <p:nvPr/>
+        </p:nvSpPr>
+        <p:spPr>
+          <a:xfrm>
+            <a:off x="6950363" y="5387879"/>
+            <a:ext cx="817419" cy="369385"/>
+          </a:xfrm>
+          <a:prstGeom prst="rect">
+            <a:avLst/>
+          </a:prstGeom>
+          <a:noFill/>
+          <a:ln>
+            <a:solidFill>
+              <a:srgbClr val="FF0000"/>
+            </a:solidFill>
+          </a:ln>
+        </p:spPr>
+        <p:style>
+          <a:lnRef idx="2">
+            <a:schemeClr val="accent1">
+              <a:shade val="50000"/>
+            </a:schemeClr>
+          </a:lnRef>
+          <a:fillRef idx="1">
+            <a:schemeClr val="accent1"/>
+          </a:fillRef>
+          <a:effectRef idx="0">
+            <a:schemeClr val="accent1"/>
+          </a:effectRef>
+          <a:fontRef idx="minor">
+            <a:schemeClr val="lt1"/>
+          </a:fontRef>
+        </p:style>
+        <p:txBody>
+          <a:bodyPr rtlCol="0" anchor="ctr"/>
+          <a:lstStyle/>
+          <a:p>
+            <a:pPr algn="ctr"/>
+            <a:endParaRPr lang="en-US" dirty="0">
+              <a:solidFill>
+                <a:schemeClr val="tx1"/>
+              </a:solidFill>
+            </a:endParaRPr>
+          </a:p>
+        </p:txBody>
+      </p:sp>
+    </p:spTree>
+    <p:extLst>
+      <p:ext uri="{BB962C8B-B14F-4D97-AF65-F5344CB8AC3E}">
+        <p14:creationId xmlns:p14="http://schemas.microsoft.com/office/powerpoint/2010/main" val="251121636"/>
+      </p:ext>
+    </p:extLst>
+  </p:cSld>
+  <p:clrMapOvr>
+    <a:masterClrMapping/>
+  </p:clrMapOvr>
+</p:sld>
+</file>
+
+<file path=ppt/slides/slide9.xml><?xml version="1.0" encoding="utf-8"?>
+<p:sld xmlns:a="http://schemas.openxmlformats.org/drawingml/2006/main" xmlns:r="http://schemas.openxmlformats.org/officeDocument/2006/relationships" xmlns:p="http://schemas.openxmlformats.org/presentationml/2006/main">
+  <p:cSld>
+    <p:spTree>
+      <p:nvGrpSpPr>
+        <p:cNvPr id="1" name=""/>
+        <p:cNvGrpSpPr/>
+        <p:nvPr/>
+      </p:nvGrpSpPr>
+      <p:grpSpPr>
+        <a:xfrm>
+          <a:off x="0" y="0"/>
+          <a:ext cx="0" cy="0"/>
+          <a:chOff x="0" y="0"/>
+          <a:chExt cx="0" cy="0"/>
+        </a:xfrm>
+      </p:grpSpPr>
+      <p:sp>
+        <p:nvSpPr>
+          <p:cNvPr id="2" name="Title 1"/>
+          <p:cNvSpPr>
+            <a:spLocks noGrp="1"/>
+          </p:cNvSpPr>
+          <p:nvPr>
+            <p:ph type="title"/>
+          </p:nvPr>
+        </p:nvSpPr>
+        <p:spPr/>
+        <p:txBody>
+          <a:bodyPr/>
+          <a:lstStyle/>
+          <a:p>
+            <a:r>
+              <a:rPr lang="en-US" dirty="0" err="1"/>
+              <a:t>Async</a:t>
+            </a:r>
+            <a:r>
+              <a:rPr lang="en-US" dirty="0"/>
+              <a:t> vs sync</a:t>
+            </a:r>
+          </a:p>
+        </p:txBody>
+      </p:sp>
+      <p:pic>
+        <p:nvPicPr>
+          <p:cNvPr id="4" name="Picture 3" descr="Screen Clipping"/>
+          <p:cNvPicPr>
+            <a:picLocks noChangeAspect="1"/>
+          </p:cNvPicPr>
+          <p:nvPr/>
+        </p:nvPicPr>
+        <p:blipFill>
+          <a:blip r:embed="rId2">
             <a:extLst>
               <a:ext uri="{28A0092B-C50C-407E-A947-70E740481C1C}">
                 <a14:useLocalDpi xmlns:a14="http://schemas.microsoft.com/office/drawing/2010/main" val="0"/>
@@ -22559,18 +29879,257 @@
         </p:blipFill>
         <p:spPr>
           <a:xfrm>
-            <a:off x="759111" y="2450519"/>
-            <a:ext cx="4851321" cy="375808"/>
+            <a:off x="823766" y="4347742"/>
+            <a:ext cx="8032176" cy="1554615"/>
           </a:xfrm>
           <a:prstGeom prst="rect">
             <a:avLst/>
           </a:prstGeom>
         </p:spPr>
       </p:pic>
+      <p:pic>
+        <p:nvPicPr>
+          <p:cNvPr id="6" name="Picture 5" descr="Screen Clipping"/>
+          <p:cNvPicPr>
+            <a:picLocks noChangeAspect="1"/>
+          </p:cNvPicPr>
+          <p:nvPr/>
+        </p:nvPicPr>
+        <p:blipFill>
+          <a:blip r:embed="rId3">
+            <a:extLst>
+              <a:ext uri="{28A0092B-C50C-407E-A947-70E740481C1C}">
+                <a14:useLocalDpi xmlns:a14="http://schemas.microsoft.com/office/drawing/2010/main" val="0"/>
+              </a:ext>
+            </a:extLst>
+          </a:blip>
+          <a:stretch>
+            <a:fillRect/>
+          </a:stretch>
+        </p:blipFill>
+        <p:spPr>
+          <a:xfrm>
+            <a:off x="823766" y="2497430"/>
+            <a:ext cx="7178662" cy="929721"/>
+          </a:xfrm>
+          <a:prstGeom prst="rect">
+            <a:avLst/>
+          </a:prstGeom>
+        </p:spPr>
+      </p:pic>
+      <p:sp>
+        <p:nvSpPr>
+          <p:cNvPr id="5" name="Rectangle 4"/>
+          <p:cNvSpPr/>
+          <p:nvPr/>
+        </p:nvSpPr>
+        <p:spPr>
+          <a:xfrm>
+            <a:off x="5440218" y="4976773"/>
+            <a:ext cx="1080656" cy="269482"/>
+          </a:xfrm>
+          <a:prstGeom prst="rect">
+            <a:avLst/>
+          </a:prstGeom>
+          <a:noFill/>
+          <a:ln>
+            <a:solidFill>
+              <a:srgbClr val="FF0000"/>
+            </a:solidFill>
+          </a:ln>
+        </p:spPr>
+        <p:style>
+          <a:lnRef idx="2">
+            <a:schemeClr val="accent1">
+              <a:shade val="50000"/>
+            </a:schemeClr>
+          </a:lnRef>
+          <a:fillRef idx="1">
+            <a:schemeClr val="accent1"/>
+          </a:fillRef>
+          <a:effectRef idx="0">
+            <a:schemeClr val="accent1"/>
+          </a:effectRef>
+          <a:fontRef idx="minor">
+            <a:schemeClr val="lt1"/>
+          </a:fontRef>
+        </p:style>
+        <p:txBody>
+          <a:bodyPr rtlCol="0" anchor="ctr"/>
+          <a:lstStyle/>
+          <a:p>
+            <a:pPr algn="ctr"/>
+            <a:endParaRPr lang="en-US"/>
+          </a:p>
+        </p:txBody>
+      </p:sp>
+      <p:cxnSp>
+        <p:nvCxnSpPr>
+          <p:cNvPr id="7" name="Straight Arrow Connector 6"/>
+          <p:cNvCxnSpPr>
+            <a:stCxn id="5" idx="2"/>
+          </p:cNvCxnSpPr>
+          <p:nvPr/>
+        </p:nvCxnSpPr>
+        <p:spPr>
+          <a:xfrm>
+            <a:off x="5980546" y="5246255"/>
+            <a:ext cx="0" cy="831257"/>
+          </a:xfrm>
+          <a:prstGeom prst="straightConnector1">
+            <a:avLst/>
+          </a:prstGeom>
+          <a:ln w="19050">
+            <a:solidFill>
+              <a:srgbClr val="FF0000"/>
+            </a:solidFill>
+            <a:tailEnd type="triangle"/>
+          </a:ln>
+        </p:spPr>
+        <p:style>
+          <a:lnRef idx="1">
+            <a:schemeClr val="accent1"/>
+          </a:lnRef>
+          <a:fillRef idx="0">
+            <a:schemeClr val="accent1"/>
+          </a:fillRef>
+          <a:effectRef idx="0">
+            <a:schemeClr val="accent1"/>
+          </a:effectRef>
+          <a:fontRef idx="minor">
+            <a:schemeClr val="tx1"/>
+          </a:fontRef>
+        </p:style>
+      </p:cxnSp>
+      <p:sp>
+        <p:nvSpPr>
+          <p:cNvPr id="8" name="Rectangle 7"/>
+          <p:cNvSpPr/>
+          <p:nvPr/>
+        </p:nvSpPr>
+        <p:spPr>
+          <a:xfrm>
+            <a:off x="4939232" y="6031332"/>
+            <a:ext cx="2082628" cy="780488"/>
+          </a:xfrm>
+          <a:prstGeom prst="rect">
+            <a:avLst/>
+          </a:prstGeom>
+          <a:noFill/>
+          <a:ln>
+            <a:solidFill>
+              <a:srgbClr val="FF0000"/>
+            </a:solidFill>
+          </a:ln>
+        </p:spPr>
+        <p:style>
+          <a:lnRef idx="2">
+            <a:schemeClr val="accent1">
+              <a:shade val="50000"/>
+            </a:schemeClr>
+          </a:lnRef>
+          <a:fillRef idx="1">
+            <a:schemeClr val="accent1"/>
+          </a:fillRef>
+          <a:effectRef idx="0">
+            <a:schemeClr val="accent1"/>
+          </a:effectRef>
+          <a:fontRef idx="minor">
+            <a:schemeClr val="lt1"/>
+          </a:fontRef>
+        </p:style>
+        <p:txBody>
+          <a:bodyPr rtlCol="0" anchor="ctr"/>
+          <a:lstStyle/>
+          <a:p>
+            <a:pPr algn="ctr"/>
+            <a:r>
+              <a:rPr lang="en-US" dirty="0">
+                <a:solidFill>
+                  <a:schemeClr val="tx1"/>
+                </a:solidFill>
+              </a:rPr>
+              <a:t>Callback function, more on this later</a:t>
+            </a:r>
+          </a:p>
+        </p:txBody>
+      </p:sp>
+      <p:sp>
+        <p:nvSpPr>
+          <p:cNvPr id="23" name="TextBox 22"/>
+          <p:cNvSpPr txBox="1"/>
+          <p:nvPr/>
+        </p:nvSpPr>
+        <p:spPr>
+          <a:xfrm>
+            <a:off x="823765" y="1940213"/>
+            <a:ext cx="8865180" cy="523220"/>
+          </a:xfrm>
+          <a:prstGeom prst="rect">
+            <a:avLst/>
+          </a:prstGeom>
+          <a:noFill/>
+        </p:spPr>
+        <p:txBody>
+          <a:bodyPr wrap="square" rtlCol="0">
+            <a:spAutoFit/>
+          </a:bodyPr>
+          <a:lstStyle/>
+          <a:p>
+            <a:r>
+              <a:rPr lang="en-US" sz="2800" dirty="0"/>
+              <a:t>Sync – “normal” behavior, will wait for </a:t>
+            </a:r>
+            <a:r>
+              <a:rPr lang="en-US" sz="2800" dirty="0" err="1"/>
+              <a:t>readFileSync</a:t>
+            </a:r>
+            <a:endParaRPr lang="en-US" sz="2800" dirty="0"/>
+          </a:p>
+        </p:txBody>
+      </p:sp>
+      <p:sp>
+        <p:nvSpPr>
+          <p:cNvPr id="24" name="TextBox 23"/>
+          <p:cNvSpPr txBox="1"/>
+          <p:nvPr/>
+        </p:nvSpPr>
+        <p:spPr>
+          <a:xfrm>
+            <a:off x="823765" y="3821669"/>
+            <a:ext cx="8338708" cy="523220"/>
+          </a:xfrm>
+          <a:prstGeom prst="rect">
+            <a:avLst/>
+          </a:prstGeom>
+          <a:noFill/>
+        </p:spPr>
+        <p:txBody>
+          <a:bodyPr wrap="square" rtlCol="0">
+            <a:spAutoFit/>
+          </a:bodyPr>
+          <a:lstStyle/>
+          <a:p>
+            <a:r>
+              <a:rPr lang="en-US" sz="2800" dirty="0" err="1"/>
+              <a:t>Async</a:t>
+            </a:r>
+            <a:r>
+              <a:rPr lang="en-US" sz="2800" dirty="0"/>
+              <a:t> – non-blocking behavior, will not wait for </a:t>
+            </a:r>
+            <a:r>
+              <a:rPr lang="en-US" sz="2800" dirty="0" err="1"/>
+              <a:t>readFile</a:t>
+            </a:r>
+            <a:endParaRPr lang="en-US" sz="2800" dirty="0"/>
+          </a:p>
+        </p:txBody>
+      </p:sp>
     </p:spTree>
     <p:extLst>
       <p:ext uri="{BB962C8B-B14F-4D97-AF65-F5344CB8AC3E}">
-        <p14:creationId xmlns:p14="http://schemas.microsoft.com/office/powerpoint/2010/main" val="251121636"/>
+        <p14:creationId xmlns:p14="http://schemas.microsoft.com/office/powerpoint/2010/main" val="4020452091"/>
       </p:ext>
     </p:extLst>
   </p:cSld>
